--- a/spring13/slides13/gamblers-ruin-prob-win.pptx
+++ b/spring13/slides13/gamblers-ruin-prob-win.pptx
@@ -11,7 +11,7 @@
     <p:handoutMasterId r:id="rId25"/>
   </p:handoutMasterIdLst>
   <p:sldIdLst>
-    <p:sldId id="256" r:id="rId2"/>
+    <p:sldId id="346" r:id="rId2"/>
     <p:sldId id="301" r:id="rId3"/>
     <p:sldId id="263" r:id="rId4"/>
     <p:sldId id="311" r:id="rId5"/>
@@ -32,7 +32,7 @@
     <p:sldId id="342" r:id="rId20"/>
     <p:sldId id="305" r:id="rId21"/>
     <p:sldId id="343" r:id="rId22"/>
-    <p:sldId id="344" r:id="rId23"/>
+    <p:sldId id="345" r:id="rId23"/>
   </p:sldIdLst>
   <p:sldSz cx="9144000" cy="6858000" type="screen4x3"/>
   <p:notesSz cx="9601200" cy="7315200"/>
@@ -2719,12 +2719,12 @@
               <a:defRPr/>
             </a:pPr>
             <a:r>
-              <a:rPr lang="en-US" dirty="0" err="1"/>
-              <a:t>Lec</a:t>
+              <a:rPr lang="en-US" dirty="0" err="1" smtClean="0"/>
+              <a:t>ruinwin</a:t>
             </a:r>
             <a:r>
               <a:rPr lang="en-US" dirty="0" smtClean="0"/>
-              <a:t> 14M.</a:t>
+              <a:t>.</a:t>
             </a:r>
             <a:fld id="{52DC2636-7C60-9B40-89EE-9F4C3E34F60C}" type="slidenum">
               <a:rPr lang="en-US" smtClean="0"/>
@@ -2790,7 +2790,11 @@
             </a:pPr>
             <a:r>
               <a:rPr lang="en-US" dirty="0" smtClean="0"/>
-              <a:t>Albert R Meyer,                        May 14, 2012</a:t>
+              <a:t>Albert R Meyer,                        </a:t>
+            </a:r>
+            <a:r>
+              <a:rPr lang="en-US" dirty="0" smtClean="0"/>
+              <a:t>May 15, 2013</a:t>
             </a:r>
             <a:endParaRPr lang="en-US" dirty="0"/>
           </a:p>
@@ -2919,12 +2923,12 @@
               <a:defRPr/>
             </a:pPr>
             <a:r>
-              <a:rPr lang="en-US" dirty="0" err="1"/>
-              <a:t>Lec</a:t>
+              <a:rPr lang="en-US" dirty="0" err="1" smtClean="0"/>
+              <a:t>ruinwin</a:t>
             </a:r>
             <a:r>
               <a:rPr lang="en-US" dirty="0" smtClean="0"/>
-              <a:t> 14M.</a:t>
+              <a:t>.</a:t>
             </a:r>
             <a:fld id="{E877D3CB-F960-BD47-98A7-06971C504846}" type="slidenum">
               <a:rPr lang="en-US" smtClean="0"/>
@@ -2990,7 +2994,11 @@
             </a:pPr>
             <a:r>
               <a:rPr lang="en-US" dirty="0" smtClean="0"/>
-              <a:t>Albert R Meyer,                        May 14, 2012</a:t>
+              <a:t>Albert R Meyer,                        </a:t>
+            </a:r>
+            <a:r>
+              <a:rPr lang="en-US" dirty="0" smtClean="0"/>
+              <a:t>May 15, 2013</a:t>
             </a:r>
             <a:endParaRPr lang="en-US" dirty="0"/>
           </a:p>
@@ -3067,12 +3075,12 @@
               <a:defRPr/>
             </a:pPr>
             <a:r>
-              <a:rPr lang="en-US" dirty="0" err="1"/>
-              <a:t>Lec</a:t>
+              <a:rPr lang="en-US" dirty="0" err="1" smtClean="0"/>
+              <a:t>ruinwin</a:t>
             </a:r>
             <a:r>
               <a:rPr lang="en-US" dirty="0" smtClean="0"/>
-              <a:t> 14M.</a:t>
+              <a:t>.</a:t>
             </a:r>
             <a:fld id="{33406DE3-95F7-424A-AC10-91858B7908A3}" type="slidenum">
               <a:rPr lang="en-US" smtClean="0"/>
@@ -3138,7 +3146,11 @@
             </a:pPr>
             <a:r>
               <a:rPr lang="en-US" dirty="0" smtClean="0"/>
-              <a:t>Albert R Meyer,                        May 14, 2012</a:t>
+              <a:t>Albert R Meyer,                        </a:t>
+            </a:r>
+            <a:r>
+              <a:rPr lang="en-US" dirty="0" smtClean="0"/>
+              <a:t>May 15, 2013</a:t>
             </a:r>
             <a:endParaRPr lang="en-US" dirty="0"/>
           </a:p>
@@ -3192,12 +3204,12 @@
               <a:defRPr/>
             </a:pPr>
             <a:r>
-              <a:rPr lang="en-US" dirty="0" err="1"/>
-              <a:t>Lec</a:t>
+              <a:rPr lang="en-US" dirty="0" err="1" smtClean="0"/>
+              <a:t>ruinwin</a:t>
             </a:r>
             <a:r>
               <a:rPr lang="en-US" dirty="0" smtClean="0"/>
-              <a:t> 14M.</a:t>
+              <a:t>.</a:t>
             </a:r>
             <a:fld id="{C316881D-9589-DF4F-A336-A08976BD8D3F}" type="slidenum">
               <a:rPr lang="en-US" smtClean="0"/>
@@ -3263,7 +3275,11 @@
             </a:pPr>
             <a:r>
               <a:rPr lang="en-US" dirty="0" smtClean="0"/>
-              <a:t>Albert R Meyer,                       May 14, 2012</a:t>
+              <a:t>Albert R Meyer,                       </a:t>
+            </a:r>
+            <a:r>
+              <a:rPr lang="en-US" dirty="0" smtClean="0"/>
+              <a:t>May 15, 2013</a:t>
             </a:r>
             <a:endParaRPr lang="en-US" dirty="0"/>
           </a:p>
@@ -3476,12 +3492,12 @@
               <a:defRPr/>
             </a:pPr>
             <a:r>
-              <a:rPr lang="en-US" dirty="0" err="1"/>
-              <a:t>Lec</a:t>
+              <a:rPr lang="en-US" dirty="0" err="1" smtClean="0"/>
+              <a:t>ruinwin</a:t>
             </a:r>
             <a:r>
               <a:rPr lang="en-US" dirty="0" smtClean="0"/>
-              <a:t> 14M.</a:t>
+              <a:t>.</a:t>
             </a:r>
             <a:fld id="{A8E63D04-532A-9B48-95DF-D3C7BF4C2159}" type="slidenum">
               <a:rPr lang="en-US" smtClean="0"/>
@@ -3547,7 +3563,11 @@
             </a:pPr>
             <a:r>
               <a:rPr lang="en-US" dirty="0" smtClean="0"/>
-              <a:t>Albert R Meyer,                       May 14, 2012</a:t>
+              <a:t>Albert R Meyer,                       </a:t>
+            </a:r>
+            <a:r>
+              <a:rPr lang="en-US" dirty="0" smtClean="0"/>
+              <a:t>May 15, 2013</a:t>
             </a:r>
             <a:endParaRPr lang="en-US" dirty="0"/>
           </a:p>
@@ -3748,7 +3768,7 @@
             </a:pPr>
             <a:r>
               <a:rPr lang="en-US" dirty="0" smtClean="0"/>
-              <a:t>Albert R Meyer,                        May 14, 2012</a:t>
+              <a:t>Albert R Meyer,                        May 15, 2013</a:t>
             </a:r>
             <a:endParaRPr lang="en-US" dirty="0"/>
           </a:p>
@@ -3796,19 +3816,15 @@
               <a:defRPr/>
             </a:pPr>
             <a:r>
-              <a:rPr lang="en-US" dirty="0" err="1"/>
-              <a:t>Lec</a:t>
-            </a:r>
-            <a:r>
-              <a:rPr lang="en-US" dirty="0"/>
-              <a:t> </a:t>
+              <a:rPr lang="en-US" dirty="0" err="1" smtClean="0"/>
+              <a:t>ruinwin</a:t>
             </a:r>
             <a:r>
               <a:rPr lang="en-US" dirty="0" smtClean="0"/>
-              <a:t>14M.</a:t>
+              <a:t>.</a:t>
             </a:r>
             <a:fld id="{C89161E8-A6DA-FD48-A57E-E88250C15759}" type="slidenum">
-              <a:rPr lang="en-US"/>
+              <a:rPr lang="en-US" smtClean="0"/>
               <a:pPr>
                 <a:defRPr/>
               </a:pPr>
@@ -4349,12 +4365,12 @@
           <a:lstStyle/>
           <a:p>
             <a:r>
-              <a:rPr lang="en-US" dirty="0" err="1"/>
-              <a:t>Lec</a:t>
+              <a:rPr lang="en-US" dirty="0" err="1" smtClean="0"/>
+              <a:t>ruinwin</a:t>
             </a:r>
             <a:r>
               <a:rPr lang="en-US" dirty="0" smtClean="0"/>
-              <a:t> 14M.</a:t>
+              <a:t>.</a:t>
             </a:r>
             <a:fld id="{2D031A48-BBCF-B248-9771-B601B0D38C0B}" type="slidenum">
               <a:rPr lang="en-US" smtClean="0"/>
@@ -4380,25 +4396,18 @@
         </p:nvSpPr>
         <p:spPr>
           <a:xfrm>
-            <a:off x="228600" y="1447800"/>
-            <a:ext cx="8686800" cy="4038600"/>
+            <a:off x="1524000" y="1828800"/>
+            <a:ext cx="6248400" cy="1828800"/>
           </a:xfrm>
         </p:spPr>
         <p:txBody>
           <a:bodyPr/>
           <a:lstStyle/>
           <a:p>
-            <a:pPr eaLnBrk="1" hangingPunct="1"/>
+            <a:pPr algn="l" eaLnBrk="1" hangingPunct="1"/>
             <a:r>
               <a:rPr lang="en-US" sz="6600" dirty="0" smtClean="0"/>
-              <a:t>Gambler’s Ruin:</a:t>
-            </a:r>
-            <a:br>
-              <a:rPr lang="en-US" sz="6600" dirty="0" smtClean="0"/>
-            </a:br>
-            <a:r>
-              <a:rPr lang="en-US" sz="6000" dirty="0" smtClean="0"/>
-              <a:t>Probability of Winning</a:t>
+              <a:t>Gambler’s Ruin</a:t>
             </a:r>
             <a:endParaRPr lang="en-US" sz="6600" dirty="0"/>
           </a:p>
@@ -4535,23 +4544,149 @@
             </a:pPr>
             <a:r>
               <a:rPr lang="en-US" dirty="0" smtClean="0"/>
-              <a:t>Albert R Meyer,               May 14, 2012</a:t>
+              <a:t>Albert R Meyer,               </a:t>
+            </a:r>
+            <a:r>
+              <a:rPr lang="en-US" dirty="0" smtClean="0"/>
+              <a:t>May 15, 2013</a:t>
             </a:r>
             <a:endParaRPr lang="en-US" dirty="0"/>
           </a:p>
         </p:txBody>
       </p:sp>
+      <p:sp>
+        <p:nvSpPr>
+          <p:cNvPr id="2" name="TextBox 1"/>
+          <p:cNvSpPr txBox="1"/>
+          <p:nvPr/>
+        </p:nvSpPr>
+        <p:spPr>
+          <a:xfrm>
+            <a:off x="533400" y="3657600"/>
+            <a:ext cx="8174759" cy="1015663"/>
+          </a:xfrm>
+          <a:prstGeom prst="rect">
+            <a:avLst/>
+          </a:prstGeom>
+          <a:noFill/>
+        </p:spPr>
+        <p:txBody>
+          <a:bodyPr wrap="none" rtlCol="0">
+            <a:spAutoFit/>
+          </a:bodyPr>
+          <a:lstStyle/>
+          <a:p>
+            <a:r>
+              <a:rPr lang="en-US" sz="6000" dirty="0" smtClean="0"/>
+              <a:t>Probability of Winning</a:t>
+            </a:r>
+            <a:endParaRPr lang="en-US" sz="6000" dirty="0"/>
+          </a:p>
+        </p:txBody>
+      </p:sp>
     </p:spTree>
+    <p:extLst>
+      <p:ext uri="{BB962C8B-B14F-4D97-AF65-F5344CB8AC3E}">
+        <p14:creationId xmlns:p14="http://schemas.microsoft.com/office/powerpoint/2010/main" val="1041060298"/>
+      </p:ext>
+    </p:extLst>
   </p:cSld>
   <p:clrMapOvr>
     <a:masterClrMapping/>
   </p:clrMapOvr>
+  <mc:AlternateContent xmlns:mc="http://schemas.openxmlformats.org/markup-compatibility/2006" xmlns:p14="http://schemas.microsoft.com/office/powerpoint/2010/main">
+    <mc:Choice Requires="p14">
+      <p:transition spd="slow" p14:dur="2000" advClick="0"/>
+    </mc:Choice>
+    <mc:Fallback xmlns="">
+      <p:transition xmlns:p14="http://schemas.microsoft.com/office/powerpoint/2010/main" spd="slow" advClick="0"/>
+    </mc:Fallback>
+  </mc:AlternateContent>
   <p:timing>
     <p:tnLst>
       <p:par>
-        <p:cTn xmlns:p14="http://schemas.microsoft.com/office/powerpoint/2010/main" id="1" dur="indefinite" restart="never" nodeType="tmRoot"/>
+        <p:cTn xmlns:p14="http://schemas.microsoft.com/office/powerpoint/2010/main" id="1" dur="indefinite" restart="never" nodeType="tmRoot">
+          <p:childTnLst>
+            <p:seq concurrent="1" nextAc="seek">
+              <p:cTn id="2" dur="indefinite" nodeType="mainSeq">
+                <p:childTnLst>
+                  <p:par>
+                    <p:cTn id="3" fill="hold">
+                      <p:stCondLst>
+                        <p:cond delay="indefinite"/>
+                      </p:stCondLst>
+                      <p:childTnLst>
+                        <p:par>
+                          <p:cTn id="4" fill="hold">
+                            <p:stCondLst>
+                              <p:cond delay="0"/>
+                            </p:stCondLst>
+                            <p:childTnLst>
+                              <p:par>
+                                <p:cTn id="5" presetID="10" presetClass="entr" presetSubtype="0" fill="hold" grpId="0" nodeType="clickEffect">
+                                  <p:stCondLst>
+                                    <p:cond delay="0"/>
+                                  </p:stCondLst>
+                                  <p:childTnLst>
+                                    <p:set>
+                                      <p:cBhvr>
+                                        <p:cTn id="6" dur="1" fill="hold">
+                                          <p:stCondLst>
+                                            <p:cond delay="0"/>
+                                          </p:stCondLst>
+                                        </p:cTn>
+                                        <p:tgtEl>
+                                          <p:spTgt spid="2"/>
+                                        </p:tgtEl>
+                                        <p:attrNameLst>
+                                          <p:attrName>style.visibility</p:attrName>
+                                        </p:attrNameLst>
+                                      </p:cBhvr>
+                                      <p:to>
+                                        <p:strVal val="visible"/>
+                                      </p:to>
+                                    </p:set>
+                                    <p:animEffect transition="in" filter="fade">
+                                      <p:cBhvr>
+                                        <p:cTn id="7" dur="500"/>
+                                        <p:tgtEl>
+                                          <p:spTgt spid="2"/>
+                                        </p:tgtEl>
+                                      </p:cBhvr>
+                                    </p:animEffect>
+                                  </p:childTnLst>
+                                </p:cTn>
+                              </p:par>
+                            </p:childTnLst>
+                          </p:cTn>
+                        </p:par>
+                      </p:childTnLst>
+                    </p:cTn>
+                  </p:par>
+                </p:childTnLst>
+              </p:cTn>
+              <p:prevCondLst>
+                <p:cond evt="onPrev" delay="0">
+                  <p:tgtEl>
+                    <p:sldTgt/>
+                  </p:tgtEl>
+                </p:cond>
+              </p:prevCondLst>
+              <p:nextCondLst>
+                <p:cond evt="onNext" delay="0">
+                  <p:tgtEl>
+                    <p:sldTgt/>
+                  </p:tgtEl>
+                </p:cond>
+              </p:nextCondLst>
+            </p:seq>
+          </p:childTnLst>
+        </p:cTn>
       </p:par>
     </p:tnLst>
+    <p:bldLst>
+      <p:bldP spid="2" grpId="0"/>
+    </p:bldLst>
   </p:timing>
 </p:sld>
 </file>
@@ -4591,12 +4726,12 @@
           <a:lstStyle/>
           <a:p>
             <a:r>
-              <a:rPr lang="en-US" dirty="0" err="1"/>
-              <a:t>Lec</a:t>
+              <a:rPr lang="en-US" dirty="0" err="1" smtClean="0"/>
+              <a:t>ruinwin</a:t>
             </a:r>
             <a:r>
               <a:rPr lang="en-US" dirty="0" smtClean="0"/>
-              <a:t> 14M.</a:t>
+              <a:t>.</a:t>
             </a:r>
             <a:fld id="{B826CD8C-0477-834C-B53A-FCC4FCE3844A}" type="slidenum">
               <a:rPr lang="en-US" smtClean="0"/>
@@ -6287,7 +6422,11 @@
             </a:pPr>
             <a:r>
               <a:rPr lang="en-US" dirty="0" smtClean="0"/>
-              <a:t>Albert R Meyer,               May 14, 2012</a:t>
+              <a:t>Albert R Meyer,               </a:t>
+            </a:r>
+            <a:r>
+              <a:rPr lang="en-US" dirty="0" smtClean="0"/>
+              <a:t>May 15, 2013</a:t>
             </a:r>
             <a:endParaRPr lang="en-US" dirty="0"/>
           </a:p>
@@ -7082,12 +7221,12 @@
           <a:lstStyle/>
           <a:p>
             <a:r>
-              <a:rPr lang="en-US" dirty="0" err="1"/>
-              <a:t>Lec</a:t>
+              <a:rPr lang="en-US" dirty="0" err="1" smtClean="0"/>
+              <a:t>ruinwin</a:t>
             </a:r>
             <a:r>
               <a:rPr lang="en-US" dirty="0" smtClean="0"/>
-              <a:t> 14M.</a:t>
+              <a:t>.</a:t>
             </a:r>
             <a:fld id="{AFF3B048-DFE0-4C46-9EA8-032933489598}" type="slidenum">
               <a:rPr lang="en-US" smtClean="0"/>
@@ -7873,7 +8012,11 @@
             </a:pPr>
             <a:r>
               <a:rPr lang="en-US" dirty="0" smtClean="0"/>
-              <a:t>Albert R Meyer,               May 14, 2012</a:t>
+              <a:t>Albert R Meyer,               </a:t>
+            </a:r>
+            <a:r>
+              <a:rPr lang="en-US" dirty="0" smtClean="0"/>
+              <a:t>May 15, 2013</a:t>
             </a:r>
             <a:endParaRPr lang="en-US" dirty="0"/>
           </a:p>
@@ -8479,12 +8622,12 @@
           <a:lstStyle/>
           <a:p>
             <a:r>
-              <a:rPr lang="en-US" dirty="0" err="1"/>
-              <a:t>Lec</a:t>
+              <a:rPr lang="en-US" dirty="0" err="1" smtClean="0"/>
+              <a:t>ruinwin</a:t>
             </a:r>
             <a:r>
               <a:rPr lang="en-US" dirty="0" smtClean="0"/>
-              <a:t> 14M.</a:t>
+              <a:t>.</a:t>
             </a:r>
             <a:fld id="{AFF3B048-DFE0-4C46-9EA8-032933489598}" type="slidenum">
               <a:rPr lang="en-US" smtClean="0"/>
@@ -9174,7 +9317,11 @@
             </a:pPr>
             <a:r>
               <a:rPr lang="en-US" dirty="0" smtClean="0"/>
-              <a:t>Albert R Meyer,               May 14, 2012</a:t>
+              <a:t>Albert R Meyer,               </a:t>
+            </a:r>
+            <a:r>
+              <a:rPr lang="en-US" dirty="0" smtClean="0"/>
+              <a:t>May 15, 2013</a:t>
             </a:r>
             <a:endParaRPr lang="en-US" dirty="0"/>
           </a:p>
@@ -9514,7 +9661,12 @@
             <p:ph type="title"/>
           </p:nvPr>
         </p:nvSpPr>
-        <p:spPr/>
+        <p:spPr>
+          <a:xfrm>
+            <a:off x="1671638" y="228600"/>
+            <a:ext cx="6024562" cy="1069975"/>
+          </a:xfrm>
+        </p:spPr>
         <p:txBody>
           <a:bodyPr/>
           <a:lstStyle/>
@@ -9876,11 +10028,11 @@
             </a:pPr>
             <a:r>
               <a:rPr lang="en-US" dirty="0" err="1" smtClean="0"/>
-              <a:t>Lec</a:t>
+              <a:t>ruinwin</a:t>
             </a:r>
             <a:r>
               <a:rPr lang="en-US" dirty="0" smtClean="0"/>
-              <a:t> 14M.</a:t>
+              <a:t>.</a:t>
             </a:r>
             <a:fld id="{E877D3CB-F960-BD47-98A7-06971C504846}" type="slidenum">
               <a:rPr lang="en-US" smtClean="0"/>
@@ -9919,7 +10071,11 @@
             </a:pPr>
             <a:r>
               <a:rPr lang="en-US" dirty="0" smtClean="0"/>
-              <a:t>Albert R Meyer,                       May 14, 2012</a:t>
+              <a:t>Albert R Meyer,                       </a:t>
+            </a:r>
+            <a:r>
+              <a:rPr lang="en-US" dirty="0" smtClean="0"/>
+              <a:t>May 15, 2013</a:t>
             </a:r>
             <a:endParaRPr lang="en-US" dirty="0"/>
           </a:p>
@@ -9959,9 +10115,6 @@
                     <p:cTn id="3" fill="hold">
                       <p:stCondLst>
                         <p:cond delay="indefinite"/>
-                        <p:cond evt="onBegin" delay="0">
-                          <p:tn val="2"/>
-                        </p:cond>
                       </p:stCondLst>
                       <p:childTnLst>
                         <p:par>
@@ -9971,7 +10124,7 @@
                             </p:stCondLst>
                             <p:childTnLst>
                               <p:par>
-                                <p:cTn id="5" presetID="22" presetClass="entr" presetSubtype="8" fill="hold" grpId="0" nodeType="afterEffect">
+                                <p:cTn id="5" presetID="2" presetClass="entr" presetSubtype="1" fill="hold" grpId="0" nodeType="clickEffect">
                                   <p:stCondLst>
                                     <p:cond delay="0"/>
                                   </p:stCondLst>
@@ -9979,67 +10132,6 @@
                                     <p:set>
                                       <p:cBhvr>
                                         <p:cTn id="6" dur="1" fill="hold">
-                                          <p:stCondLst>
-                                            <p:cond delay="0"/>
-                                          </p:stCondLst>
-                                        </p:cTn>
-                                        <p:tgtEl>
-                                          <p:spTgt spid="3">
-                                            <p:txEl>
-                                              <p:pRg st="0" end="0"/>
-                                            </p:txEl>
-                                          </p:spTgt>
-                                        </p:tgtEl>
-                                        <p:attrNameLst>
-                                          <p:attrName>style.visibility</p:attrName>
-                                        </p:attrNameLst>
-                                      </p:cBhvr>
-                                      <p:to>
-                                        <p:strVal val="visible"/>
-                                      </p:to>
-                                    </p:set>
-                                    <p:animEffect transition="in" filter="wipe(left)">
-                                      <p:cBhvr>
-                                        <p:cTn id="7" dur="500"/>
-                                        <p:tgtEl>
-                                          <p:spTgt spid="3">
-                                            <p:txEl>
-                                              <p:pRg st="0" end="0"/>
-                                            </p:txEl>
-                                          </p:spTgt>
-                                        </p:tgtEl>
-                                      </p:cBhvr>
-                                    </p:animEffect>
-                                  </p:childTnLst>
-                                </p:cTn>
-                              </p:par>
-                            </p:childTnLst>
-                          </p:cTn>
-                        </p:par>
-                      </p:childTnLst>
-                    </p:cTn>
-                  </p:par>
-                  <p:par>
-                    <p:cTn id="8" fill="hold">
-                      <p:stCondLst>
-                        <p:cond delay="indefinite"/>
-                      </p:stCondLst>
-                      <p:childTnLst>
-                        <p:par>
-                          <p:cTn id="9" fill="hold">
-                            <p:stCondLst>
-                              <p:cond delay="0"/>
-                            </p:stCondLst>
-                            <p:childTnLst>
-                              <p:par>
-                                <p:cTn id="10" presetID="2" presetClass="entr" presetSubtype="1" fill="hold" grpId="0" nodeType="clickEffect">
-                                  <p:stCondLst>
-                                    <p:cond delay="0"/>
-                                  </p:stCondLst>
-                                  <p:childTnLst>
-                                    <p:set>
-                                      <p:cBhvr>
-                                        <p:cTn id="11" dur="1" fill="hold">
                                           <p:stCondLst>
                                             <p:cond delay="0"/>
                                           </p:stCondLst>
@@ -10057,7 +10149,7 @@
                                     </p:set>
                                     <p:anim calcmode="lin" valueType="num">
                                       <p:cBhvr additive="base">
-                                        <p:cTn id="12" dur="500" fill="hold"/>
+                                        <p:cTn id="7" dur="500" fill="hold"/>
                                         <p:tgtEl>
                                           <p:spTgt spid="2"/>
                                         </p:tgtEl>
@@ -10080,7 +10172,7 @@
                                     </p:anim>
                                     <p:anim calcmode="lin" valueType="num">
                                       <p:cBhvr additive="base">
-                                        <p:cTn id="13" dur="500" fill="hold"/>
+                                        <p:cTn id="8" dur="500" fill="hold"/>
                                         <p:tgtEl>
                                           <p:spTgt spid="2"/>
                                         </p:tgtEl>
@@ -10101,6 +10193,67 @@
                                         </p:tav>
                                       </p:tavLst>
                                     </p:anim>
+                                  </p:childTnLst>
+                                </p:cTn>
+                              </p:par>
+                            </p:childTnLst>
+                          </p:cTn>
+                        </p:par>
+                      </p:childTnLst>
+                    </p:cTn>
+                  </p:par>
+                  <p:par>
+                    <p:cTn id="9" fill="hold">
+                      <p:stCondLst>
+                        <p:cond delay="indefinite"/>
+                      </p:stCondLst>
+                      <p:childTnLst>
+                        <p:par>
+                          <p:cTn id="10" fill="hold">
+                            <p:stCondLst>
+                              <p:cond delay="0"/>
+                            </p:stCondLst>
+                            <p:childTnLst>
+                              <p:par>
+                                <p:cTn id="11" presetID="22" presetClass="entr" presetSubtype="8" fill="hold" grpId="0" nodeType="clickEffect">
+                                  <p:stCondLst>
+                                    <p:cond delay="0"/>
+                                  </p:stCondLst>
+                                  <p:childTnLst>
+                                    <p:set>
+                                      <p:cBhvr>
+                                        <p:cTn id="12" dur="1" fill="hold">
+                                          <p:stCondLst>
+                                            <p:cond delay="0"/>
+                                          </p:stCondLst>
+                                        </p:cTn>
+                                        <p:tgtEl>
+                                          <p:spTgt spid="3">
+                                            <p:txEl>
+                                              <p:pRg st="1" end="1"/>
+                                            </p:txEl>
+                                          </p:spTgt>
+                                        </p:tgtEl>
+                                        <p:attrNameLst>
+                                          <p:attrName>style.visibility</p:attrName>
+                                        </p:attrNameLst>
+                                      </p:cBhvr>
+                                      <p:to>
+                                        <p:strVal val="visible"/>
+                                      </p:to>
+                                    </p:set>
+                                    <p:animEffect transition="in" filter="wipe(left)">
+                                      <p:cBhvr>
+                                        <p:cTn id="13" dur="1000"/>
+                                        <p:tgtEl>
+                                          <p:spTgt spid="3">
+                                            <p:txEl>
+                                              <p:pRg st="1" end="1"/>
+                                            </p:txEl>
+                                          </p:spTgt>
+                                        </p:tgtEl>
+                                      </p:cBhvr>
+                                    </p:animEffect>
                                   </p:childTnLst>
                                 </p:cTn>
                               </p:par>
@@ -10138,7 +10291,7 @@
                                         <p:tgtEl>
                                           <p:spTgt spid="3">
                                             <p:txEl>
-                                              <p:pRg st="1" end="1"/>
+                                              <p:pRg st="2" end="2"/>
                                             </p:txEl>
                                           </p:spTgt>
                                         </p:tgtEl>
@@ -10152,11 +10305,11 @@
                                     </p:set>
                                     <p:animEffect transition="in" filter="wipe(left)">
                                       <p:cBhvr>
-                                        <p:cTn id="18" dur="500"/>
+                                        <p:cTn id="18" dur="1000"/>
                                         <p:tgtEl>
                                           <p:spTgt spid="3">
                                             <p:txEl>
-                                              <p:pRg st="1" end="1"/>
+                                              <p:pRg st="2" end="2"/>
                                             </p:txEl>
                                           </p:spTgt>
                                         </p:tgtEl>
@@ -10199,67 +10352,6 @@
                                         <p:tgtEl>
                                           <p:spTgt spid="3">
                                             <p:txEl>
-                                              <p:pRg st="2" end="2"/>
-                                            </p:txEl>
-                                          </p:spTgt>
-                                        </p:tgtEl>
-                                        <p:attrNameLst>
-                                          <p:attrName>style.visibility</p:attrName>
-                                        </p:attrNameLst>
-                                      </p:cBhvr>
-                                      <p:to>
-                                        <p:strVal val="visible"/>
-                                      </p:to>
-                                    </p:set>
-                                    <p:animEffect transition="in" filter="wipe(left)">
-                                      <p:cBhvr>
-                                        <p:cTn id="23" dur="500"/>
-                                        <p:tgtEl>
-                                          <p:spTgt spid="3">
-                                            <p:txEl>
-                                              <p:pRg st="2" end="2"/>
-                                            </p:txEl>
-                                          </p:spTgt>
-                                        </p:tgtEl>
-                                      </p:cBhvr>
-                                    </p:animEffect>
-                                  </p:childTnLst>
-                                </p:cTn>
-                              </p:par>
-                            </p:childTnLst>
-                          </p:cTn>
-                        </p:par>
-                      </p:childTnLst>
-                    </p:cTn>
-                  </p:par>
-                  <p:par>
-                    <p:cTn id="24" fill="hold">
-                      <p:stCondLst>
-                        <p:cond delay="indefinite"/>
-                      </p:stCondLst>
-                      <p:childTnLst>
-                        <p:par>
-                          <p:cTn id="25" fill="hold">
-                            <p:stCondLst>
-                              <p:cond delay="0"/>
-                            </p:stCondLst>
-                            <p:childTnLst>
-                              <p:par>
-                                <p:cTn id="26" presetID="22" presetClass="entr" presetSubtype="8" fill="hold" grpId="0" nodeType="clickEffect">
-                                  <p:stCondLst>
-                                    <p:cond delay="0"/>
-                                  </p:stCondLst>
-                                  <p:childTnLst>
-                                    <p:set>
-                                      <p:cBhvr>
-                                        <p:cTn id="27" dur="1" fill="hold">
-                                          <p:stCondLst>
-                                            <p:cond delay="0"/>
-                                          </p:stCondLst>
-                                        </p:cTn>
-                                        <p:tgtEl>
-                                          <p:spTgt spid="3">
-                                            <p:txEl>
                                               <p:pRg st="3" end="3"/>
                                             </p:txEl>
                                           </p:spTgt>
@@ -10274,7 +10366,7 @@
                                     </p:set>
                                     <p:animEffect transition="in" filter="wipe(left)">
                                       <p:cBhvr>
-                                        <p:cTn id="28" dur="500"/>
+                                        <p:cTn id="23" dur="1000"/>
                                         <p:tgtEl>
                                           <p:spTgt spid="3">
                                             <p:txEl>
@@ -10357,12 +10449,12 @@
           <a:lstStyle/>
           <a:p>
             <a:r>
-              <a:rPr lang="en-US" dirty="0" err="1"/>
-              <a:t>Lec</a:t>
+              <a:rPr lang="en-US" dirty="0" err="1" smtClean="0"/>
+              <a:t>ruinwin</a:t>
             </a:r>
             <a:r>
               <a:rPr lang="en-US" dirty="0" smtClean="0"/>
-              <a:t> 14M.</a:t>
+              <a:t>.</a:t>
             </a:r>
             <a:fld id="{1CB8D558-C5D6-7E41-8E71-BB0C744D2D8B}" type="slidenum">
               <a:rPr lang="en-US" smtClean="0"/>
@@ -10386,7 +10478,12 @@
             <p:ph type="title"/>
           </p:nvPr>
         </p:nvSpPr>
-        <p:spPr/>
+        <p:spPr>
+          <a:xfrm>
+            <a:off x="1595438" y="301625"/>
+            <a:ext cx="6024562" cy="993775"/>
+          </a:xfrm>
+        </p:spPr>
         <p:txBody>
           <a:bodyPr/>
           <a:lstStyle/>
@@ -10769,7 +10866,11 @@
             </a:pPr>
             <a:r>
               <a:rPr lang="en-US" dirty="0" smtClean="0"/>
-              <a:t>Albert R Meyer,               May 14, 2012</a:t>
+              <a:t>Albert R Meyer,               </a:t>
+            </a:r>
+            <a:r>
+              <a:rPr lang="en-US" dirty="0" smtClean="0"/>
+              <a:t>May 15, 2013</a:t>
             </a:r>
             <a:endParaRPr lang="en-US" dirty="0"/>
           </a:p>
@@ -10845,7 +10946,7 @@
                                     </p:set>
                                     <p:animEffect transition="in" filter="wipe(left)">
                                       <p:cBhvr>
-                                        <p:cTn id="7" dur="500"/>
+                                        <p:cTn id="7" dur="1000"/>
                                         <p:tgtEl>
                                           <p:spTgt spid="33798">
                                             <p:txEl>
@@ -10906,7 +11007,7 @@
                                     </p:set>
                                     <p:animEffect transition="in" filter="wipe(left)">
                                       <p:cBhvr>
-                                        <p:cTn id="12" dur="500"/>
+                                        <p:cTn id="12" dur="1000"/>
                                         <p:tgtEl>
                                           <p:spTgt spid="33798">
                                             <p:txEl>
@@ -10967,7 +11068,7 @@
                                     </p:set>
                                     <p:animEffect transition="in" filter="wipe(left)">
                                       <p:cBhvr>
-                                        <p:cTn id="17" dur="500"/>
+                                        <p:cTn id="17" dur="1000"/>
                                         <p:tgtEl>
                                           <p:spTgt spid="33798">
                                             <p:txEl>
@@ -10999,7 +11100,7 @@
                             </p:stCondLst>
                             <p:childTnLst>
                               <p:par>
-                                <p:cTn id="20" presetID="9" presetClass="entr" presetSubtype="0" fill="hold" grpId="0" nodeType="clickEffect">
+                                <p:cTn id="20" presetID="10" presetClass="entr" presetSubtype="0" fill="hold" grpId="0" nodeType="clickEffect">
                                   <p:stCondLst>
                                     <p:cond delay="0"/>
                                   </p:stCondLst>
@@ -11022,7 +11123,7 @@
                                         <p:strVal val="visible"/>
                                       </p:to>
                                     </p:set>
-                                    <p:animEffect transition="in" filter="dissolve">
+                                    <p:animEffect transition="in" filter="fade">
                                       <p:cBhvr>
                                         <p:cTn id="22" dur="500"/>
                                         <p:tgtEl>
@@ -11103,12 +11204,12 @@
           <a:lstStyle/>
           <a:p>
             <a:r>
-              <a:rPr lang="en-US" dirty="0" err="1"/>
-              <a:t>Lec</a:t>
+              <a:rPr lang="en-US" dirty="0" err="1" smtClean="0"/>
+              <a:t>ruinwin</a:t>
             </a:r>
             <a:r>
               <a:rPr lang="en-US" dirty="0" smtClean="0"/>
-              <a:t> 14M.</a:t>
+              <a:t>.</a:t>
             </a:r>
             <a:fld id="{F71DCE68-83CD-E84B-A3DE-B86BB2400F98}" type="slidenum">
               <a:rPr lang="en-US" smtClean="0"/>
@@ -11429,7 +11530,11 @@
             </a:pPr>
             <a:r>
               <a:rPr lang="en-US" dirty="0" smtClean="0"/>
-              <a:t>Albert R Meyer,               May 14, 2012</a:t>
+              <a:t>Albert R Meyer,               </a:t>
+            </a:r>
+            <a:r>
+              <a:rPr lang="en-US" dirty="0" smtClean="0"/>
+              <a:t>May 15, 2013</a:t>
             </a:r>
             <a:endParaRPr lang="en-US" dirty="0"/>
           </a:p>
@@ -11479,7 +11584,7 @@
           <a:graphicData uri="http://schemas.openxmlformats.org/presentationml/2006/ole">
             <mc:AlternateContent xmlns:mc="http://schemas.openxmlformats.org/markup-compatibility/2006">
               <mc:Choice xmlns:v="urn:schemas-microsoft-com:vml" Requires="v">
-                <p:oleObj spid="_x0000_s58433" name="Equation" r:id="rId4" imgW="1028700" imgH="469900" progId="Equation.DSMT4">
+                <p:oleObj spid="_x0000_s58474" name="Equation" r:id="rId4" imgW="1028700" imgH="469900" progId="Equation.DSMT4">
                   <p:embed/>
                 </p:oleObj>
               </mc:Choice>
@@ -11549,7 +11654,7 @@
           <a:graphicData uri="http://schemas.openxmlformats.org/presentationml/2006/ole">
             <mc:AlternateContent xmlns:mc="http://schemas.openxmlformats.org/markup-compatibility/2006">
               <mc:Choice xmlns:v="urn:schemas-microsoft-com:vml" Requires="v">
-                <p:oleObj spid="_x0000_s58434" name="Equation" r:id="rId6" imgW="812800" imgH="469900" progId="Equation.DSMT4">
+                <p:oleObj spid="_x0000_s58475" name="Equation" r:id="rId6" imgW="812800" imgH="469900" progId="Equation.DSMT4">
                   <p:embed/>
                 </p:oleObj>
               </mc:Choice>
@@ -11714,7 +11819,7 @@
                             </p:stCondLst>
                             <p:childTnLst>
                               <p:par>
-                                <p:cTn id="10" presetID="9" presetClass="entr" presetSubtype="0" fill="hold" grpId="0" nodeType="clickEffect">
+                                <p:cTn id="10" presetID="10" presetClass="entr" presetSubtype="0" fill="hold" grpId="0" nodeType="clickEffect">
                                   <p:stCondLst>
                                     <p:cond delay="0"/>
                                   </p:stCondLst>
@@ -11737,7 +11842,7 @@
                                         <p:strVal val="visible"/>
                                       </p:to>
                                     </p:set>
-                                    <p:animEffect transition="in" filter="dissolve">
+                                    <p:animEffect transition="in" filter="fade">
                                       <p:cBhvr>
                                         <p:cTn id="12" dur="500"/>
                                         <p:tgtEl>
@@ -11767,7 +11872,7 @@
                             </p:stCondLst>
                             <p:childTnLst>
                               <p:par>
-                                <p:cTn id="15" presetID="1" presetClass="entr" presetSubtype="0" fill="hold" grpId="0" nodeType="clickEffect">
+                                <p:cTn id="15" presetID="10" presetClass="entr" presetSubtype="0" fill="hold" grpId="0" nodeType="clickEffect">
                                   <p:stCondLst>
                                     <p:cond delay="0"/>
                                   </p:stCondLst>
@@ -11790,6 +11895,14 @@
                                         <p:strVal val="visible"/>
                                       </p:to>
                                     </p:set>
+                                    <p:animEffect transition="in" filter="fade">
+                                      <p:cBhvr>
+                                        <p:cTn id="17" dur="500"/>
+                                        <p:tgtEl>
+                                          <p:spTgt spid="32801"/>
+                                        </p:tgtEl>
+                                      </p:cBhvr>
+                                    </p:animEffect>
                                   </p:childTnLst>
                                 </p:cTn>
                               </p:par>
@@ -11800,26 +11913,26 @@
                     </p:cTn>
                   </p:par>
                   <p:par>
-                    <p:cTn id="17" fill="hold">
+                    <p:cTn id="18" fill="hold">
                       <p:stCondLst>
                         <p:cond delay="indefinite"/>
                       </p:stCondLst>
                       <p:childTnLst>
                         <p:par>
-                          <p:cTn id="18" fill="hold">
+                          <p:cTn id="19" fill="hold">
                             <p:stCondLst>
                               <p:cond delay="0"/>
                             </p:stCondLst>
                             <p:childTnLst>
                               <p:par>
-                                <p:cTn id="19" presetID="22" presetClass="entr" presetSubtype="8" fill="hold" nodeType="clickEffect">
+                                <p:cTn id="20" presetID="22" presetClass="entr" presetSubtype="8" fill="hold" nodeType="clickEffect">
                                   <p:stCondLst>
                                     <p:cond delay="0"/>
                                   </p:stCondLst>
                                   <p:childTnLst>
                                     <p:set>
                                       <p:cBhvr>
-                                        <p:cTn id="20" dur="1" fill="hold">
+                                        <p:cTn id="21" dur="1" fill="hold">
                                           <p:stCondLst>
                                             <p:cond delay="0"/>
                                           </p:stCondLst>
@@ -11837,7 +11950,7 @@
                                     </p:set>
                                     <p:animEffect transition="in" filter="wipe(left)">
                                       <p:cBhvr>
-                                        <p:cTn id="21" dur="500"/>
+                                        <p:cTn id="22" dur="1000"/>
                                         <p:tgtEl>
                                           <p:spTgt spid="58371"/>
                                         </p:tgtEl>
@@ -11917,12 +12030,12 @@
           <a:lstStyle/>
           <a:p>
             <a:r>
-              <a:rPr lang="en-US" dirty="0" err="1"/>
-              <a:t>Lec</a:t>
+              <a:rPr lang="en-US" dirty="0" err="1" smtClean="0"/>
+              <a:t>ruinwin</a:t>
             </a:r>
             <a:r>
               <a:rPr lang="en-US" dirty="0" smtClean="0"/>
-              <a:t> 14M.</a:t>
+              <a:t>.</a:t>
             </a:r>
             <a:fld id="{DAF848F9-8936-D246-AA1C-2FD33CAFBEED}" type="slidenum">
               <a:rPr lang="en-US" smtClean="0"/>
@@ -12159,7 +12272,11 @@
             </a:pPr>
             <a:r>
               <a:rPr lang="en-US" dirty="0" smtClean="0"/>
-              <a:t>Albert R Meyer,               May 14, 2012</a:t>
+              <a:t>Albert R Meyer,               </a:t>
+            </a:r>
+            <a:r>
+              <a:rPr lang="en-US" dirty="0" smtClean="0"/>
+              <a:t>May 15, 2013</a:t>
             </a:r>
             <a:endParaRPr lang="en-US" dirty="0"/>
           </a:p>
@@ -12181,7 +12298,7 @@
           <a:graphicData uri="http://schemas.openxmlformats.org/presentationml/2006/ole">
             <mc:AlternateContent xmlns:mc="http://schemas.openxmlformats.org/markup-compatibility/2006">
               <mc:Choice xmlns:v="urn:schemas-microsoft-com:vml" Requires="v">
-                <p:oleObj spid="_x0000_s60518" name="Equation" r:id="rId4" imgW="812800" imgH="469900" progId="Equation.DSMT4">
+                <p:oleObj spid="_x0000_s60576" name="Equation" r:id="rId4" imgW="812800" imgH="469900" progId="Equation.DSMT4">
                   <p:embed/>
                 </p:oleObj>
               </mc:Choice>
@@ -12265,7 +12382,7 @@
           <a:graphicData uri="http://schemas.openxmlformats.org/presentationml/2006/ole">
             <mc:AlternateContent xmlns:mc="http://schemas.openxmlformats.org/markup-compatibility/2006">
               <mc:Choice xmlns:v="urn:schemas-microsoft-com:vml" Requires="v">
-                <p:oleObj spid="_x0000_s60519" name="Equation" r:id="rId6" imgW="368300" imgH="469900" progId="Equation.DSMT4">
+                <p:oleObj spid="_x0000_s60577" name="Equation" r:id="rId6" imgW="368300" imgH="469900" progId="Equation.DSMT4">
                   <p:embed/>
                 </p:oleObj>
               </mc:Choice>
@@ -12349,7 +12466,7 @@
           <a:graphicData uri="http://schemas.openxmlformats.org/presentationml/2006/ole">
             <mc:AlternateContent xmlns:mc="http://schemas.openxmlformats.org/markup-compatibility/2006">
               <mc:Choice xmlns:v="urn:schemas-microsoft-com:vml" Requires="v">
-                <p:oleObj spid="_x0000_s60520" name="Equation" r:id="rId8" imgW="571500" imgH="596900" progId="Equation.DSMT4">
+                <p:oleObj spid="_x0000_s60578" name="Equation" r:id="rId8" imgW="571500" imgH="596900" progId="Equation.DSMT4">
                   <p:embed/>
                 </p:oleObj>
               </mc:Choice>
@@ -12551,7 +12668,7 @@
                             </p:stCondLst>
                             <p:childTnLst>
                               <p:par>
-                                <p:cTn id="5" presetID="9" presetClass="entr" presetSubtype="0" fill="hold" grpId="0" nodeType="afterEffect">
+                                <p:cTn id="5" presetID="10" presetClass="entr" presetSubtype="0" fill="hold" grpId="0" nodeType="afterEffect">
                                   <p:stCondLst>
                                     <p:cond delay="0"/>
                                   </p:stCondLst>
@@ -12574,7 +12691,7 @@
                                         <p:strVal val="visible"/>
                                       </p:to>
                                     </p:set>
-                                    <p:animEffect transition="in" filter="dissolve">
+                                    <p:animEffect transition="in" filter="fade">
                                       <p:cBhvr>
                                         <p:cTn id="7" dur="500"/>
                                         <p:tgtEl>
@@ -12629,7 +12746,7 @@
                                     </p:set>
                                     <p:animEffect transition="in" filter="wipe(left)">
                                       <p:cBhvr>
-                                        <p:cTn id="12" dur="500"/>
+                                        <p:cTn id="12" dur="1000"/>
                                         <p:tgtEl>
                                           <p:spTgt spid="60418"/>
                                         </p:tgtEl>
@@ -12682,7 +12799,7 @@
                                     </p:set>
                                     <p:animEffect transition="in" filter="wipe(left)">
                                       <p:cBhvr>
-                                        <p:cTn id="17" dur="500"/>
+                                        <p:cTn id="17" dur="1000"/>
                                         <p:tgtEl>
                                           <p:spTgt spid="60419"/>
                                         </p:tgtEl>
@@ -12735,7 +12852,7 @@
                                     </p:set>
                                     <p:animEffect transition="in" filter="wipe(left)">
                                       <p:cBhvr>
-                                        <p:cTn id="22" dur="500"/>
+                                        <p:cTn id="22" dur="1000"/>
                                         <p:tgtEl>
                                           <p:spTgt spid="60420"/>
                                         </p:tgtEl>
@@ -12891,7 +13008,7 @@
                             </p:stCondLst>
                             <p:childTnLst>
                               <p:par>
-                                <p:cTn id="32" presetID="9" presetClass="entr" presetSubtype="0" fill="hold" grpId="0" nodeType="afterEffect">
+                                <p:cTn id="32" presetID="10" presetClass="entr" presetSubtype="0" fill="hold" grpId="0" nodeType="afterEffect">
                                   <p:stCondLst>
                                     <p:cond delay="0"/>
                                   </p:stCondLst>
@@ -12914,7 +13031,7 @@
                                         <p:strVal val="visible"/>
                                       </p:to>
                                     </p:set>
-                                    <p:animEffect transition="in" filter="dissolve">
+                                    <p:animEffect transition="in" filter="fade">
                                       <p:cBhvr>
                                         <p:cTn id="34" dur="500"/>
                                         <p:tgtEl>
@@ -12996,12 +13113,12 @@
           <a:lstStyle/>
           <a:p>
             <a:r>
-              <a:rPr lang="en-US" dirty="0" err="1"/>
-              <a:t>Lec</a:t>
+              <a:rPr lang="en-US" dirty="0" err="1" smtClean="0"/>
+              <a:t>ruinwin</a:t>
             </a:r>
             <a:r>
               <a:rPr lang="en-US" dirty="0" smtClean="0"/>
-              <a:t> 14M.</a:t>
+              <a:t>.</a:t>
             </a:r>
             <a:fld id="{E64F7034-A11A-0644-94AE-9DEDC6AA55D3}" type="slidenum">
               <a:rPr lang="en-US" smtClean="0"/>
@@ -13436,7 +13553,11 @@
             </a:pPr>
             <a:r>
               <a:rPr lang="en-US" dirty="0" smtClean="0"/>
-              <a:t>Albert R Meyer,               May 14, 2012</a:t>
+              <a:t>Albert R Meyer,               </a:t>
+            </a:r>
+            <a:r>
+              <a:rPr lang="en-US" dirty="0" smtClean="0"/>
+              <a:t>May 15, 2013</a:t>
             </a:r>
             <a:endParaRPr lang="en-US" dirty="0"/>
           </a:p>
@@ -13480,7 +13601,7 @@
                             </p:stCondLst>
                             <p:childTnLst>
                               <p:par>
-                                <p:cTn id="5" presetID="9" presetClass="entr" presetSubtype="0" fill="hold" grpId="0" nodeType="clickEffect">
+                                <p:cTn id="5" presetID="10" presetClass="entr" presetSubtype="0" fill="hold" grpId="0" nodeType="clickEffect">
                                   <p:stCondLst>
                                     <p:cond delay="0"/>
                                   </p:stCondLst>
@@ -13503,7 +13624,7 @@
                                         <p:strVal val="visible"/>
                                       </p:to>
                                     </p:set>
-                                    <p:animEffect transition="in" filter="dissolve">
+                                    <p:animEffect transition="in" filter="fade">
                                       <p:cBhvr>
                                         <p:cTn id="7" dur="500"/>
                                         <p:tgtEl>
@@ -13533,7 +13654,7 @@
                             </p:stCondLst>
                             <p:childTnLst>
                               <p:par>
-                                <p:cTn id="10" presetID="9" presetClass="entr" presetSubtype="0" fill="hold" grpId="0" nodeType="clickEffect">
+                                <p:cTn id="10" presetID="10" presetClass="entr" presetSubtype="0" fill="hold" grpId="0" nodeType="clickEffect">
                                   <p:stCondLst>
                                     <p:cond delay="0"/>
                                   </p:stCondLst>
@@ -13556,7 +13677,7 @@
                                         <p:strVal val="visible"/>
                                       </p:to>
                                     </p:set>
-                                    <p:animEffect transition="in" filter="dissolve">
+                                    <p:animEffect transition="in" filter="fade">
                                       <p:cBhvr>
                                         <p:cTn id="12" dur="500"/>
                                         <p:tgtEl>
@@ -13637,12 +13758,12 @@
           <a:lstStyle/>
           <a:p>
             <a:r>
-              <a:rPr lang="en-US" dirty="0" err="1"/>
-              <a:t>Lec</a:t>
+              <a:rPr lang="en-US" dirty="0" err="1" smtClean="0"/>
+              <a:t>ruinwin</a:t>
             </a:r>
             <a:r>
               <a:rPr lang="en-US" dirty="0" smtClean="0"/>
-              <a:t> 14M.</a:t>
+              <a:t>.</a:t>
             </a:r>
             <a:fld id="{4A69EEA4-35FB-7045-A76F-2B5F28C09DC4}" type="slidenum">
               <a:rPr lang="en-US" smtClean="0"/>
@@ -14036,7 +14157,11 @@
             </a:pPr>
             <a:r>
               <a:rPr lang="en-US" dirty="0" smtClean="0"/>
-              <a:t>Albert R Meyer,               May 14, 2012</a:t>
+              <a:t>Albert R Meyer,               </a:t>
+            </a:r>
+            <a:r>
+              <a:rPr lang="en-US" dirty="0" smtClean="0"/>
+              <a:t>May 15, 2013</a:t>
             </a:r>
             <a:endParaRPr lang="en-US" dirty="0"/>
           </a:p>
@@ -14228,12 +14353,12 @@
           <a:lstStyle/>
           <a:p>
             <a:r>
-              <a:rPr lang="en-US" dirty="0" err="1"/>
-              <a:t>Lec</a:t>
+              <a:rPr lang="en-US" dirty="0" err="1" smtClean="0"/>
+              <a:t>ruinwin</a:t>
             </a:r>
             <a:r>
               <a:rPr lang="en-US" dirty="0" smtClean="0"/>
-              <a:t> 14M.</a:t>
+              <a:t>.</a:t>
             </a:r>
             <a:fld id="{4A69EEA4-35FB-7045-A76F-2B5F28C09DC4}" type="slidenum">
               <a:rPr lang="en-US" smtClean="0"/>
@@ -14688,7 +14813,11 @@
             </a:pPr>
             <a:r>
               <a:rPr lang="en-US" dirty="0" smtClean="0"/>
-              <a:t>Albert R Meyer,               May 14, 2012</a:t>
+              <a:t>Albert R Meyer,               </a:t>
+            </a:r>
+            <a:r>
+              <a:rPr lang="en-US" dirty="0" smtClean="0"/>
+              <a:t>May 15, 2013</a:t>
             </a:r>
             <a:endParaRPr lang="en-US" dirty="0"/>
           </a:p>
@@ -14792,7 +14921,7 @@
                             </p:stCondLst>
                             <p:childTnLst>
                               <p:par>
-                                <p:cTn id="5" presetID="9" presetClass="entr" presetSubtype="0" fill="hold" grpId="0" nodeType="clickEffect">
+                                <p:cTn id="5" presetID="10" presetClass="entr" presetSubtype="0" fill="hold" grpId="0" nodeType="clickEffect">
                                   <p:stCondLst>
                                     <p:cond delay="0"/>
                                   </p:stCondLst>
@@ -14815,7 +14944,7 @@
                                         <p:strVal val="visible"/>
                                       </p:to>
                                     </p:set>
-                                    <p:animEffect transition="in" filter="dissolve">
+                                    <p:animEffect transition="in" filter="fade">
                                       <p:cBhvr>
                                         <p:cTn id="7" dur="500"/>
                                         <p:tgtEl>
@@ -14845,7 +14974,7 @@
                             </p:stCondLst>
                             <p:childTnLst>
                               <p:par>
-                                <p:cTn id="10" presetID="9" presetClass="entr" presetSubtype="0" fill="hold" grpId="0" nodeType="clickEffect">
+                                <p:cTn id="10" presetID="10" presetClass="entr" presetSubtype="0" fill="hold" grpId="0" nodeType="clickEffect">
                                   <p:stCondLst>
                                     <p:cond delay="0"/>
                                   </p:stCondLst>
@@ -14868,7 +14997,7 @@
                                         <p:strVal val="visible"/>
                                       </p:to>
                                     </p:set>
-                                    <p:animEffect transition="in" filter="dissolve">
+                                    <p:animEffect transition="in" filter="fade">
                                       <p:cBhvr>
                                         <p:cTn id="12" dur="500"/>
                                         <p:tgtEl>
@@ -14949,12 +15078,12 @@
           <a:lstStyle/>
           <a:p>
             <a:r>
-              <a:rPr lang="en-US" dirty="0" err="1"/>
-              <a:t>Lec</a:t>
+              <a:rPr lang="en-US" dirty="0" err="1" smtClean="0"/>
+              <a:t>ruinwin</a:t>
             </a:r>
             <a:r>
               <a:rPr lang="en-US" dirty="0" smtClean="0"/>
-              <a:t> 14M.</a:t>
+              <a:t>.</a:t>
             </a:r>
             <a:fld id="{FBA9CD94-4669-0B46-B053-A48B6134F8AC}" type="slidenum">
               <a:rPr lang="en-US" smtClean="0"/>
@@ -15099,7 +15228,11 @@
             </a:pPr>
             <a:r>
               <a:rPr lang="en-US" dirty="0" smtClean="0"/>
-              <a:t>Albert R Meyer,               May 14, 2012</a:t>
+              <a:t>Albert R Meyer,               </a:t>
+            </a:r>
+            <a:r>
+              <a:rPr lang="en-US" dirty="0" smtClean="0"/>
+              <a:t>May 15, 2013</a:t>
             </a:r>
             <a:endParaRPr lang="en-US" dirty="0"/>
           </a:p>
@@ -15193,7 +15326,7 @@
   <p:clrMapOvr>
     <a:masterClrMapping/>
   </p:clrMapOvr>
-  <p:transition xmlns:p14="http://schemas.microsoft.com/office/powerpoint/2010/main" spd="slow">
+  <p:transition xmlns:p14="http://schemas.microsoft.com/office/powerpoint/2010/main" spd="slow" advClick="0">
     <p:fade thruBlk="1"/>
   </p:transition>
   <p:timing>
@@ -15328,12 +15461,12 @@
           <a:lstStyle/>
           <a:p>
             <a:r>
-              <a:rPr lang="en-US" dirty="0" err="1"/>
-              <a:t>Lec</a:t>
+              <a:rPr lang="en-US" dirty="0" err="1" smtClean="0"/>
+              <a:t>ruinwin</a:t>
             </a:r>
             <a:r>
               <a:rPr lang="en-US" dirty="0" smtClean="0"/>
-              <a:t> 14M.</a:t>
+              <a:t>.</a:t>
             </a:r>
             <a:fld id="{577593A4-8B7D-AB44-BAA0-E529A5D995E7}" type="slidenum">
               <a:rPr lang="en-US" smtClean="0"/>
@@ -16023,7 +16156,11 @@
             </a:pPr>
             <a:r>
               <a:rPr lang="en-US" dirty="0" smtClean="0"/>
-              <a:t>Albert R Meyer,               May 14, 2012</a:t>
+              <a:t>Albert R Meyer,               </a:t>
+            </a:r>
+            <a:r>
+              <a:rPr lang="en-US" dirty="0" smtClean="0"/>
+              <a:t>May 15, 2013</a:t>
             </a:r>
             <a:endParaRPr lang="en-US" dirty="0"/>
           </a:p>
@@ -16051,7 +16188,7 @@
           <a:graphicData uri="http://schemas.openxmlformats.org/presentationml/2006/ole">
             <mc:AlternateContent xmlns:mc="http://schemas.openxmlformats.org/markup-compatibility/2006">
               <mc:Choice xmlns:v="urn:schemas-microsoft-com:vml" Requires="v">
-                <p:oleObj spid="_x0000_s68681" name="Equation" r:id="rId4" imgW="812800" imgH="469900" progId="Equation.DSMT4">
+                <p:oleObj spid="_x0000_s68724" name="Equation" r:id="rId4" imgW="812800" imgH="469900" progId="Equation.DSMT4">
                   <p:embed/>
                 </p:oleObj>
               </mc:Choice>
@@ -16116,7 +16253,7 @@
           <a:graphicData uri="http://schemas.openxmlformats.org/presentationml/2006/ole">
             <mc:AlternateContent xmlns:mc="http://schemas.openxmlformats.org/markup-compatibility/2006">
               <mc:Choice xmlns:v="urn:schemas-microsoft-com:vml" Requires="v">
-                <p:oleObj spid="_x0000_s68682" name="Equation" r:id="rId6" imgW="177800" imgH="469900" progId="Equation.DSMT4">
+                <p:oleObj spid="_x0000_s68725" name="Equation" r:id="rId6" imgW="177800" imgH="469900" progId="Equation.DSMT4">
                   <p:embed/>
                 </p:oleObj>
               </mc:Choice>
@@ -16297,7 +16434,7 @@
                                     </p:set>
                                     <p:animEffect transition="in" filter="wipe(left)">
                                       <p:cBhvr>
-                                        <p:cTn id="7" dur="500"/>
+                                        <p:cTn id="7" dur="1000"/>
                                         <p:tgtEl>
                                           <p:spTgt spid="68610"/>
                                         </p:tgtEl>
@@ -16312,7 +16449,7 @@
                         <p:par>
                           <p:cTn id="8" fill="hold">
                             <p:stCondLst>
-                              <p:cond delay="500"/>
+                              <p:cond delay="1000"/>
                             </p:stCondLst>
                             <p:childTnLst>
                               <p:par>
@@ -16430,7 +16567,7 @@
                             </p:stCondLst>
                             <p:childTnLst>
                               <p:par>
-                                <p:cTn id="19" presetID="1" presetClass="entr" presetSubtype="0" fill="hold" grpId="0" nodeType="clickEffect">
+                                <p:cTn id="19" presetID="10" presetClass="entr" presetSubtype="0" fill="hold" grpId="0" nodeType="clickEffect">
                                   <p:stCondLst>
                                     <p:cond delay="0"/>
                                   </p:stCondLst>
@@ -16453,6 +16590,14 @@
                                         <p:strVal val="visible"/>
                                       </p:to>
                                     </p:set>
+                                    <p:animEffect transition="in" filter="fade">
+                                      <p:cBhvr>
+                                        <p:cTn id="21" dur="500"/>
+                                        <p:tgtEl>
+                                          <p:spTgt spid="98313"/>
+                                        </p:tgtEl>
+                                      </p:cBhvr>
+                                    </p:animEffect>
                                   </p:childTnLst>
                                 </p:cTn>
                               </p:par>
@@ -16463,26 +16608,26 @@
                     </p:cTn>
                   </p:par>
                   <p:par>
-                    <p:cTn id="21" fill="hold">
+                    <p:cTn id="22" fill="hold">
                       <p:stCondLst>
                         <p:cond delay="indefinite"/>
                       </p:stCondLst>
                       <p:childTnLst>
                         <p:par>
-                          <p:cTn id="22" fill="hold">
+                          <p:cTn id="23" fill="hold">
                             <p:stCondLst>
                               <p:cond delay="0"/>
                             </p:stCondLst>
                             <p:childTnLst>
                               <p:par>
-                                <p:cTn id="23" presetID="22" presetClass="entr" presetSubtype="8" fill="hold" nodeType="clickEffect">
+                                <p:cTn id="24" presetID="22" presetClass="entr" presetSubtype="8" fill="hold" nodeType="clickEffect">
                                   <p:stCondLst>
                                     <p:cond delay="0"/>
                                   </p:stCondLst>
                                   <p:childTnLst>
                                     <p:set>
                                       <p:cBhvr>
-                                        <p:cTn id="24" dur="1" fill="hold">
+                                        <p:cTn id="25" dur="1" fill="hold">
                                           <p:stCondLst>
                                             <p:cond delay="0"/>
                                           </p:stCondLst>
@@ -16500,7 +16645,7 @@
                                     </p:set>
                                     <p:animEffect transition="in" filter="wipe(left)">
                                       <p:cBhvr>
-                                        <p:cTn id="25" dur="1000"/>
+                                        <p:cTn id="26" dur="1000"/>
                                         <p:tgtEl>
                                           <p:spTgt spid="23"/>
                                         </p:tgtEl>
@@ -16513,20 +16658,20 @@
                           </p:cTn>
                         </p:par>
                         <p:par>
-                          <p:cTn id="26" fill="hold">
+                          <p:cTn id="27" fill="hold">
                             <p:stCondLst>
                               <p:cond delay="1000"/>
                             </p:stCondLst>
                             <p:childTnLst>
                               <p:par>
-                                <p:cTn id="27" presetID="10" presetClass="entr" presetSubtype="0" fill="hold" nodeType="afterEffect">
+                                <p:cTn id="28" presetID="10" presetClass="entr" presetSubtype="0" fill="hold" nodeType="afterEffect">
                                   <p:stCondLst>
                                     <p:cond delay="0"/>
                                   </p:stCondLst>
                                   <p:childTnLst>
                                     <p:set>
                                       <p:cBhvr>
-                                        <p:cTn id="28" dur="1" fill="hold">
+                                        <p:cTn id="29" dur="1" fill="hold">
                                           <p:stCondLst>
                                             <p:cond delay="0"/>
                                           </p:stCondLst>
@@ -16544,7 +16689,7 @@
                                     </p:set>
                                     <p:animEffect transition="in" filter="fade">
                                       <p:cBhvr>
-                                        <p:cTn id="29" dur="1000"/>
+                                        <p:cTn id="30" dur="1000"/>
                                         <p:tgtEl>
                                           <p:spTgt spid="22"/>
                                         </p:tgtEl>
@@ -16557,20 +16702,20 @@
                           </p:cTn>
                         </p:par>
                         <p:par>
-                          <p:cTn id="30" fill="hold">
+                          <p:cTn id="31" fill="hold">
                             <p:stCondLst>
                               <p:cond delay="2000"/>
                             </p:stCondLst>
                             <p:childTnLst>
                               <p:par>
-                                <p:cTn id="31" presetID="15" presetClass="entr" presetSubtype="0" fill="hold" grpId="0" nodeType="afterEffect">
+                                <p:cTn id="32" presetID="15" presetClass="entr" presetSubtype="0" fill="hold" grpId="0" nodeType="afterEffect">
                                   <p:stCondLst>
                                     <p:cond delay="0"/>
                                   </p:stCondLst>
                                   <p:childTnLst>
                                     <p:set>
                                       <p:cBhvr>
-                                        <p:cTn id="32" dur="1" fill="hold">
+                                        <p:cTn id="33" dur="1" fill="hold">
                                           <p:stCondLst>
                                             <p:cond delay="0"/>
                                           </p:stCondLst>
@@ -16588,7 +16733,7 @@
                                     </p:set>
                                     <p:anim calcmode="lin" valueType="num">
                                       <p:cBhvr>
-                                        <p:cTn id="33" dur="1000" fill="hold"/>
+                                        <p:cTn id="34" dur="1000" fill="hold"/>
                                         <p:tgtEl>
                                           <p:spTgt spid="2"/>
                                         </p:tgtEl>
@@ -16611,7 +16756,7 @@
                                     </p:anim>
                                     <p:anim calcmode="lin" valueType="num">
                                       <p:cBhvr>
-                                        <p:cTn id="34" dur="1000" fill="hold"/>
+                                        <p:cTn id="35" dur="1000" fill="hold"/>
                                         <p:tgtEl>
                                           <p:spTgt spid="2"/>
                                         </p:tgtEl>
@@ -16634,7 +16779,7 @@
                                     </p:anim>
                                     <p:anim calcmode="lin" valueType="num">
                                       <p:cBhvr>
-                                        <p:cTn id="35" dur="1000" fill="hold"/>
+                                        <p:cTn id="36" dur="1000" fill="hold"/>
                                         <p:tgtEl>
                                           <p:spTgt spid="2"/>
                                         </p:tgtEl>
@@ -16657,7 +16802,7 @@
                                     </p:anim>
                                     <p:anim calcmode="lin" valueType="num">
                                       <p:cBhvr>
-                                        <p:cTn id="36" dur="1000" fill="hold"/>
+                                        <p:cTn id="37" dur="1000" fill="hold"/>
                                         <p:tgtEl>
                                           <p:spTgt spid="2"/>
                                         </p:tgtEl>
@@ -16747,7 +16892,7 @@
         </p:nvSpPr>
         <p:spPr>
           <a:xfrm>
-            <a:off x="1219200" y="304800"/>
+            <a:off x="1219200" y="76200"/>
             <a:ext cx="7472362" cy="1143000"/>
           </a:xfrm>
         </p:spPr>
@@ -16787,27 +16932,36 @@
               <a:buNone/>
             </a:pPr>
             <a:r>
-              <a:rPr lang="en-US" sz="4800" dirty="0" err="1" smtClean="0"/>
+              <a:rPr lang="en-US" sz="4400" dirty="0" smtClean="0">
+                <a:solidFill>
+                  <a:srgbClr val="660066"/>
+                </a:solidFill>
+              </a:rPr>
+              <a:t>Claim: </a:t>
+            </a:r>
+          </a:p>
+          <a:p>
+            <a:pPr marL="0" indent="0" algn="ctr">
+              <a:buNone/>
+            </a:pPr>
+            <a:r>
+              <a:rPr lang="en-US" sz="6000" dirty="0" err="1" smtClean="0">
+                <a:solidFill>
+                  <a:srgbClr val="0000FF"/>
+                </a:solidFill>
+              </a:rPr>
               <a:t>Pr</a:t>
             </a:r>
             <a:r>
-              <a:rPr lang="en-US" sz="4800" dirty="0" smtClean="0"/>
-              <a:t>[Gambler </a:t>
-            </a:r>
-            <a:r>
-              <a:rPr lang="en-US" sz="4800" dirty="0" smtClean="0">
-                <a:solidFill>
-                  <a:srgbClr val="660066"/>
-                </a:solidFill>
-              </a:rPr>
-              <a:t>plays forever</a:t>
-            </a:r>
-            <a:r>
-              <a:rPr lang="en-US" sz="4800" dirty="0" smtClean="0"/>
-              <a:t>] </a:t>
-            </a:r>
-            <a:r>
-              <a:rPr lang="en-US" sz="4800" b="1" dirty="0">
+              <a:rPr lang="en-US" sz="6000" dirty="0" smtClean="0">
+                <a:solidFill>
+                  <a:srgbClr val="0000FF"/>
+                </a:solidFill>
+              </a:rPr>
+              <a:t>[ruin] </a:t>
+            </a:r>
+            <a:r>
+              <a:rPr lang="en-US" sz="6000" b="1" dirty="0" smtClean="0">
                 <a:solidFill>
                   <a:srgbClr val="0000FF"/>
                 </a:solidFill>
@@ -16817,16 +16971,28 @@
               <a:t>=</a:t>
             </a:r>
             <a:r>
-              <a:rPr lang="en-US" sz="4800" dirty="0" smtClean="0"/>
-              <a:t> </a:t>
-            </a:r>
-            <a:r>
-              <a:rPr lang="en-US" sz="4800" dirty="0" smtClean="0">
+              <a:rPr lang="en-US" sz="6000" dirty="0" smtClean="0">
                 <a:solidFill>
                   <a:srgbClr val="0000FF"/>
                 </a:solidFill>
               </a:rPr>
-              <a:t>0</a:t>
+              <a:t> 1 – </a:t>
+            </a:r>
+            <a:r>
+              <a:rPr lang="en-US" sz="6000" dirty="0" err="1" smtClean="0">
+                <a:solidFill>
+                  <a:srgbClr val="0000FF"/>
+                </a:solidFill>
+              </a:rPr>
+              <a:t>Pr</a:t>
+            </a:r>
+            <a:r>
+              <a:rPr lang="en-US" sz="6000" dirty="0" smtClean="0">
+                <a:solidFill>
+                  <a:srgbClr val="0000FF"/>
+                </a:solidFill>
+              </a:rPr>
+              <a:t>[win]</a:t>
             </a:r>
           </a:p>
           <a:p>
@@ -16834,91 +17000,9 @@
               <a:buNone/>
             </a:pPr>
             <a:r>
-              <a:rPr lang="en-US" sz="4800" dirty="0" smtClean="0">
-                <a:solidFill>
-                  <a:schemeClr val="tx2"/>
-                </a:solidFill>
-              </a:rPr>
-              <a:t>because</a:t>
-            </a:r>
-          </a:p>
-          <a:p>
-            <a:pPr marL="0" indent="0" algn="ctr">
-              <a:buNone/>
-            </a:pPr>
-            <a:r>
-              <a:rPr lang="en-US" sz="5400" dirty="0" err="1" smtClean="0"/>
-              <a:t>Pr</a:t>
-            </a:r>
-            <a:r>
               <a:rPr lang="en-US" sz="5400" dirty="0" smtClean="0"/>
-              <a:t>[ends in </a:t>
-            </a:r>
-            <a:r>
-              <a:rPr lang="en-US" sz="5400" b="1" dirty="0" smtClean="0">
-                <a:solidFill>
-                  <a:srgbClr val="0000FF"/>
-                </a:solidFill>
-                <a:latin typeface="Euclid Symbol" charset="2"/>
-                <a:cs typeface="Euclid Symbol" charset="2"/>
-              </a:rPr>
-              <a:t>≤</a:t>
-            </a:r>
-            <a:r>
-              <a:rPr lang="en-US" sz="5400" dirty="0" smtClean="0"/>
-              <a:t> </a:t>
-            </a:r>
-            <a:r>
-              <a:rPr lang="en-US" sz="5400" dirty="0">
-                <a:solidFill>
-                  <a:srgbClr val="0000FF"/>
-                </a:solidFill>
-              </a:rPr>
-              <a:t>T</a:t>
-            </a:r>
-            <a:r>
-              <a:rPr lang="en-US" sz="5400" dirty="0"/>
-              <a:t> bets]</a:t>
-            </a:r>
-            <a:r>
-              <a:rPr lang="en-US" sz="5400" dirty="0">
-                <a:solidFill>
-                  <a:srgbClr val="0000FF"/>
-                </a:solidFill>
-              </a:rPr>
-              <a:t> </a:t>
-            </a:r>
-            <a:r>
-              <a:rPr lang="en-US" sz="5400" b="1" dirty="0" smtClean="0">
-                <a:solidFill>
-                  <a:srgbClr val="0000FF"/>
-                </a:solidFill>
-                <a:latin typeface="Euclid Symbol" charset="2"/>
-                <a:cs typeface="Euclid Symbol" charset="2"/>
-              </a:rPr>
-              <a:t>&gt;</a:t>
-            </a:r>
-            <a:r>
-              <a:rPr lang="en-US" sz="5400" dirty="0" smtClean="0">
-                <a:solidFill>
-                  <a:srgbClr val="0000FF"/>
-                </a:solidFill>
-              </a:rPr>
-              <a:t> </a:t>
-            </a:r>
-            <a:r>
-              <a:rPr lang="en-US" sz="5400" dirty="0" err="1" smtClean="0">
-                <a:solidFill>
-                  <a:srgbClr val="0000FF"/>
-                </a:solidFill>
-              </a:rPr>
-              <a:t>ɛ</a:t>
-            </a:r>
-            <a:endParaRPr lang="en-US" sz="5400" dirty="0" smtClean="0">
-              <a:solidFill>
-                <a:srgbClr val="0000FF"/>
-              </a:solidFill>
-            </a:endParaRPr>
+              <a:t>so if we know one, we know</a:t>
+            </a:r>
           </a:p>
           <a:p>
             <a:pPr marL="0" indent="0">
@@ -16926,106 +17010,9 @@
             </a:pPr>
             <a:r>
               <a:rPr lang="en-US" sz="5400" dirty="0" smtClean="0"/>
-              <a:t>so</a:t>
-            </a:r>
-          </a:p>
-          <a:p>
-            <a:pPr marL="0" indent="0" algn="ctr">
-              <a:buNone/>
-            </a:pPr>
-            <a:r>
-              <a:rPr lang="en-US" sz="5400" dirty="0" err="1"/>
-              <a:t>Pr</a:t>
-            </a:r>
-            <a:r>
-              <a:rPr lang="en-US" sz="5400" dirty="0" smtClean="0"/>
-              <a:t>[</a:t>
-            </a:r>
-            <a:r>
-              <a:rPr lang="en-US" sz="5400" b="1" dirty="0" smtClean="0">
-                <a:solidFill>
-                  <a:srgbClr val="0000FF"/>
-                </a:solidFill>
-                <a:latin typeface="Euclid Symbol" charset="2"/>
-                <a:cs typeface="Euclid Symbol" charset="2"/>
-              </a:rPr>
-              <a:t>≥</a:t>
-            </a:r>
-            <a:r>
-              <a:rPr lang="en-US" sz="5400" dirty="0" smtClean="0"/>
-              <a:t> </a:t>
-            </a:r>
-            <a:r>
-              <a:rPr lang="en-US" sz="5400" dirty="0" err="1" smtClean="0">
-                <a:solidFill>
-                  <a:srgbClr val="0000FF"/>
-                </a:solidFill>
-              </a:rPr>
-              <a:t>kT</a:t>
-            </a:r>
-            <a:r>
-              <a:rPr lang="en-US" sz="5400" dirty="0" smtClean="0"/>
-              <a:t> </a:t>
-            </a:r>
-            <a:r>
-              <a:rPr lang="en-US" sz="5400" dirty="0"/>
-              <a:t>bets]</a:t>
-            </a:r>
-            <a:r>
-              <a:rPr lang="en-US" sz="5400" dirty="0">
-                <a:solidFill>
-                  <a:srgbClr val="0000FF"/>
-                </a:solidFill>
-              </a:rPr>
-              <a:t> </a:t>
-            </a:r>
-            <a:r>
-              <a:rPr lang="en-US" sz="5400" b="1" dirty="0" smtClean="0">
-                <a:solidFill>
-                  <a:srgbClr val="0000FF"/>
-                </a:solidFill>
-                <a:latin typeface="Euclid Symbol" charset="2"/>
-                <a:cs typeface="Euclid Symbol" charset="2"/>
-              </a:rPr>
-              <a:t>&lt; </a:t>
-            </a:r>
-            <a:r>
-              <a:rPr lang="en-US" sz="5400" dirty="0" smtClean="0">
-                <a:solidFill>
-                  <a:srgbClr val="0000FF"/>
-                </a:solidFill>
-                <a:latin typeface="Comic Sans MS"/>
-                <a:cs typeface="Comic Sans MS"/>
-              </a:rPr>
-              <a:t>(1-ɛ)</a:t>
-            </a:r>
-            <a:r>
-              <a:rPr lang="en-US" sz="5400" baseline="30000" dirty="0" smtClean="0">
-                <a:solidFill>
-                  <a:srgbClr val="0000FF"/>
-                </a:solidFill>
-                <a:latin typeface="Comic Sans MS"/>
-                <a:cs typeface="Comic Sans MS"/>
-              </a:rPr>
-              <a:t>k</a:t>
-            </a:r>
-            <a:endParaRPr lang="en-US" sz="5400" baseline="30000" dirty="0">
-              <a:solidFill>
-                <a:srgbClr val="0000FF"/>
-              </a:solidFill>
-              <a:latin typeface="Comic Sans MS"/>
-              <a:cs typeface="Comic Sans MS"/>
-            </a:endParaRPr>
-          </a:p>
-          <a:p>
-            <a:pPr marL="0" indent="0" algn="ctr">
-              <a:buNone/>
-            </a:pPr>
-            <a:endParaRPr lang="en-US" sz="4800" dirty="0">
-              <a:solidFill>
-                <a:srgbClr val="0000FF"/>
-              </a:solidFill>
-            </a:endParaRPr>
+              <a:t>the other.</a:t>
+            </a:r>
+            <a:endParaRPr lang="en-US" sz="5400" dirty="0"/>
           </a:p>
         </p:txBody>
       </p:sp>
@@ -17048,8 +17035,12 @@
               <a:defRPr/>
             </a:pPr>
             <a:r>
-              <a:rPr lang="en-US" smtClean="0"/>
-              <a:t>Lec 14M.</a:t>
+              <a:rPr lang="en-US" dirty="0" err="1" smtClean="0"/>
+              <a:t>ruinwin</a:t>
+            </a:r>
+            <a:r>
+              <a:rPr lang="en-US" dirty="0" smtClean="0"/>
+              <a:t>.</a:t>
             </a:r>
             <a:fld id="{E877D3CB-F960-BD47-98A7-06971C504846}" type="slidenum">
               <a:rPr lang="en-US" smtClean="0"/>
@@ -17058,7 +17049,7 @@
               </a:pPr>
               <a:t>21</a:t>
             </a:fld>
-            <a:endParaRPr lang="en-US" smtClean="0"/>
+            <a:endParaRPr lang="en-US" dirty="0" smtClean="0"/>
           </a:p>
           <a:p>
             <a:pPr>
@@ -17087,8 +17078,12 @@
               <a:defRPr/>
             </a:pPr>
             <a:r>
-              <a:rPr lang="en-US" smtClean="0"/>
-              <a:t>Albert R Meyer,                        May 14, 2012</a:t>
+              <a:rPr lang="en-US" dirty="0" smtClean="0"/>
+              <a:t>Albert R Meyer,                        </a:t>
+            </a:r>
+            <a:r>
+              <a:rPr lang="en-US" dirty="0" smtClean="0"/>
+              <a:t>May 15, 2013</a:t>
             </a:r>
             <a:endParaRPr lang="en-US" dirty="0"/>
           </a:p>
@@ -17106,12 +17101,12 @@
   </p:clrMapOvr>
   <mc:AlternateContent xmlns:mc="http://schemas.openxmlformats.org/markup-compatibility/2006" xmlns:p14="http://schemas.microsoft.com/office/powerpoint/2010/main">
     <mc:Choice Requires="p14">
-      <p:transition spd="med" p14:dur="700">
+      <p:transition spd="med" p14:dur="700" advClick="0">
         <p:fade/>
       </p:transition>
     </mc:Choice>
     <mc:Fallback xmlns="">
-      <p:transition xmlns:p14="http://schemas.microsoft.com/office/powerpoint/2010/main" spd="med">
+      <p:transition xmlns:p14="http://schemas.microsoft.com/office/powerpoint/2010/main" spd="med" advClick="0">
         <p:fade/>
       </p:transition>
     </mc:Fallback>
@@ -17137,7 +17132,7 @@
                             </p:stCondLst>
                             <p:childTnLst>
                               <p:par>
-                                <p:cTn id="5" presetID="9" presetClass="entr" presetSubtype="0" fill="hold" nodeType="clickEffect">
+                                <p:cTn id="5" presetID="10" presetClass="entr" presetSubtype="0" fill="hold" nodeType="clickEffect">
                                   <p:stCondLst>
                                     <p:cond delay="0"/>
                                   </p:stCondLst>
@@ -17164,13 +17159,689 @@
                                         <p:strVal val="visible"/>
                                       </p:to>
                                     </p:set>
-                                    <p:animEffect transition="in" filter="dissolve">
+                                    <p:animEffect transition="in" filter="fade">
                                       <p:cBhvr>
                                         <p:cTn id="7" dur="500"/>
                                         <p:tgtEl>
                                           <p:spTgt spid="3">
                                             <p:txEl>
                                               <p:pRg st="0" end="0"/>
+                                            </p:txEl>
+                                          </p:spTgt>
+                                        </p:tgtEl>
+                                      </p:cBhvr>
+                                    </p:animEffect>
+                                  </p:childTnLst>
+                                </p:cTn>
+                              </p:par>
+                            </p:childTnLst>
+                          </p:cTn>
+                        </p:par>
+                        <p:par>
+                          <p:cTn id="8" fill="hold">
+                            <p:stCondLst>
+                              <p:cond delay="500"/>
+                            </p:stCondLst>
+                            <p:childTnLst>
+                              <p:par>
+                                <p:cTn id="9" presetID="22" presetClass="entr" presetSubtype="8" fill="hold" nodeType="afterEffect">
+                                  <p:stCondLst>
+                                    <p:cond delay="0"/>
+                                  </p:stCondLst>
+                                  <p:childTnLst>
+                                    <p:set>
+                                      <p:cBhvr>
+                                        <p:cTn id="10" dur="1" fill="hold">
+                                          <p:stCondLst>
+                                            <p:cond delay="0"/>
+                                          </p:stCondLst>
+                                        </p:cTn>
+                                        <p:tgtEl>
+                                          <p:spTgt spid="3">
+                                            <p:txEl>
+                                              <p:pRg st="1" end="1"/>
+                                            </p:txEl>
+                                          </p:spTgt>
+                                        </p:tgtEl>
+                                        <p:attrNameLst>
+                                          <p:attrName>style.visibility</p:attrName>
+                                        </p:attrNameLst>
+                                      </p:cBhvr>
+                                      <p:to>
+                                        <p:strVal val="visible"/>
+                                      </p:to>
+                                    </p:set>
+                                    <p:animEffect transition="in" filter="wipe(left)">
+                                      <p:cBhvr>
+                                        <p:cTn id="11" dur="1000"/>
+                                        <p:tgtEl>
+                                          <p:spTgt spid="3">
+                                            <p:txEl>
+                                              <p:pRg st="1" end="1"/>
+                                            </p:txEl>
+                                          </p:spTgt>
+                                        </p:tgtEl>
+                                      </p:cBhvr>
+                                    </p:animEffect>
+                                  </p:childTnLst>
+                                </p:cTn>
+                              </p:par>
+                            </p:childTnLst>
+                          </p:cTn>
+                        </p:par>
+                      </p:childTnLst>
+                    </p:cTn>
+                  </p:par>
+                  <p:par>
+                    <p:cTn id="12" fill="hold">
+                      <p:stCondLst>
+                        <p:cond delay="indefinite"/>
+                      </p:stCondLst>
+                      <p:childTnLst>
+                        <p:par>
+                          <p:cTn id="13" fill="hold">
+                            <p:stCondLst>
+                              <p:cond delay="0"/>
+                            </p:stCondLst>
+                            <p:childTnLst>
+                              <p:par>
+                                <p:cTn id="14" presetID="10" presetClass="entr" presetSubtype="0" fill="hold" nodeType="clickEffect">
+                                  <p:stCondLst>
+                                    <p:cond delay="0"/>
+                                  </p:stCondLst>
+                                  <p:childTnLst>
+                                    <p:set>
+                                      <p:cBhvr>
+                                        <p:cTn id="15" dur="1" fill="hold">
+                                          <p:stCondLst>
+                                            <p:cond delay="0"/>
+                                          </p:stCondLst>
+                                        </p:cTn>
+                                        <p:tgtEl>
+                                          <p:spTgt spid="3">
+                                            <p:txEl>
+                                              <p:pRg st="2" end="2"/>
+                                            </p:txEl>
+                                          </p:spTgt>
+                                        </p:tgtEl>
+                                        <p:attrNameLst>
+                                          <p:attrName>style.visibility</p:attrName>
+                                        </p:attrNameLst>
+                                      </p:cBhvr>
+                                      <p:to>
+                                        <p:strVal val="visible"/>
+                                      </p:to>
+                                    </p:set>
+                                    <p:animEffect transition="in" filter="fade">
+                                      <p:cBhvr>
+                                        <p:cTn id="16" dur="500"/>
+                                        <p:tgtEl>
+                                          <p:spTgt spid="3">
+                                            <p:txEl>
+                                              <p:pRg st="2" end="2"/>
+                                            </p:txEl>
+                                          </p:spTgt>
+                                        </p:tgtEl>
+                                      </p:cBhvr>
+                                    </p:animEffect>
+                                  </p:childTnLst>
+                                </p:cTn>
+                              </p:par>
+                              <p:par>
+                                <p:cTn id="17" presetID="10" presetClass="entr" presetSubtype="0" fill="hold" nodeType="withEffect">
+                                  <p:stCondLst>
+                                    <p:cond delay="0"/>
+                                  </p:stCondLst>
+                                  <p:childTnLst>
+                                    <p:set>
+                                      <p:cBhvr>
+                                        <p:cTn id="18" dur="1" fill="hold">
+                                          <p:stCondLst>
+                                            <p:cond delay="0"/>
+                                          </p:stCondLst>
+                                        </p:cTn>
+                                        <p:tgtEl>
+                                          <p:spTgt spid="3">
+                                            <p:txEl>
+                                              <p:pRg st="3" end="3"/>
+                                            </p:txEl>
+                                          </p:spTgt>
+                                        </p:tgtEl>
+                                        <p:attrNameLst>
+                                          <p:attrName>style.visibility</p:attrName>
+                                        </p:attrNameLst>
+                                      </p:cBhvr>
+                                      <p:to>
+                                        <p:strVal val="visible"/>
+                                      </p:to>
+                                    </p:set>
+                                    <p:animEffect transition="in" filter="fade">
+                                      <p:cBhvr>
+                                        <p:cTn id="19" dur="500"/>
+                                        <p:tgtEl>
+                                          <p:spTgt spid="3">
+                                            <p:txEl>
+                                              <p:pRg st="3" end="3"/>
+                                            </p:txEl>
+                                          </p:spTgt>
+                                        </p:tgtEl>
+                                      </p:cBhvr>
+                                    </p:animEffect>
+                                  </p:childTnLst>
+                                </p:cTn>
+                              </p:par>
+                            </p:childTnLst>
+                          </p:cTn>
+                        </p:par>
+                      </p:childTnLst>
+                    </p:cTn>
+                  </p:par>
+                </p:childTnLst>
+              </p:cTn>
+              <p:prevCondLst>
+                <p:cond evt="onPrev" delay="0">
+                  <p:tgtEl>
+                    <p:sldTgt/>
+                  </p:tgtEl>
+                </p:cond>
+              </p:prevCondLst>
+              <p:nextCondLst>
+                <p:cond evt="onNext" delay="0">
+                  <p:tgtEl>
+                    <p:sldTgt/>
+                  </p:tgtEl>
+                </p:cond>
+              </p:nextCondLst>
+            </p:seq>
+          </p:childTnLst>
+        </p:cTn>
+      </p:par>
+    </p:tnLst>
+  </p:timing>
+</p:sld>
+</file>
+
+<file path=ppt/slides/slide22.xml><?xml version="1.0" encoding="utf-8"?>
+<p:sld xmlns:a="http://schemas.openxmlformats.org/drawingml/2006/main" xmlns:r="http://schemas.openxmlformats.org/officeDocument/2006/relationships" xmlns:p="http://schemas.openxmlformats.org/presentationml/2006/main">
+  <p:cSld>
+    <p:spTree>
+      <p:nvGrpSpPr>
+        <p:cNvPr id="1" name=""/>
+        <p:cNvGrpSpPr/>
+        <p:nvPr/>
+      </p:nvGrpSpPr>
+      <p:grpSpPr>
+        <a:xfrm>
+          <a:off x="0" y="0"/>
+          <a:ext cx="0" cy="0"/>
+          <a:chOff x="0" y="0"/>
+          <a:chExt cx="0" cy="0"/>
+        </a:xfrm>
+      </p:grpSpPr>
+      <p:sp>
+        <p:nvSpPr>
+          <p:cNvPr id="3" name="Content Placeholder 2"/>
+          <p:cNvSpPr>
+            <a:spLocks noGrp="1"/>
+          </p:cNvSpPr>
+          <p:nvPr>
+            <p:ph idx="1"/>
+          </p:nvPr>
+        </p:nvSpPr>
+        <p:spPr>
+          <a:xfrm>
+            <a:off x="152400" y="1295400"/>
+            <a:ext cx="8915400" cy="4953000"/>
+          </a:xfrm>
+        </p:spPr>
+        <p:txBody>
+          <a:bodyPr/>
+          <a:lstStyle/>
+          <a:p>
+            <a:pPr marL="0" indent="0">
+              <a:buNone/>
+            </a:pPr>
+            <a:r>
+              <a:rPr lang="en-US" sz="4800" dirty="0" smtClean="0">
+                <a:solidFill>
+                  <a:schemeClr val="tx2"/>
+                </a:solidFill>
+              </a:rPr>
+              <a:t>because </a:t>
+            </a:r>
+            <a:r>
+              <a:rPr lang="en-US" sz="4800" dirty="0" err="1" smtClean="0"/>
+              <a:t>Pr</a:t>
+            </a:r>
+            <a:r>
+              <a:rPr lang="en-US" sz="4800" dirty="0" smtClean="0"/>
+              <a:t>[</a:t>
+            </a:r>
+            <a:r>
+              <a:rPr lang="en-US" sz="4800" dirty="0" smtClean="0">
+                <a:solidFill>
+                  <a:srgbClr val="660066"/>
+                </a:solidFill>
+              </a:rPr>
+              <a:t>play </a:t>
+            </a:r>
+            <a:r>
+              <a:rPr lang="en-US" sz="4800" dirty="0">
+                <a:solidFill>
+                  <a:srgbClr val="660066"/>
+                </a:solidFill>
+              </a:rPr>
+              <a:t>forever</a:t>
+            </a:r>
+            <a:r>
+              <a:rPr lang="en-US" sz="4800" dirty="0"/>
+              <a:t>] </a:t>
+            </a:r>
+            <a:r>
+              <a:rPr lang="en-US" sz="4800" b="1" dirty="0">
+                <a:solidFill>
+                  <a:srgbClr val="0000FF"/>
+                </a:solidFill>
+                <a:latin typeface="Euclid Symbol" charset="2"/>
+                <a:cs typeface="Euclid Symbol" charset="2"/>
+              </a:rPr>
+              <a:t>=</a:t>
+            </a:r>
+            <a:r>
+              <a:rPr lang="en-US" sz="4800" dirty="0"/>
+              <a:t> </a:t>
+            </a:r>
+            <a:r>
+              <a:rPr lang="en-US" sz="4800" dirty="0" smtClean="0">
+                <a:solidFill>
+                  <a:srgbClr val="0000FF"/>
+                </a:solidFill>
+              </a:rPr>
+              <a:t>0 </a:t>
+            </a:r>
+            <a:r>
+              <a:rPr lang="en-US" sz="4800" dirty="0" smtClean="0">
+                <a:solidFill>
+                  <a:srgbClr val="000000"/>
+                </a:solidFill>
+              </a:rPr>
+              <a:t>:</a:t>
+            </a:r>
+          </a:p>
+          <a:p>
+            <a:pPr marL="0" indent="0">
+              <a:buNone/>
+            </a:pPr>
+            <a:r>
+              <a:rPr lang="en-US" sz="5400" dirty="0" smtClean="0"/>
+              <a:t>with any stake</a:t>
+            </a:r>
+          </a:p>
+          <a:p>
+            <a:pPr marL="0" indent="0" algn="ctr">
+              <a:buNone/>
+            </a:pPr>
+            <a:r>
+              <a:rPr lang="en-US" sz="5400" dirty="0" err="1" smtClean="0"/>
+              <a:t>Pr</a:t>
+            </a:r>
+            <a:r>
+              <a:rPr lang="en-US" sz="5400" dirty="0" smtClean="0"/>
+              <a:t>[ends in </a:t>
+            </a:r>
+            <a:r>
+              <a:rPr lang="en-US" sz="5400" b="1" dirty="0" smtClean="0">
+                <a:solidFill>
+                  <a:srgbClr val="0000FF"/>
+                </a:solidFill>
+                <a:latin typeface="Euclid Symbol" charset="2"/>
+                <a:cs typeface="Euclid Symbol" charset="2"/>
+              </a:rPr>
+              <a:t>&lt;</a:t>
+            </a:r>
+            <a:r>
+              <a:rPr lang="en-US" sz="5400" dirty="0" smtClean="0"/>
+              <a:t> </a:t>
+            </a:r>
+            <a:r>
+              <a:rPr lang="en-US" sz="5400" dirty="0">
+                <a:solidFill>
+                  <a:srgbClr val="0000FF"/>
+                </a:solidFill>
+              </a:rPr>
+              <a:t>T</a:t>
+            </a:r>
+            <a:r>
+              <a:rPr lang="en-US" sz="5400" dirty="0"/>
+              <a:t> bets]</a:t>
+            </a:r>
+            <a:r>
+              <a:rPr lang="en-US" sz="5400" dirty="0">
+                <a:solidFill>
+                  <a:srgbClr val="0000FF"/>
+                </a:solidFill>
+              </a:rPr>
+              <a:t> </a:t>
+            </a:r>
+            <a:r>
+              <a:rPr lang="en-US" sz="5400" b="1" dirty="0" smtClean="0">
+                <a:solidFill>
+                  <a:srgbClr val="0000FF"/>
+                </a:solidFill>
+                <a:latin typeface="Euclid Symbol" charset="2"/>
+                <a:cs typeface="Euclid Symbol" charset="2"/>
+              </a:rPr>
+              <a:t>&gt;</a:t>
+            </a:r>
+            <a:r>
+              <a:rPr lang="en-US" sz="5400" dirty="0" smtClean="0">
+                <a:solidFill>
+                  <a:srgbClr val="0000FF"/>
+                </a:solidFill>
+              </a:rPr>
+              <a:t> </a:t>
+            </a:r>
+            <a:r>
+              <a:rPr lang="en-US" sz="5400" dirty="0" err="1" smtClean="0">
+                <a:solidFill>
+                  <a:srgbClr val="0000FF"/>
+                </a:solidFill>
+              </a:rPr>
+              <a:t>ɛ</a:t>
+            </a:r>
+            <a:endParaRPr lang="en-US" sz="5400" dirty="0" smtClean="0">
+              <a:solidFill>
+                <a:srgbClr val="0000FF"/>
+              </a:solidFill>
+            </a:endParaRPr>
+          </a:p>
+          <a:p>
+            <a:pPr marL="0" indent="0">
+              <a:buNone/>
+            </a:pPr>
+            <a:r>
+              <a:rPr lang="en-US" sz="5400" dirty="0" smtClean="0"/>
+              <a:t>so</a:t>
+            </a:r>
+          </a:p>
+          <a:p>
+            <a:pPr marL="0" indent="0" algn="ctr">
+              <a:buNone/>
+            </a:pPr>
+            <a:r>
+              <a:rPr lang="en-US" sz="5400" dirty="0" err="1"/>
+              <a:t>Pr</a:t>
+            </a:r>
+            <a:r>
+              <a:rPr lang="en-US" sz="5400" dirty="0" smtClean="0"/>
+              <a:t>[</a:t>
+            </a:r>
+            <a:r>
+              <a:rPr lang="en-US" sz="5400" b="1" dirty="0" smtClean="0">
+                <a:solidFill>
+                  <a:srgbClr val="0000FF"/>
+                </a:solidFill>
+                <a:latin typeface="Euclid Symbol" charset="2"/>
+                <a:cs typeface="Euclid Symbol" charset="2"/>
+              </a:rPr>
+              <a:t>≥</a:t>
+            </a:r>
+            <a:r>
+              <a:rPr lang="en-US" sz="5400" dirty="0" smtClean="0"/>
+              <a:t> </a:t>
+            </a:r>
+            <a:r>
+              <a:rPr lang="en-US" sz="5400" dirty="0" err="1" smtClean="0">
+                <a:solidFill>
+                  <a:srgbClr val="0000FF"/>
+                </a:solidFill>
+              </a:rPr>
+              <a:t>kT</a:t>
+            </a:r>
+            <a:r>
+              <a:rPr lang="en-US" sz="5400" dirty="0" smtClean="0"/>
+              <a:t> </a:t>
+            </a:r>
+            <a:r>
+              <a:rPr lang="en-US" sz="5400" dirty="0"/>
+              <a:t>bets]</a:t>
+            </a:r>
+            <a:r>
+              <a:rPr lang="en-US" sz="5400" dirty="0">
+                <a:solidFill>
+                  <a:srgbClr val="0000FF"/>
+                </a:solidFill>
+              </a:rPr>
+              <a:t> </a:t>
+            </a:r>
+            <a:r>
+              <a:rPr lang="en-US" sz="5400" b="1" dirty="0" smtClean="0">
+                <a:solidFill>
+                  <a:srgbClr val="0000FF"/>
+                </a:solidFill>
+                <a:latin typeface="Euclid Symbol" charset="2"/>
+                <a:cs typeface="Euclid Symbol" charset="2"/>
+              </a:rPr>
+              <a:t>&lt; </a:t>
+            </a:r>
+            <a:r>
+              <a:rPr lang="en-US" sz="5400" dirty="0" smtClean="0">
+                <a:solidFill>
+                  <a:srgbClr val="0000FF"/>
+                </a:solidFill>
+                <a:latin typeface="Comic Sans MS"/>
+                <a:cs typeface="Comic Sans MS"/>
+              </a:rPr>
+              <a:t>(1-ɛ)</a:t>
+            </a:r>
+            <a:r>
+              <a:rPr lang="en-US" sz="5400" baseline="30000" dirty="0" smtClean="0">
+                <a:solidFill>
+                  <a:srgbClr val="0000FF"/>
+                </a:solidFill>
+                <a:latin typeface="Comic Sans MS"/>
+                <a:cs typeface="Comic Sans MS"/>
+              </a:rPr>
+              <a:t>k</a:t>
+            </a:r>
+            <a:endParaRPr lang="en-US" sz="5400" baseline="30000" dirty="0">
+              <a:solidFill>
+                <a:srgbClr val="0000FF"/>
+              </a:solidFill>
+              <a:latin typeface="Comic Sans MS"/>
+              <a:cs typeface="Comic Sans MS"/>
+            </a:endParaRPr>
+          </a:p>
+          <a:p>
+            <a:pPr marL="0" indent="0" algn="ctr">
+              <a:buNone/>
+            </a:pPr>
+            <a:endParaRPr lang="en-US" sz="4800" dirty="0">
+              <a:solidFill>
+                <a:srgbClr val="0000FF"/>
+              </a:solidFill>
+            </a:endParaRPr>
+          </a:p>
+        </p:txBody>
+      </p:sp>
+      <p:sp>
+        <p:nvSpPr>
+          <p:cNvPr id="4" name="Slide Number Placeholder 3"/>
+          <p:cNvSpPr>
+            <a:spLocks noGrp="1"/>
+          </p:cNvSpPr>
+          <p:nvPr>
+            <p:ph type="sldNum" sz="quarter" idx="12"/>
+          </p:nvPr>
+        </p:nvSpPr>
+        <p:spPr/>
+        <p:txBody>
+          <a:bodyPr/>
+          <a:lstStyle/>
+          <a:p>
+            <a:pPr>
+              <a:defRPr/>
+            </a:pPr>
+            <a:r>
+              <a:rPr lang="en-US" dirty="0" err="1" smtClean="0"/>
+              <a:t>ruinwin</a:t>
+            </a:r>
+            <a:r>
+              <a:rPr lang="en-US" dirty="0" smtClean="0"/>
+              <a:t>.</a:t>
+            </a:r>
+            <a:fld id="{E877D3CB-F960-BD47-98A7-06971C504846}" type="slidenum">
+              <a:rPr lang="en-US" smtClean="0"/>
+              <a:pPr>
+                <a:defRPr/>
+              </a:pPr>
+              <a:t>22</a:t>
+            </a:fld>
+            <a:endParaRPr lang="en-US" dirty="0" smtClean="0"/>
+          </a:p>
+          <a:p>
+            <a:pPr>
+              <a:defRPr/>
+            </a:pPr>
+            <a:endParaRPr lang="en-US" dirty="0"/>
+          </a:p>
+        </p:txBody>
+      </p:sp>
+      <p:sp>
+        <p:nvSpPr>
+          <p:cNvPr id="5" name="Date Placeholder 4"/>
+          <p:cNvSpPr>
+            <a:spLocks noGrp="1"/>
+          </p:cNvSpPr>
+          <p:nvPr>
+            <p:ph type="dt" sz="half" idx="2"/>
+          </p:nvPr>
+        </p:nvSpPr>
+        <p:spPr/>
+        <p:txBody>
+          <a:bodyPr/>
+          <a:lstStyle/>
+          <a:p>
+            <a:pPr>
+              <a:defRPr/>
+            </a:pPr>
+            <a:r>
+              <a:rPr lang="en-US" dirty="0" smtClean="0"/>
+              <a:t>Albert R Meyer,                        </a:t>
+            </a:r>
+            <a:r>
+              <a:rPr lang="en-US" dirty="0" smtClean="0"/>
+              <a:t>May 15, 2013</a:t>
+            </a:r>
+            <a:endParaRPr lang="en-US" dirty="0"/>
+          </a:p>
+        </p:txBody>
+      </p:sp>
+      <p:sp>
+        <p:nvSpPr>
+          <p:cNvPr id="7" name="Title 1"/>
+          <p:cNvSpPr>
+            <a:spLocks noGrp="1"/>
+          </p:cNvSpPr>
+          <p:nvPr>
+            <p:ph type="title"/>
+          </p:nvPr>
+        </p:nvSpPr>
+        <p:spPr>
+          <a:xfrm>
+            <a:off x="1219200" y="76200"/>
+            <a:ext cx="7472362" cy="1143000"/>
+          </a:xfrm>
+        </p:spPr>
+        <p:txBody>
+          <a:bodyPr/>
+          <a:lstStyle/>
+          <a:p>
+            <a:r>
+              <a:rPr lang="en-US" dirty="0" smtClean="0"/>
+              <a:t>…otherwise Gambler is ruined</a:t>
+            </a:r>
+            <a:endParaRPr lang="en-US" dirty="0"/>
+          </a:p>
+        </p:txBody>
+      </p:sp>
+    </p:spTree>
+    <p:extLst>
+      <p:ext uri="{BB962C8B-B14F-4D97-AF65-F5344CB8AC3E}">
+        <p14:creationId xmlns:p14="http://schemas.microsoft.com/office/powerpoint/2010/main" val="4067731354"/>
+      </p:ext>
+    </p:extLst>
+  </p:cSld>
+  <p:clrMapOvr>
+    <a:masterClrMapping/>
+  </p:clrMapOvr>
+  <mc:AlternateContent xmlns:mc="http://schemas.openxmlformats.org/markup-compatibility/2006" xmlns:p14="http://schemas.microsoft.com/office/powerpoint/2010/main">
+    <mc:Choice Requires="p14">
+      <p:transition spd="med" p14:dur="700" advClick="0">
+        <p:fade/>
+      </p:transition>
+    </mc:Choice>
+    <mc:Fallback xmlns="">
+      <p:transition xmlns:p14="http://schemas.microsoft.com/office/powerpoint/2010/main" spd="med" advClick="0">
+        <p:fade/>
+      </p:transition>
+    </mc:Fallback>
+  </mc:AlternateContent>
+  <p:timing>
+    <p:tnLst>
+      <p:par>
+        <p:cTn xmlns:p14="http://schemas.microsoft.com/office/powerpoint/2010/main" id="1" dur="indefinite" restart="never" nodeType="tmRoot">
+          <p:childTnLst>
+            <p:seq concurrent="1" nextAc="seek">
+              <p:cTn id="2" dur="indefinite" nodeType="mainSeq">
+                <p:childTnLst>
+                  <p:par>
+                    <p:cTn id="3" fill="hold">
+                      <p:stCondLst>
+                        <p:cond delay="indefinite"/>
+                      </p:stCondLst>
+                      <p:childTnLst>
+                        <p:par>
+                          <p:cTn id="4" fill="hold">
+                            <p:stCondLst>
+                              <p:cond delay="0"/>
+                            </p:stCondLst>
+                            <p:childTnLst>
+                              <p:par>
+                                <p:cTn id="5" presetID="10" presetClass="entr" presetSubtype="0" fill="hold" nodeType="clickEffect">
+                                  <p:stCondLst>
+                                    <p:cond delay="0"/>
+                                  </p:stCondLst>
+                                  <p:childTnLst>
+                                    <p:set>
+                                      <p:cBhvr>
+                                        <p:cTn id="6" dur="1" fill="hold">
+                                          <p:stCondLst>
+                                            <p:cond delay="0"/>
+                                          </p:stCondLst>
+                                        </p:cTn>
+                                        <p:tgtEl>
+                                          <p:spTgt spid="3">
+                                            <p:txEl>
+                                              <p:pRg st="1" end="1"/>
+                                            </p:txEl>
+                                          </p:spTgt>
+                                        </p:tgtEl>
+                                        <p:attrNameLst>
+                                          <p:attrName>style.visibility</p:attrName>
+                                        </p:attrNameLst>
+                                      </p:cBhvr>
+                                      <p:to>
+                                        <p:strVal val="visible"/>
+                                      </p:to>
+                                    </p:set>
+                                    <p:animEffect transition="in" filter="fade">
+                                      <p:cBhvr>
+                                        <p:cTn id="7" dur="500"/>
+                                        <p:tgtEl>
+                                          <p:spTgt spid="3">
+                                            <p:txEl>
+                                              <p:pRg st="1" end="1"/>
                                             </p:txEl>
                                           </p:spTgt>
                                         </p:tgtEl>
@@ -17198,7 +17869,7 @@
                             </p:stCondLst>
                             <p:childTnLst>
                               <p:par>
-                                <p:cTn id="10" presetID="9" presetClass="entr" presetSubtype="0" fill="hold" grpId="0" nodeType="clickEffect">
+                                <p:cTn id="10" presetID="22" presetClass="entr" presetSubtype="8" fill="hold" grpId="0" nodeType="clickEffect">
                                   <p:stCondLst>
                                     <p:cond delay="0"/>
                                   </p:stCondLst>
@@ -17206,58 +17877,6 @@
                                     <p:set>
                                       <p:cBhvr>
                                         <p:cTn id="11" dur="1" fill="hold">
-                                          <p:stCondLst>
-                                            <p:cond delay="0"/>
-                                          </p:stCondLst>
-                                        </p:cTn>
-                                        <p:tgtEl>
-                                          <p:spTgt spid="3">
-                                            <p:txEl>
-                                              <p:pRg st="1" end="1"/>
-                                            </p:txEl>
-                                          </p:spTgt>
-                                        </p:tgtEl>
-                                        <p:attrNameLst>
-                                          <p:attrName>style.visibility</p:attrName>
-                                        </p:attrNameLst>
-                                      </p:cBhvr>
-                                      <p:to>
-                                        <p:strVal val="visible"/>
-                                      </p:to>
-                                    </p:set>
-                                    <p:animEffect transition="in" filter="dissolve">
-                                      <p:cBhvr>
-                                        <p:cTn id="12" dur="500"/>
-                                        <p:tgtEl>
-                                          <p:spTgt spid="3">
-                                            <p:txEl>
-                                              <p:pRg st="1" end="1"/>
-                                            </p:txEl>
-                                          </p:spTgt>
-                                        </p:tgtEl>
-                                      </p:cBhvr>
-                                    </p:animEffect>
-                                  </p:childTnLst>
-                                </p:cTn>
-                              </p:par>
-                            </p:childTnLst>
-                          </p:cTn>
-                        </p:par>
-                        <p:par>
-                          <p:cTn id="13" fill="hold">
-                            <p:stCondLst>
-                              <p:cond delay="500"/>
-                            </p:stCondLst>
-                            <p:childTnLst>
-                              <p:par>
-                                <p:cTn id="14" presetID="22" presetClass="entr" presetSubtype="8" fill="hold" grpId="0" nodeType="afterEffect">
-                                  <p:stCondLst>
-                                    <p:cond delay="0"/>
-                                  </p:stCondLst>
-                                  <p:childTnLst>
-                                    <p:set>
-                                      <p:cBhvr>
-                                        <p:cTn id="15" dur="1" fill="hold">
                                           <p:stCondLst>
                                             <p:cond delay="0"/>
                                           </p:stCondLst>
@@ -17279,7 +17898,7 @@
                                     </p:set>
                                     <p:animEffect transition="in" filter="wipe(left)">
                                       <p:cBhvr>
-                                        <p:cTn id="16" dur="500"/>
+                                        <p:cTn id="12" dur="1000"/>
                                         <p:tgtEl>
                                           <p:spTgt spid="3">
                                             <p:txEl>
@@ -17299,26 +17918,26 @@
                     </p:cTn>
                   </p:par>
                   <p:par>
-                    <p:cTn id="17" fill="hold">
+                    <p:cTn id="13" fill="hold">
                       <p:stCondLst>
                         <p:cond delay="indefinite"/>
                       </p:stCondLst>
                       <p:childTnLst>
                         <p:par>
-                          <p:cTn id="18" fill="hold">
+                          <p:cTn id="14" fill="hold">
                             <p:stCondLst>
                               <p:cond delay="0"/>
                             </p:stCondLst>
                             <p:childTnLst>
                               <p:par>
-                                <p:cTn id="19" presetID="9" presetClass="entr" presetSubtype="0" fill="hold" grpId="0" nodeType="clickEffect">
+                                <p:cTn id="15" presetID="10" presetClass="entr" presetSubtype="0" fill="hold" grpId="0" nodeType="clickEffect">
                                   <p:stCondLst>
                                     <p:cond delay="0"/>
                                   </p:stCondLst>
                                   <p:childTnLst>
                                     <p:set>
                                       <p:cBhvr>
-                                        <p:cTn id="20" dur="1" fill="hold">
+                                        <p:cTn id="16" dur="1" fill="hold">
                                           <p:stCondLst>
                                             <p:cond delay="0"/>
                                           </p:stCondLst>
@@ -17338,9 +17957,9 @@
                                         <p:strVal val="visible"/>
                                       </p:to>
                                     </p:set>
-                                    <p:animEffect transition="in" filter="dissolve">
+                                    <p:animEffect transition="in" filter="fade">
                                       <p:cBhvr>
-                                        <p:cTn id="21" dur="500"/>
+                                        <p:cTn id="17" dur="500"/>
                                         <p:tgtEl>
                                           <p:spTgt spid="3">
                                             <p:txEl>
@@ -17357,20 +17976,20 @@
                           </p:cTn>
                         </p:par>
                         <p:par>
-                          <p:cTn id="22" fill="hold">
+                          <p:cTn id="18" fill="hold">
                             <p:stCondLst>
                               <p:cond delay="500"/>
                             </p:stCondLst>
                             <p:childTnLst>
                               <p:par>
-                                <p:cTn id="23" presetID="22" presetClass="entr" presetSubtype="8" fill="hold" grpId="0" nodeType="afterEffect">
+                                <p:cTn id="19" presetID="22" presetClass="entr" presetSubtype="8" fill="hold" grpId="0" nodeType="afterEffect">
                                   <p:stCondLst>
                                     <p:cond delay="0"/>
                                   </p:stCondLst>
                                   <p:childTnLst>
                                     <p:set>
                                       <p:cBhvr>
-                                        <p:cTn id="24" dur="1" fill="hold">
+                                        <p:cTn id="20" dur="1" fill="hold">
                                           <p:stCondLst>
                                             <p:cond delay="0"/>
                                           </p:stCondLst>
@@ -17392,7 +18011,7 @@
                                     </p:set>
                                     <p:animEffect transition="in" filter="wipe(left)">
                                       <p:cBhvr>
-                                        <p:cTn id="25" dur="500"/>
+                                        <p:cTn id="21" dur="1000"/>
                                         <p:tgtEl>
                                           <p:spTgt spid="3">
                                             <p:txEl>
@@ -17439,448 +18058,6 @@
 </p:sld>
 </file>
 
-<file path=ppt/slides/slide22.xml><?xml version="1.0" encoding="utf-8"?>
-<p:sld xmlns:a="http://schemas.openxmlformats.org/drawingml/2006/main" xmlns:r="http://schemas.openxmlformats.org/officeDocument/2006/relationships" xmlns:p="http://schemas.openxmlformats.org/presentationml/2006/main">
-  <p:cSld>
-    <p:spTree>
-      <p:nvGrpSpPr>
-        <p:cNvPr id="1" name=""/>
-        <p:cNvGrpSpPr/>
-        <p:nvPr/>
-      </p:nvGrpSpPr>
-      <p:grpSpPr>
-        <a:xfrm>
-          <a:off x="0" y="0"/>
-          <a:ext cx="0" cy="0"/>
-          <a:chOff x="0" y="0"/>
-          <a:chExt cx="0" cy="0"/>
-        </a:xfrm>
-      </p:grpSpPr>
-      <p:sp>
-        <p:nvSpPr>
-          <p:cNvPr id="2" name="Title 1"/>
-          <p:cNvSpPr>
-            <a:spLocks noGrp="1"/>
-          </p:cNvSpPr>
-          <p:nvPr>
-            <p:ph type="title"/>
-          </p:nvPr>
-        </p:nvSpPr>
-        <p:spPr>
-          <a:xfrm>
-            <a:off x="1219200" y="304800"/>
-            <a:ext cx="7472362" cy="1143000"/>
-          </a:xfrm>
-        </p:spPr>
-        <p:txBody>
-          <a:bodyPr/>
-          <a:lstStyle/>
-          <a:p>
-            <a:r>
-              <a:rPr lang="en-US" dirty="0" smtClean="0"/>
-              <a:t>…otherwise Gambler is ruined</a:t>
-            </a:r>
-            <a:endParaRPr lang="en-US" dirty="0"/>
-          </a:p>
-        </p:txBody>
-      </p:sp>
-      <p:sp>
-        <p:nvSpPr>
-          <p:cNvPr id="3" name="Content Placeholder 2"/>
-          <p:cNvSpPr>
-            <a:spLocks noGrp="1"/>
-          </p:cNvSpPr>
-          <p:nvPr>
-            <p:ph idx="1"/>
-          </p:nvPr>
-        </p:nvSpPr>
-        <p:spPr>
-          <a:xfrm>
-            <a:off x="381000" y="1219200"/>
-            <a:ext cx="8610600" cy="4419600"/>
-          </a:xfrm>
-        </p:spPr>
-        <p:txBody>
-          <a:bodyPr/>
-          <a:lstStyle/>
-          <a:p>
-            <a:pPr marL="0" indent="0">
-              <a:buNone/>
-            </a:pPr>
-            <a:r>
-              <a:rPr lang="en-US" sz="6600" dirty="0"/>
-              <a:t>t</a:t>
-            </a:r>
-            <a:r>
-              <a:rPr lang="en-US" sz="6600" dirty="0" smtClean="0"/>
-              <a:t>herefore</a:t>
-            </a:r>
-          </a:p>
-          <a:p>
-            <a:pPr marL="0" indent="0">
-              <a:buNone/>
-            </a:pPr>
-            <a:r>
-              <a:rPr lang="en-US" sz="7200" dirty="0" err="1" smtClean="0">
-                <a:solidFill>
-                  <a:srgbClr val="660066"/>
-                </a:solidFill>
-              </a:rPr>
-              <a:t>Pr</a:t>
-            </a:r>
-            <a:r>
-              <a:rPr lang="en-US" sz="7200" dirty="0" smtClean="0">
-                <a:solidFill>
-                  <a:srgbClr val="660066"/>
-                </a:solidFill>
-              </a:rPr>
-              <a:t>[ruin]</a:t>
-            </a:r>
-          </a:p>
-          <a:p>
-            <a:pPr marL="0" indent="0">
-              <a:buNone/>
-            </a:pPr>
-            <a:r>
-              <a:rPr lang="en-US" sz="7200" b="1" dirty="0" smtClean="0">
-                <a:solidFill>
-                  <a:srgbClr val="660066"/>
-                </a:solidFill>
-                <a:latin typeface="Euclid Symbol" charset="2"/>
-                <a:cs typeface="Euclid Symbol" charset="2"/>
-              </a:rPr>
-              <a:t>=</a:t>
-            </a:r>
-            <a:r>
-              <a:rPr lang="en-US" sz="7200" dirty="0" smtClean="0">
-                <a:solidFill>
-                  <a:srgbClr val="660066"/>
-                </a:solidFill>
-              </a:rPr>
-              <a:t> 1 - </a:t>
-            </a:r>
-            <a:r>
-              <a:rPr lang="en-US" sz="7200" dirty="0" err="1">
-                <a:solidFill>
-                  <a:srgbClr val="660066"/>
-                </a:solidFill>
-              </a:rPr>
-              <a:t>Pr</a:t>
-            </a:r>
-            <a:r>
-              <a:rPr lang="en-US" sz="7200" dirty="0" smtClean="0">
-                <a:solidFill>
-                  <a:srgbClr val="660066"/>
-                </a:solidFill>
-              </a:rPr>
-              <a:t>[hit target]</a:t>
-            </a:r>
-          </a:p>
-        </p:txBody>
-      </p:sp>
-      <p:sp>
-        <p:nvSpPr>
-          <p:cNvPr id="4" name="Slide Number Placeholder 3"/>
-          <p:cNvSpPr>
-            <a:spLocks noGrp="1"/>
-          </p:cNvSpPr>
-          <p:nvPr>
-            <p:ph type="sldNum" sz="quarter" idx="12"/>
-          </p:nvPr>
-        </p:nvSpPr>
-        <p:spPr/>
-        <p:txBody>
-          <a:bodyPr/>
-          <a:lstStyle/>
-          <a:p>
-            <a:pPr>
-              <a:defRPr/>
-            </a:pPr>
-            <a:r>
-              <a:rPr lang="en-US" smtClean="0"/>
-              <a:t>Lec 14M.</a:t>
-            </a:r>
-            <a:fld id="{E877D3CB-F960-BD47-98A7-06971C504846}" type="slidenum">
-              <a:rPr lang="en-US" smtClean="0"/>
-              <a:pPr>
-                <a:defRPr/>
-              </a:pPr>
-              <a:t>22</a:t>
-            </a:fld>
-            <a:endParaRPr lang="en-US" smtClean="0"/>
-          </a:p>
-          <a:p>
-            <a:pPr>
-              <a:defRPr/>
-            </a:pPr>
-            <a:endParaRPr lang="en-US" dirty="0"/>
-          </a:p>
-        </p:txBody>
-      </p:sp>
-      <p:sp>
-        <p:nvSpPr>
-          <p:cNvPr id="5" name="Date Placeholder 4"/>
-          <p:cNvSpPr>
-            <a:spLocks noGrp="1"/>
-          </p:cNvSpPr>
-          <p:nvPr>
-            <p:ph type="dt" sz="half" idx="2"/>
-          </p:nvPr>
-        </p:nvSpPr>
-        <p:spPr/>
-        <p:txBody>
-          <a:bodyPr/>
-          <a:lstStyle/>
-          <a:p>
-            <a:pPr>
-              <a:defRPr/>
-            </a:pPr>
-            <a:r>
-              <a:rPr lang="en-US" smtClean="0"/>
-              <a:t>Albert R Meyer,                        May 14, 2012</a:t>
-            </a:r>
-            <a:endParaRPr lang="en-US" dirty="0"/>
-          </a:p>
-        </p:txBody>
-      </p:sp>
-    </p:spTree>
-    <p:extLst>
-      <p:ext uri="{BB962C8B-B14F-4D97-AF65-F5344CB8AC3E}">
-        <p14:creationId xmlns:p14="http://schemas.microsoft.com/office/powerpoint/2010/main" val="3346932428"/>
-      </p:ext>
-    </p:extLst>
-  </p:cSld>
-  <p:clrMapOvr>
-    <a:masterClrMapping/>
-  </p:clrMapOvr>
-  <mc:AlternateContent xmlns:mc="http://schemas.openxmlformats.org/markup-compatibility/2006" xmlns:p14="http://schemas.microsoft.com/office/powerpoint/2010/main">
-    <mc:Choice Requires="p14">
-      <p:transition spd="med" p14:dur="700">
-        <p:fade/>
-      </p:transition>
-    </mc:Choice>
-    <mc:Fallback xmlns="">
-      <p:transition xmlns:p14="http://schemas.microsoft.com/office/powerpoint/2010/main" spd="med">
-        <p:fade/>
-      </p:transition>
-    </mc:Fallback>
-  </mc:AlternateContent>
-  <p:timing>
-    <p:tnLst>
-      <p:par>
-        <p:cTn xmlns:p14="http://schemas.microsoft.com/office/powerpoint/2010/main" id="1" dur="indefinite" restart="never" nodeType="tmRoot">
-          <p:childTnLst>
-            <p:seq concurrent="1" nextAc="seek">
-              <p:cTn id="2" dur="indefinite" nodeType="mainSeq">
-                <p:childTnLst>
-                  <p:par>
-                    <p:cTn id="3" fill="hold">
-                      <p:stCondLst>
-                        <p:cond delay="indefinite"/>
-                      </p:stCondLst>
-                      <p:childTnLst>
-                        <p:par>
-                          <p:cTn id="4" fill="hold">
-                            <p:stCondLst>
-                              <p:cond delay="0"/>
-                            </p:stCondLst>
-                            <p:childTnLst>
-                              <p:par>
-                                <p:cTn id="5" presetID="9" presetClass="entr" presetSubtype="0" fill="hold" nodeType="clickEffect">
-                                  <p:stCondLst>
-                                    <p:cond delay="0"/>
-                                  </p:stCondLst>
-                                  <p:childTnLst>
-                                    <p:set>
-                                      <p:cBhvr>
-                                        <p:cTn id="6" dur="1" fill="hold">
-                                          <p:stCondLst>
-                                            <p:cond delay="0"/>
-                                          </p:stCondLst>
-                                        </p:cTn>
-                                        <p:tgtEl>
-                                          <p:spTgt spid="3">
-                                            <p:txEl>
-                                              <p:pRg st="0" end="0"/>
-                                            </p:txEl>
-                                          </p:spTgt>
-                                        </p:tgtEl>
-                                        <p:attrNameLst>
-                                          <p:attrName>style.visibility</p:attrName>
-                                        </p:attrNameLst>
-                                      </p:cBhvr>
-                                      <p:to>
-                                        <p:strVal val="visible"/>
-                                      </p:to>
-                                    </p:set>
-                                    <p:animEffect transition="in" filter="dissolve">
-                                      <p:cBhvr>
-                                        <p:cTn id="7" dur="500"/>
-                                        <p:tgtEl>
-                                          <p:spTgt spid="3">
-                                            <p:txEl>
-                                              <p:pRg st="0" end="0"/>
-                                            </p:txEl>
-                                          </p:spTgt>
-                                        </p:tgtEl>
-                                      </p:cBhvr>
-                                    </p:animEffect>
-                                  </p:childTnLst>
-                                </p:cTn>
-                              </p:par>
-                            </p:childTnLst>
-                          </p:cTn>
-                        </p:par>
-                      </p:childTnLst>
-                    </p:cTn>
-                  </p:par>
-                  <p:par>
-                    <p:cTn id="8" fill="hold">
-                      <p:stCondLst>
-                        <p:cond delay="indefinite"/>
-                      </p:stCondLst>
-                      <p:childTnLst>
-                        <p:par>
-                          <p:cTn id="9" fill="hold">
-                            <p:stCondLst>
-                              <p:cond delay="0"/>
-                            </p:stCondLst>
-                            <p:childTnLst>
-                              <p:par>
-                                <p:cTn id="10" presetID="9" presetClass="entr" presetSubtype="0" fill="hold" nodeType="clickEffect">
-                                  <p:stCondLst>
-                                    <p:cond delay="0"/>
-                                  </p:stCondLst>
-                                  <p:childTnLst>
-                                    <p:set>
-                                      <p:cBhvr>
-                                        <p:cTn id="11" dur="1" fill="hold">
-                                          <p:stCondLst>
-                                            <p:cond delay="0"/>
-                                          </p:stCondLst>
-                                        </p:cTn>
-                                        <p:tgtEl>
-                                          <p:spTgt spid="3">
-                                            <p:txEl>
-                                              <p:pRg st="1" end="1"/>
-                                            </p:txEl>
-                                          </p:spTgt>
-                                        </p:tgtEl>
-                                        <p:attrNameLst>
-                                          <p:attrName>style.visibility</p:attrName>
-                                        </p:attrNameLst>
-                                      </p:cBhvr>
-                                      <p:to>
-                                        <p:strVal val="visible"/>
-                                      </p:to>
-                                    </p:set>
-                                    <p:animEffect transition="in" filter="dissolve">
-                                      <p:cBhvr>
-                                        <p:cTn id="12" dur="500"/>
-                                        <p:tgtEl>
-                                          <p:spTgt spid="3">
-                                            <p:txEl>
-                                              <p:pRg st="1" end="1"/>
-                                            </p:txEl>
-                                          </p:spTgt>
-                                        </p:tgtEl>
-                                      </p:cBhvr>
-                                    </p:animEffect>
-                                  </p:childTnLst>
-                                </p:cTn>
-                              </p:par>
-                            </p:childTnLst>
-                          </p:cTn>
-                        </p:par>
-                      </p:childTnLst>
-                    </p:cTn>
-                  </p:par>
-                  <p:par>
-                    <p:cTn id="13" fill="hold">
-                      <p:stCondLst>
-                        <p:cond delay="indefinite"/>
-                      </p:stCondLst>
-                      <p:childTnLst>
-                        <p:par>
-                          <p:cTn id="14" fill="hold">
-                            <p:stCondLst>
-                              <p:cond delay="0"/>
-                            </p:stCondLst>
-                            <p:childTnLst>
-                              <p:par>
-                                <p:cTn id="15" presetID="9" presetClass="entr" presetSubtype="0" fill="hold" nodeType="clickEffect">
-                                  <p:stCondLst>
-                                    <p:cond delay="0"/>
-                                  </p:stCondLst>
-                                  <p:childTnLst>
-                                    <p:set>
-                                      <p:cBhvr>
-                                        <p:cTn id="16" dur="1" fill="hold">
-                                          <p:stCondLst>
-                                            <p:cond delay="0"/>
-                                          </p:stCondLst>
-                                        </p:cTn>
-                                        <p:tgtEl>
-                                          <p:spTgt spid="3">
-                                            <p:txEl>
-                                              <p:pRg st="2" end="2"/>
-                                            </p:txEl>
-                                          </p:spTgt>
-                                        </p:tgtEl>
-                                        <p:attrNameLst>
-                                          <p:attrName>style.visibility</p:attrName>
-                                        </p:attrNameLst>
-                                      </p:cBhvr>
-                                      <p:to>
-                                        <p:strVal val="visible"/>
-                                      </p:to>
-                                    </p:set>
-                                    <p:animEffect transition="in" filter="dissolve">
-                                      <p:cBhvr>
-                                        <p:cTn id="17" dur="500"/>
-                                        <p:tgtEl>
-                                          <p:spTgt spid="3">
-                                            <p:txEl>
-                                              <p:pRg st="2" end="2"/>
-                                            </p:txEl>
-                                          </p:spTgt>
-                                        </p:tgtEl>
-                                      </p:cBhvr>
-                                    </p:animEffect>
-                                  </p:childTnLst>
-                                </p:cTn>
-                              </p:par>
-                            </p:childTnLst>
-                          </p:cTn>
-                        </p:par>
-                      </p:childTnLst>
-                    </p:cTn>
-                  </p:par>
-                </p:childTnLst>
-              </p:cTn>
-              <p:prevCondLst>
-                <p:cond evt="onPrev" delay="0">
-                  <p:tgtEl>
-                    <p:sldTgt/>
-                  </p:tgtEl>
-                </p:cond>
-              </p:prevCondLst>
-              <p:nextCondLst>
-                <p:cond evt="onNext" delay="0">
-                  <p:tgtEl>
-                    <p:sldTgt/>
-                  </p:tgtEl>
-                </p:cond>
-              </p:nextCondLst>
-            </p:seq>
-          </p:childTnLst>
-        </p:cTn>
-      </p:par>
-    </p:tnLst>
-  </p:timing>
-</p:sld>
-</file>
-
 <file path=ppt/slides/slide3.xml><?xml version="1.0" encoding="utf-8"?>
 <p:sld xmlns:a="http://schemas.openxmlformats.org/drawingml/2006/main" xmlns:r="http://schemas.openxmlformats.org/officeDocument/2006/relationships" xmlns:p="http://schemas.openxmlformats.org/presentationml/2006/main">
   <p:cSld>
@@ -17916,12 +18093,12 @@
           <a:lstStyle/>
           <a:p>
             <a:r>
-              <a:rPr lang="en-US" dirty="0" err="1"/>
-              <a:t>Lec</a:t>
+              <a:rPr lang="en-US" dirty="0" err="1" smtClean="0"/>
+              <a:t>ruinwin</a:t>
             </a:r>
             <a:r>
               <a:rPr lang="en-US" dirty="0" smtClean="0"/>
-              <a:t> 14M.</a:t>
+              <a:t>.</a:t>
             </a:r>
             <a:fld id="{C4461F72-8397-A54C-8A8A-56C7DBF0D442}" type="slidenum">
               <a:rPr lang="en-US" smtClean="0"/>
@@ -18588,7 +18765,11 @@
             </a:pPr>
             <a:r>
               <a:rPr lang="en-US" dirty="0" smtClean="0"/>
-              <a:t>Albert R Meyer,               May 14, 2012</a:t>
+              <a:t>Albert R Meyer,               </a:t>
+            </a:r>
+            <a:r>
+              <a:rPr lang="en-US" dirty="0" smtClean="0"/>
+              <a:t>May 15, 2013</a:t>
             </a:r>
             <a:endParaRPr lang="en-US" dirty="0"/>
           </a:p>
@@ -18599,18 +18780,9 @@
   <p:clrMapOvr>
     <a:masterClrMapping/>
   </p:clrMapOvr>
-  <mc:AlternateContent xmlns:mc="http://schemas.openxmlformats.org/markup-compatibility/2006" xmlns:p14="http://schemas.microsoft.com/office/powerpoint/2010/main">
-    <mc:Choice Requires="p14">
-      <p:transition spd="med" p14:dur="700">
-        <p:fade/>
-      </p:transition>
-    </mc:Choice>
-    <mc:Fallback xmlns="">
-      <p:transition xmlns:p14="http://schemas.microsoft.com/office/powerpoint/2010/main" spd="med">
-        <p:fade/>
-      </p:transition>
-    </mc:Fallback>
-  </mc:AlternateContent>
+  <p:transition xmlns:p14="http://schemas.microsoft.com/office/powerpoint/2010/main" spd="slow" advClick="0">
+    <p:fade/>
+  </p:transition>
   <p:timing>
     <p:tnLst>
       <p:par>
@@ -18710,7 +18882,7 @@
                                     </p:set>
                                     <p:animEffect transition="in" filter="wipe(left)">
                                       <p:cBhvr>
-                                        <p:cTn id="12" dur="500"/>
+                                        <p:cTn id="12" dur="1000"/>
                                         <p:tgtEl>
                                           <p:spTgt spid="3"/>
                                         </p:tgtEl>
@@ -18841,12 +19013,12 @@
           <a:lstStyle/>
           <a:p>
             <a:r>
-              <a:rPr lang="en-US" dirty="0" err="1"/>
-              <a:t>Lec</a:t>
+              <a:rPr lang="en-US" dirty="0" err="1" smtClean="0"/>
+              <a:t>ruinwin</a:t>
             </a:r>
             <a:r>
               <a:rPr lang="en-US" dirty="0" smtClean="0"/>
-              <a:t> 14M.</a:t>
+              <a:t>.</a:t>
             </a:r>
             <a:fld id="{1F859011-7C7E-724A-9635-B330832E05C4}" type="slidenum">
               <a:rPr lang="en-US" smtClean="0"/>
@@ -18919,9 +19091,21 @@
             </a:r>
             <a:r>
               <a:rPr lang="en-US" sz="4400" dirty="0" smtClean="0"/>
-              <a:t>bias?</a:t>
-            </a:r>
-            <a:endParaRPr lang="en-US" sz="4400" dirty="0"/>
+              <a:t>bias</a:t>
+            </a:r>
+            <a:r>
+              <a:rPr lang="en-US" sz="4400" dirty="0" smtClean="0">
+                <a:solidFill>
+                  <a:srgbClr val="660066"/>
+                </a:solidFill>
+              </a:rPr>
+              <a:t>?</a:t>
+            </a:r>
+            <a:endParaRPr lang="en-US" sz="4400" dirty="0">
+              <a:solidFill>
+                <a:srgbClr val="660066"/>
+              </a:solidFill>
+            </a:endParaRPr>
           </a:p>
         </p:txBody>
       </p:sp>
@@ -19004,7 +19188,11 @@
             </a:pPr>
             <a:r>
               <a:rPr lang="en-US" dirty="0" smtClean="0"/>
-              <a:t>Albert R Meyer,               May 14, 2012</a:t>
+              <a:t>Albert R Meyer,               </a:t>
+            </a:r>
+            <a:r>
+              <a:rPr lang="en-US" dirty="0" smtClean="0"/>
+              <a:t>May 15, 2013</a:t>
             </a:r>
             <a:endParaRPr lang="en-US" dirty="0"/>
           </a:p>
@@ -19015,7 +19203,7 @@
   <p:clrMapOvr>
     <a:masterClrMapping/>
   </p:clrMapOvr>
-  <p:transition xmlns:p14="http://schemas.microsoft.com/office/powerpoint/2010/main" spd="slow">
+  <p:transition xmlns:p14="http://schemas.microsoft.com/office/powerpoint/2010/main" spd="slow" advClick="0">
     <p:fade/>
   </p:transition>
   <p:timing>
@@ -19150,12 +19338,12 @@
           <a:lstStyle/>
           <a:p>
             <a:r>
-              <a:rPr lang="en-US" dirty="0" err="1"/>
-              <a:t>Lec</a:t>
+              <a:rPr lang="en-US" dirty="0" err="1" smtClean="0"/>
+              <a:t>ruinwin</a:t>
             </a:r>
             <a:r>
               <a:rPr lang="en-US" dirty="0" smtClean="0"/>
-              <a:t> 14M.</a:t>
+              <a:t>.</a:t>
             </a:r>
             <a:fld id="{1A58DCCE-006C-2247-9099-C179D2709666}" type="slidenum">
               <a:rPr lang="en-US" smtClean="0"/>
@@ -19598,7 +19786,11 @@
             </a:pPr>
             <a:r>
               <a:rPr lang="en-US" dirty="0" smtClean="0"/>
-              <a:t>Albert R Meyer,               May 14, 2012</a:t>
+              <a:t>Albert R Meyer,               </a:t>
+            </a:r>
+            <a:r>
+              <a:rPr lang="en-US" dirty="0" smtClean="0"/>
+              <a:t>May 15, 2013</a:t>
             </a:r>
             <a:endParaRPr lang="en-US" dirty="0"/>
           </a:p>
@@ -19609,7 +19801,7 @@
   <p:clrMapOvr>
     <a:masterClrMapping/>
   </p:clrMapOvr>
-  <p:transition xmlns:p14="http://schemas.microsoft.com/office/powerpoint/2010/main" spd="med">
+  <p:transition xmlns:p14="http://schemas.microsoft.com/office/powerpoint/2010/main" spd="slow" advClick="0">
     <p:fade thruBlk="1"/>
   </p:transition>
   <p:timing>
@@ -20010,12 +20202,12 @@
           <a:lstStyle/>
           <a:p>
             <a:r>
-              <a:rPr lang="en-US" dirty="0" err="1"/>
-              <a:t>Lec</a:t>
+              <a:rPr lang="en-US" dirty="0" err="1" smtClean="0"/>
+              <a:t>ruinwin</a:t>
             </a:r>
             <a:r>
               <a:rPr lang="en-US" dirty="0" smtClean="0"/>
-              <a:t> 14M.</a:t>
+              <a:t>.</a:t>
             </a:r>
             <a:fld id="{1B818657-C012-2D4E-9D91-E82567AD91A2}" type="slidenum">
               <a:rPr lang="en-US" smtClean="0"/>
@@ -20202,7 +20394,11 @@
             </a:pPr>
             <a:r>
               <a:rPr lang="en-US" dirty="0" smtClean="0"/>
-              <a:t>Albert R Meyer,               May 14, 2012</a:t>
+              <a:t>Albert R Meyer,               </a:t>
+            </a:r>
+            <a:r>
+              <a:rPr lang="en-US" dirty="0" smtClean="0"/>
+              <a:t>May 15, 2013</a:t>
             </a:r>
             <a:endParaRPr lang="en-US" dirty="0"/>
           </a:p>
@@ -20230,7 +20426,7 @@
           <a:graphicData uri="http://schemas.openxmlformats.org/presentationml/2006/ole">
             <mc:AlternateContent xmlns:mc="http://schemas.openxmlformats.org/markup-compatibility/2006">
               <mc:Choice xmlns:v="urn:schemas-microsoft-com:vml" Requires="v">
-                <p:oleObj spid="_x0000_s240671" name="Equation" r:id="rId4" imgW="1066800" imgH="469900" progId="Equation.DSMT4">
+                <p:oleObj spid="_x0000_s240695" name="Equation" r:id="rId4" imgW="1066800" imgH="469900" progId="Equation.DSMT4">
                   <p:embed/>
                 </p:oleObj>
               </mc:Choice>
@@ -20270,7 +20466,7 @@
   <p:clrMapOvr>
     <a:masterClrMapping/>
   </p:clrMapOvr>
-  <p:transition xmlns:p14="http://schemas.microsoft.com/office/powerpoint/2010/main">
+  <p:transition xmlns:p14="http://schemas.microsoft.com/office/powerpoint/2010/main" spd="slow" advClick="0">
     <p:fade/>
   </p:transition>
   <p:timing>
@@ -20482,12 +20678,12 @@
           <a:lstStyle/>
           <a:p>
             <a:r>
-              <a:rPr lang="en-US" dirty="0" err="1"/>
-              <a:t>Lec</a:t>
+              <a:rPr lang="en-US" dirty="0" err="1" smtClean="0"/>
+              <a:t>ruinwin</a:t>
             </a:r>
             <a:r>
               <a:rPr lang="en-US" dirty="0" smtClean="0"/>
-              <a:t> 14M.</a:t>
+              <a:t>.</a:t>
             </a:r>
             <a:fld id="{8B4C27B2-6C40-2848-B9DB-97D985B60433}" type="slidenum">
               <a:rPr lang="en-US" smtClean="0"/>
@@ -20700,7 +20896,11 @@
             </a:pPr>
             <a:r>
               <a:rPr lang="en-US" dirty="0" smtClean="0"/>
-              <a:t>Albert R Meyer,               May 14, 2012</a:t>
+              <a:t>Albert R Meyer,               </a:t>
+            </a:r>
+            <a:r>
+              <a:rPr lang="en-US" dirty="0" smtClean="0"/>
+              <a:t>May 15, 2013</a:t>
             </a:r>
             <a:endParaRPr lang="en-US" dirty="0"/>
           </a:p>
@@ -20711,8 +20911,8 @@
   <p:clrMapOvr>
     <a:masterClrMapping/>
   </p:clrMapOvr>
-  <p:transition xmlns:p14="http://schemas.microsoft.com/office/powerpoint/2010/main">
-    <p:fade/>
+  <p:transition xmlns:p14="http://schemas.microsoft.com/office/powerpoint/2010/main" spd="slow" advClick="0">
+    <p:fade thruBlk="1"/>
   </p:transition>
   <p:timing>
     <p:tnLst>
@@ -20838,12 +21038,12 @@
           <a:lstStyle/>
           <a:p>
             <a:r>
-              <a:rPr lang="en-US" dirty="0" err="1"/>
-              <a:t>Lec</a:t>
+              <a:rPr lang="en-US" dirty="0" err="1" smtClean="0"/>
+              <a:t>ruinwin</a:t>
             </a:r>
             <a:r>
               <a:rPr lang="en-US" dirty="0" smtClean="0"/>
-              <a:t> 14M.</a:t>
+              <a:t>.</a:t>
             </a:r>
             <a:fld id="{DDEDA1A4-F92A-C247-BD53-F6346675D8E3}" type="slidenum">
               <a:rPr lang="en-US" smtClean="0"/>
@@ -21353,7 +21553,11 @@
             </a:pPr>
             <a:r>
               <a:rPr lang="en-US" dirty="0" smtClean="0"/>
-              <a:t>Albert R Meyer,               May 14, 2012</a:t>
+              <a:t>Albert R Meyer,               </a:t>
+            </a:r>
+            <a:r>
+              <a:rPr lang="en-US" dirty="0" smtClean="0"/>
+              <a:t>May 15, 2013</a:t>
             </a:r>
             <a:endParaRPr lang="en-US" dirty="0"/>
           </a:p>
@@ -21364,7 +21568,7 @@
   <p:clrMapOvr>
     <a:masterClrMapping/>
   </p:clrMapOvr>
-  <p:transition xmlns:p14="http://schemas.microsoft.com/office/powerpoint/2010/main">
+  <p:transition xmlns:p14="http://schemas.microsoft.com/office/powerpoint/2010/main" spd="slow" advClick="0">
     <p:fade/>
   </p:transition>
   <p:timing>
@@ -21668,12 +21872,12 @@
           <a:lstStyle/>
           <a:p>
             <a:r>
-              <a:rPr lang="en-US" dirty="0" err="1"/>
-              <a:t>Lec</a:t>
+              <a:rPr lang="en-US" dirty="0" err="1" smtClean="0"/>
+              <a:t>ruinwin</a:t>
             </a:r>
             <a:r>
               <a:rPr lang="en-US" dirty="0" smtClean="0"/>
-              <a:t> 14M.</a:t>
+              <a:t>.</a:t>
             </a:r>
             <a:fld id="{F27F5B8B-217C-0D4F-99AD-868E856C8FC1}" type="slidenum">
               <a:rPr lang="en-US" smtClean="0"/>
@@ -21899,7 +22103,31 @@
             </a:r>
             <a:r>
               <a:rPr lang="en-US" sz="4800" dirty="0" smtClean="0"/>
-              <a:t>[hit target]?</a:t>
+              <a:t>[</a:t>
+            </a:r>
+            <a:r>
+              <a:rPr lang="en-US" sz="4800" dirty="0" smtClean="0">
+                <a:solidFill>
+                  <a:srgbClr val="008000"/>
+                </a:solidFill>
+              </a:rPr>
+              <a:t>hit </a:t>
+            </a:r>
+            <a:r>
+              <a:rPr lang="en-US" sz="4800" b="1" dirty="0">
+                <a:solidFill>
+                  <a:srgbClr val="0000FF"/>
+                </a:solidFill>
+              </a:rPr>
+              <a:t>t</a:t>
+            </a:r>
+            <a:r>
+              <a:rPr lang="en-US" sz="4800" dirty="0"/>
+              <a:t>arget]</a:t>
+            </a:r>
+            <a:r>
+              <a:rPr lang="en-US" sz="4800" dirty="0" smtClean="0"/>
+              <a:t>?</a:t>
             </a:r>
             <a:endParaRPr lang="en-US" sz="4800" dirty="0"/>
           </a:p>
@@ -21952,7 +22180,11 @@
             </a:pPr>
             <a:r>
               <a:rPr lang="en-US" dirty="0" smtClean="0"/>
-              <a:t>Albert R Meyer,               May 14, 2012</a:t>
+              <a:t>Albert R Meyer,               </a:t>
+            </a:r>
+            <a:r>
+              <a:rPr lang="en-US" dirty="0" smtClean="0"/>
+              <a:t>May 15, 2013</a:t>
             </a:r>
             <a:endParaRPr lang="en-US" dirty="0"/>
           </a:p>
@@ -21963,7 +22195,7 @@
   <p:clrMapOvr>
     <a:masterClrMapping/>
   </p:clrMapOvr>
-  <p:transition xmlns:p14="http://schemas.microsoft.com/office/powerpoint/2010/main" spd="slow">
+  <p:transition xmlns:p14="http://schemas.microsoft.com/office/powerpoint/2010/main" spd="slow" advClick="0">
     <p:fade thruBlk="1"/>
   </p:transition>
   <p:timing>

--- a/spring13/slides13/gamblers-ruin-prob-win.pptx
+++ b/spring13/slides13/gamblers-ruin-prob-win.pptx
@@ -23,16 +23,16 @@
     <p:sldId id="260" r:id="rId11"/>
     <p:sldId id="266" r:id="rId12"/>
     <p:sldId id="309" r:id="rId13"/>
-    <p:sldId id="341" r:id="rId14"/>
-    <p:sldId id="310" r:id="rId15"/>
-    <p:sldId id="278" r:id="rId16"/>
-    <p:sldId id="274" r:id="rId17"/>
-    <p:sldId id="279" r:id="rId18"/>
-    <p:sldId id="275" r:id="rId19"/>
-    <p:sldId id="342" r:id="rId20"/>
-    <p:sldId id="305" r:id="rId21"/>
-    <p:sldId id="343" r:id="rId22"/>
-    <p:sldId id="345" r:id="rId23"/>
+    <p:sldId id="343" r:id="rId14"/>
+    <p:sldId id="345" r:id="rId15"/>
+    <p:sldId id="341" r:id="rId16"/>
+    <p:sldId id="310" r:id="rId17"/>
+    <p:sldId id="278" r:id="rId18"/>
+    <p:sldId id="274" r:id="rId19"/>
+    <p:sldId id="279" r:id="rId20"/>
+    <p:sldId id="275" r:id="rId21"/>
+    <p:sldId id="342" r:id="rId22"/>
+    <p:sldId id="305" r:id="rId23"/>
   </p:sldIdLst>
   <p:sldSz cx="9144000" cy="6858000" type="screen4x3"/>
   <p:notesSz cx="9601200" cy="7315200"/>
@@ -1240,71 +1240,70 @@
       </p:grpSpPr>
       <p:sp>
         <p:nvSpPr>
-          <p:cNvPr id="59394" name="Rectangle 7"/>
-          <p:cNvSpPr>
-            <a:spLocks noGrp="1" noChangeArrowheads="1"/>
+          <p:cNvPr id="2" name="Slide Image Placeholder 1"/>
+          <p:cNvSpPr>
+            <a:spLocks noGrp="1" noRot="1" noChangeAspect="1"/>
           </p:cNvSpPr>
           <p:nvPr>
-            <p:ph type="sldNum" sz="quarter" idx="5"/>
+            <p:ph type="sldImg"/>
           </p:nvPr>
         </p:nvSpPr>
-        <p:spPr>
-          <a:noFill/>
-        </p:spPr>
+        <p:spPr/>
+      </p:sp>
+      <p:sp>
+        <p:nvSpPr>
+          <p:cNvPr id="3" name="Notes Placeholder 2"/>
+          <p:cNvSpPr>
+            <a:spLocks noGrp="1"/>
+          </p:cNvSpPr>
+          <p:nvPr>
+            <p:ph type="body" idx="1"/>
+          </p:nvPr>
+        </p:nvSpPr>
+        <p:spPr/>
         <p:txBody>
           <a:bodyPr/>
           <a:lstStyle/>
           <a:p>
-            <a:fld id="{6DC62E14-2803-434A-8AB4-3D6C5730563F}" type="slidenum">
-              <a:rPr lang="en-US"/>
-              <a:pPr/>
-              <a:t>14</a:t>
-            </a:fld>
             <a:endParaRPr lang="en-US"/>
           </a:p>
         </p:txBody>
       </p:sp>
       <p:sp>
         <p:nvSpPr>
-          <p:cNvPr id="59395" name="Rectangle 2"/>
-          <p:cNvSpPr>
-            <a:spLocks noGrp="1" noRot="1" noChangeAspect="1" noChangeArrowheads="1" noTextEdit="1"/>
+          <p:cNvPr id="4" name="Slide Number Placeholder 3"/>
+          <p:cNvSpPr>
+            <a:spLocks noGrp="1"/>
           </p:cNvSpPr>
           <p:nvPr>
-            <p:ph type="sldImg"/>
+            <p:ph type="sldNum" sz="quarter" idx="10"/>
           </p:nvPr>
         </p:nvSpPr>
-        <p:spPr>
-          <a:ln/>
-        </p:spPr>
-      </p:sp>
-      <p:sp>
-        <p:nvSpPr>
-          <p:cNvPr id="59396" name="Rectangle 3"/>
-          <p:cNvSpPr>
-            <a:spLocks noGrp="1" noChangeArrowheads="1"/>
-          </p:cNvSpPr>
-          <p:nvPr>
-            <p:ph type="body" idx="1"/>
-          </p:nvPr>
-        </p:nvSpPr>
-        <p:spPr>
-          <a:noFill/>
-          <a:ln/>
-        </p:spPr>
+        <p:spPr/>
         <p:txBody>
           <a:bodyPr/>
           <a:lstStyle/>
           <a:p>
-            <a:pPr eaLnBrk="1" hangingPunct="1"/>
-            <a:endParaRPr lang="en-US">
-              <a:latin typeface="Arial" pitchFamily="-111" charset="0"/>
-              <a:ea typeface="ＭＳ Ｐゴシック" pitchFamily="-111" charset="-128"/>
-            </a:endParaRPr>
+            <a:pPr>
+              <a:defRPr/>
+            </a:pPr>
+            <a:fld id="{DC552C11-A6B4-BC49-B9DF-E9E99EC5DABC}" type="slidenum">
+              <a:rPr lang="en-US" smtClean="0"/>
+              <a:pPr>
+                <a:defRPr/>
+              </a:pPr>
+              <a:t>13</a:t>
+            </a:fld>
+            <a:endParaRPr lang="en-US"/>
           </a:p>
         </p:txBody>
       </p:sp>
     </p:spTree>
+    <p:extLst>
+      <p:ext uri="{BB962C8B-B14F-4D97-AF65-F5344CB8AC3E}">
+        <p14:creationId xmlns:p14="http://schemas.microsoft.com/office/powerpoint/2010/main" val="731978887"/>
+      </p:ext>
+    </p:extLst>
   </p:cSld>
   <p:clrMapOvr>
     <a:masterClrMapping/>
@@ -1331,71 +1330,70 @@
       </p:grpSpPr>
       <p:sp>
         <p:nvSpPr>
-          <p:cNvPr id="61442" name="Rectangle 7"/>
-          <p:cNvSpPr>
-            <a:spLocks noGrp="1" noChangeArrowheads="1"/>
+          <p:cNvPr id="2" name="Slide Image Placeholder 1"/>
+          <p:cNvSpPr>
+            <a:spLocks noGrp="1" noRot="1" noChangeAspect="1"/>
           </p:cNvSpPr>
           <p:nvPr>
-            <p:ph type="sldNum" sz="quarter" idx="5"/>
+            <p:ph type="sldImg"/>
           </p:nvPr>
         </p:nvSpPr>
-        <p:spPr>
-          <a:noFill/>
-        </p:spPr>
+        <p:spPr/>
+      </p:sp>
+      <p:sp>
+        <p:nvSpPr>
+          <p:cNvPr id="3" name="Notes Placeholder 2"/>
+          <p:cNvSpPr>
+            <a:spLocks noGrp="1"/>
+          </p:cNvSpPr>
+          <p:nvPr>
+            <p:ph type="body" idx="1"/>
+          </p:nvPr>
+        </p:nvSpPr>
+        <p:spPr/>
         <p:txBody>
           <a:bodyPr/>
           <a:lstStyle/>
           <a:p>
-            <a:fld id="{0F25C908-CA2B-5747-86E2-0A39237D8D1E}" type="slidenum">
-              <a:rPr lang="en-US"/>
-              <a:pPr/>
-              <a:t>15</a:t>
-            </a:fld>
             <a:endParaRPr lang="en-US"/>
           </a:p>
         </p:txBody>
       </p:sp>
       <p:sp>
         <p:nvSpPr>
-          <p:cNvPr id="61443" name="Rectangle 2"/>
-          <p:cNvSpPr>
-            <a:spLocks noGrp="1" noRot="1" noChangeAspect="1" noChangeArrowheads="1" noTextEdit="1"/>
+          <p:cNvPr id="4" name="Slide Number Placeholder 3"/>
+          <p:cNvSpPr>
+            <a:spLocks noGrp="1"/>
           </p:cNvSpPr>
           <p:nvPr>
-            <p:ph type="sldImg"/>
+            <p:ph type="sldNum" sz="quarter" idx="10"/>
           </p:nvPr>
         </p:nvSpPr>
-        <p:spPr>
-          <a:ln/>
-        </p:spPr>
-      </p:sp>
-      <p:sp>
-        <p:nvSpPr>
-          <p:cNvPr id="61444" name="Rectangle 3"/>
-          <p:cNvSpPr>
-            <a:spLocks noGrp="1" noChangeArrowheads="1"/>
-          </p:cNvSpPr>
-          <p:nvPr>
-            <p:ph type="body" idx="1"/>
-          </p:nvPr>
-        </p:nvSpPr>
-        <p:spPr>
-          <a:noFill/>
-          <a:ln/>
-        </p:spPr>
+        <p:spPr/>
         <p:txBody>
           <a:bodyPr/>
           <a:lstStyle/>
           <a:p>
-            <a:pPr eaLnBrk="1" hangingPunct="1"/>
-            <a:endParaRPr lang="en-US">
-              <a:latin typeface="Arial" pitchFamily="-111" charset="0"/>
-              <a:ea typeface="ＭＳ Ｐゴシック" pitchFamily="-111" charset="-128"/>
-            </a:endParaRPr>
+            <a:pPr>
+              <a:defRPr/>
+            </a:pPr>
+            <a:fld id="{DC552C11-A6B4-BC49-B9DF-E9E99EC5DABC}" type="slidenum">
+              <a:rPr lang="en-US" smtClean="0"/>
+              <a:pPr>
+                <a:defRPr/>
+              </a:pPr>
+              <a:t>14</a:t>
+            </a:fld>
+            <a:endParaRPr lang="en-US"/>
           </a:p>
         </p:txBody>
       </p:sp>
     </p:spTree>
+    <p:extLst>
+      <p:ext uri="{BB962C8B-B14F-4D97-AF65-F5344CB8AC3E}">
+        <p14:creationId xmlns:p14="http://schemas.microsoft.com/office/powerpoint/2010/main" val="4087360135"/>
+      </p:ext>
+    </p:extLst>
   </p:cSld>
   <p:clrMapOvr>
     <a:masterClrMapping/>
@@ -1422,71 +1420,70 @@
       </p:grpSpPr>
       <p:sp>
         <p:nvSpPr>
-          <p:cNvPr id="63490" name="Rectangle 7"/>
-          <p:cNvSpPr>
-            <a:spLocks noGrp="1" noChangeArrowheads="1"/>
+          <p:cNvPr id="2" name="Slide Image Placeholder 1"/>
+          <p:cNvSpPr>
+            <a:spLocks noGrp="1" noRot="1" noChangeAspect="1"/>
           </p:cNvSpPr>
           <p:nvPr>
-            <p:ph type="sldNum" sz="quarter" idx="5"/>
+            <p:ph type="sldImg"/>
           </p:nvPr>
         </p:nvSpPr>
-        <p:spPr>
-          <a:noFill/>
-        </p:spPr>
+        <p:spPr/>
+      </p:sp>
+      <p:sp>
+        <p:nvSpPr>
+          <p:cNvPr id="3" name="Notes Placeholder 2"/>
+          <p:cNvSpPr>
+            <a:spLocks noGrp="1"/>
+          </p:cNvSpPr>
+          <p:nvPr>
+            <p:ph type="body" idx="1"/>
+          </p:nvPr>
+        </p:nvSpPr>
+        <p:spPr/>
         <p:txBody>
           <a:bodyPr/>
           <a:lstStyle/>
           <a:p>
-            <a:fld id="{02FB0678-55C9-C948-8124-120B82D4B5A2}" type="slidenum">
-              <a:rPr lang="en-US"/>
-              <a:pPr/>
-              <a:t>16</a:t>
-            </a:fld>
             <a:endParaRPr lang="en-US"/>
           </a:p>
         </p:txBody>
       </p:sp>
       <p:sp>
         <p:nvSpPr>
-          <p:cNvPr id="63491" name="Rectangle 2"/>
-          <p:cNvSpPr>
-            <a:spLocks noGrp="1" noRot="1" noChangeAspect="1" noChangeArrowheads="1" noTextEdit="1"/>
+          <p:cNvPr id="4" name="Slide Number Placeholder 3"/>
+          <p:cNvSpPr>
+            <a:spLocks noGrp="1"/>
           </p:cNvSpPr>
           <p:nvPr>
-            <p:ph type="sldImg"/>
+            <p:ph type="sldNum" sz="quarter" idx="10"/>
           </p:nvPr>
         </p:nvSpPr>
-        <p:spPr>
-          <a:ln/>
-        </p:spPr>
-      </p:sp>
-      <p:sp>
-        <p:nvSpPr>
-          <p:cNvPr id="63492" name="Rectangle 3"/>
-          <p:cNvSpPr>
-            <a:spLocks noGrp="1" noChangeArrowheads="1"/>
-          </p:cNvSpPr>
-          <p:nvPr>
-            <p:ph type="body" idx="1"/>
-          </p:nvPr>
-        </p:nvSpPr>
-        <p:spPr>
-          <a:noFill/>
-          <a:ln/>
-        </p:spPr>
+        <p:spPr/>
         <p:txBody>
           <a:bodyPr/>
           <a:lstStyle/>
           <a:p>
-            <a:pPr eaLnBrk="1" hangingPunct="1"/>
-            <a:endParaRPr lang="en-US">
-              <a:latin typeface="Arial" pitchFamily="-111" charset="0"/>
-              <a:ea typeface="ＭＳ Ｐゴシック" pitchFamily="-111" charset="-128"/>
-            </a:endParaRPr>
+            <a:pPr>
+              <a:defRPr/>
+            </a:pPr>
+            <a:fld id="{DC552C11-A6B4-BC49-B9DF-E9E99EC5DABC}" type="slidenum">
+              <a:rPr lang="en-US" smtClean="0"/>
+              <a:pPr>
+                <a:defRPr/>
+              </a:pPr>
+              <a:t>15</a:t>
+            </a:fld>
+            <a:endParaRPr lang="en-US"/>
           </a:p>
         </p:txBody>
       </p:sp>
     </p:spTree>
+    <p:extLst>
+      <p:ext uri="{BB962C8B-B14F-4D97-AF65-F5344CB8AC3E}">
+        <p14:creationId xmlns:p14="http://schemas.microsoft.com/office/powerpoint/2010/main" val="1902643734"/>
+      </p:ext>
+    </p:extLst>
   </p:cSld>
   <p:clrMapOvr>
     <a:masterClrMapping/>
@@ -1513,7 +1510,7 @@
       </p:grpSpPr>
       <p:sp>
         <p:nvSpPr>
-          <p:cNvPr id="65538" name="Rectangle 7"/>
+          <p:cNvPr id="59394" name="Rectangle 7"/>
           <p:cNvSpPr>
             <a:spLocks noGrp="1" noChangeArrowheads="1"/>
           </p:cNvSpPr>
@@ -1528,10 +1525,10 @@
           <a:bodyPr/>
           <a:lstStyle/>
           <a:p>
-            <a:fld id="{71859A5E-A65D-7740-8817-0B7BDDBB9230}" type="slidenum">
+            <a:fld id="{6DC62E14-2803-434A-8AB4-3D6C5730563F}" type="slidenum">
               <a:rPr lang="en-US"/>
               <a:pPr/>
-              <a:t>17</a:t>
+              <a:t>16</a:t>
             </a:fld>
             <a:endParaRPr lang="en-US"/>
           </a:p>
@@ -1539,7 +1536,7 @@
       </p:sp>
       <p:sp>
         <p:nvSpPr>
-          <p:cNvPr id="65539" name="Rectangle 2"/>
+          <p:cNvPr id="59395" name="Rectangle 2"/>
           <p:cNvSpPr>
             <a:spLocks noGrp="1" noRot="1" noChangeAspect="1" noChangeArrowheads="1" noTextEdit="1"/>
           </p:cNvSpPr>
@@ -1553,7 +1550,7 @@
       </p:sp>
       <p:sp>
         <p:nvSpPr>
-          <p:cNvPr id="65540" name="Rectangle 3"/>
+          <p:cNvPr id="59396" name="Rectangle 3"/>
           <p:cNvSpPr>
             <a:spLocks noGrp="1" noChangeArrowheads="1"/>
           </p:cNvSpPr>
@@ -1604,7 +1601,7 @@
       </p:grpSpPr>
       <p:sp>
         <p:nvSpPr>
-          <p:cNvPr id="67586" name="Rectangle 7"/>
+          <p:cNvPr id="61442" name="Rectangle 7"/>
           <p:cNvSpPr>
             <a:spLocks noGrp="1" noChangeArrowheads="1"/>
           </p:cNvSpPr>
@@ -1619,10 +1616,10 @@
           <a:bodyPr/>
           <a:lstStyle/>
           <a:p>
-            <a:fld id="{B2911C17-3684-0648-9EAC-674872334ADB}" type="slidenum">
+            <a:fld id="{0F25C908-CA2B-5747-86E2-0A39237D8D1E}" type="slidenum">
               <a:rPr lang="en-US"/>
               <a:pPr/>
-              <a:t>18</a:t>
+              <a:t>17</a:t>
             </a:fld>
             <a:endParaRPr lang="en-US"/>
           </a:p>
@@ -1630,7 +1627,7 @@
       </p:sp>
       <p:sp>
         <p:nvSpPr>
-          <p:cNvPr id="67587" name="Rectangle 2"/>
+          <p:cNvPr id="61443" name="Rectangle 2"/>
           <p:cNvSpPr>
             <a:spLocks noGrp="1" noRot="1" noChangeAspect="1" noChangeArrowheads="1" noTextEdit="1"/>
           </p:cNvSpPr>
@@ -1644,7 +1641,7 @@
       </p:sp>
       <p:sp>
         <p:nvSpPr>
-          <p:cNvPr id="67588" name="Rectangle 3"/>
+          <p:cNvPr id="61444" name="Rectangle 3"/>
           <p:cNvSpPr>
             <a:spLocks noGrp="1" noChangeArrowheads="1"/>
           </p:cNvSpPr>
@@ -1695,7 +1692,7 @@
       </p:grpSpPr>
       <p:sp>
         <p:nvSpPr>
-          <p:cNvPr id="67586" name="Rectangle 7"/>
+          <p:cNvPr id="63490" name="Rectangle 7"/>
           <p:cNvSpPr>
             <a:spLocks noGrp="1" noChangeArrowheads="1"/>
           </p:cNvSpPr>
@@ -1710,10 +1707,10 @@
           <a:bodyPr/>
           <a:lstStyle/>
           <a:p>
-            <a:fld id="{B2911C17-3684-0648-9EAC-674872334ADB}" type="slidenum">
+            <a:fld id="{02FB0678-55C9-C948-8124-120B82D4B5A2}" type="slidenum">
               <a:rPr lang="en-US"/>
               <a:pPr/>
-              <a:t>19</a:t>
+              <a:t>18</a:t>
             </a:fld>
             <a:endParaRPr lang="en-US"/>
           </a:p>
@@ -1721,7 +1718,7 @@
       </p:sp>
       <p:sp>
         <p:nvSpPr>
-          <p:cNvPr id="67587" name="Rectangle 2"/>
+          <p:cNvPr id="63491" name="Rectangle 2"/>
           <p:cNvSpPr>
             <a:spLocks noGrp="1" noRot="1" noChangeAspect="1" noChangeArrowheads="1" noTextEdit="1"/>
           </p:cNvSpPr>
@@ -1735,7 +1732,7 @@
       </p:sp>
       <p:sp>
         <p:nvSpPr>
-          <p:cNvPr id="67588" name="Rectangle 3"/>
+          <p:cNvPr id="63492" name="Rectangle 3"/>
           <p:cNvSpPr>
             <a:spLocks noGrp="1" noChangeArrowheads="1"/>
           </p:cNvSpPr>
@@ -1786,7 +1783,7 @@
       </p:grpSpPr>
       <p:sp>
         <p:nvSpPr>
-          <p:cNvPr id="71682" name="Rectangle 7"/>
+          <p:cNvPr id="65538" name="Rectangle 7"/>
           <p:cNvSpPr>
             <a:spLocks noGrp="1" noChangeArrowheads="1"/>
           </p:cNvSpPr>
@@ -1801,10 +1798,10 @@
           <a:bodyPr/>
           <a:lstStyle/>
           <a:p>
-            <a:fld id="{2BECA077-3936-0945-AB10-5C377A4D0291}" type="slidenum">
+            <a:fld id="{71859A5E-A65D-7740-8817-0B7BDDBB9230}" type="slidenum">
               <a:rPr lang="en-US"/>
               <a:pPr/>
-              <a:t>20</a:t>
+              <a:t>19</a:t>
             </a:fld>
             <a:endParaRPr lang="en-US"/>
           </a:p>
@@ -1812,7 +1809,7 @@
       </p:sp>
       <p:sp>
         <p:nvSpPr>
-          <p:cNvPr id="71683" name="Rectangle 2"/>
+          <p:cNvPr id="65539" name="Rectangle 2"/>
           <p:cNvSpPr>
             <a:spLocks noGrp="1" noRot="1" noChangeAspect="1" noChangeArrowheads="1" noTextEdit="1"/>
           </p:cNvSpPr>
@@ -1826,7 +1823,7 @@
       </p:sp>
       <p:sp>
         <p:nvSpPr>
-          <p:cNvPr id="71684" name="Rectangle 3"/>
+          <p:cNvPr id="65540" name="Rectangle 3"/>
           <p:cNvSpPr>
             <a:spLocks noGrp="1" noChangeArrowheads="1"/>
           </p:cNvSpPr>
@@ -1918,6 +1915,279 @@
       <p:sp>
         <p:nvSpPr>
           <p:cNvPr id="40964" name="Rectangle 3"/>
+          <p:cNvSpPr>
+            <a:spLocks noGrp="1" noChangeArrowheads="1"/>
+          </p:cNvSpPr>
+          <p:nvPr>
+            <p:ph type="body" idx="1"/>
+          </p:nvPr>
+        </p:nvSpPr>
+        <p:spPr>
+          <a:noFill/>
+          <a:ln/>
+        </p:spPr>
+        <p:txBody>
+          <a:bodyPr/>
+          <a:lstStyle/>
+          <a:p>
+            <a:pPr eaLnBrk="1" hangingPunct="1"/>
+            <a:endParaRPr lang="en-US">
+              <a:latin typeface="Arial" pitchFamily="-111" charset="0"/>
+              <a:ea typeface="ＭＳ Ｐゴシック" pitchFamily="-111" charset="-128"/>
+            </a:endParaRPr>
+          </a:p>
+        </p:txBody>
+      </p:sp>
+    </p:spTree>
+  </p:cSld>
+  <p:clrMapOvr>
+    <a:masterClrMapping/>
+  </p:clrMapOvr>
+</p:notes>
+</file>
+
+<file path=ppt/notesSlides/notesSlide20.xml><?xml version="1.0" encoding="utf-8"?>
+<p:notes xmlns:a="http://schemas.openxmlformats.org/drawingml/2006/main" xmlns:r="http://schemas.openxmlformats.org/officeDocument/2006/relationships" xmlns:p="http://schemas.openxmlformats.org/presentationml/2006/main">
+  <p:cSld>
+    <p:spTree>
+      <p:nvGrpSpPr>
+        <p:cNvPr id="1" name=""/>
+        <p:cNvGrpSpPr/>
+        <p:nvPr/>
+      </p:nvGrpSpPr>
+      <p:grpSpPr>
+        <a:xfrm>
+          <a:off x="0" y="0"/>
+          <a:ext cx="0" cy="0"/>
+          <a:chOff x="0" y="0"/>
+          <a:chExt cx="0" cy="0"/>
+        </a:xfrm>
+      </p:grpSpPr>
+      <p:sp>
+        <p:nvSpPr>
+          <p:cNvPr id="67586" name="Rectangle 7"/>
+          <p:cNvSpPr>
+            <a:spLocks noGrp="1" noChangeArrowheads="1"/>
+          </p:cNvSpPr>
+          <p:nvPr>
+            <p:ph type="sldNum" sz="quarter" idx="5"/>
+          </p:nvPr>
+        </p:nvSpPr>
+        <p:spPr>
+          <a:noFill/>
+        </p:spPr>
+        <p:txBody>
+          <a:bodyPr/>
+          <a:lstStyle/>
+          <a:p>
+            <a:fld id="{B2911C17-3684-0648-9EAC-674872334ADB}" type="slidenum">
+              <a:rPr lang="en-US"/>
+              <a:pPr/>
+              <a:t>20</a:t>
+            </a:fld>
+            <a:endParaRPr lang="en-US"/>
+          </a:p>
+        </p:txBody>
+      </p:sp>
+      <p:sp>
+        <p:nvSpPr>
+          <p:cNvPr id="67587" name="Rectangle 2"/>
+          <p:cNvSpPr>
+            <a:spLocks noGrp="1" noRot="1" noChangeAspect="1" noChangeArrowheads="1" noTextEdit="1"/>
+          </p:cNvSpPr>
+          <p:nvPr>
+            <p:ph type="sldImg"/>
+          </p:nvPr>
+        </p:nvSpPr>
+        <p:spPr>
+          <a:ln/>
+        </p:spPr>
+      </p:sp>
+      <p:sp>
+        <p:nvSpPr>
+          <p:cNvPr id="67588" name="Rectangle 3"/>
+          <p:cNvSpPr>
+            <a:spLocks noGrp="1" noChangeArrowheads="1"/>
+          </p:cNvSpPr>
+          <p:nvPr>
+            <p:ph type="body" idx="1"/>
+          </p:nvPr>
+        </p:nvSpPr>
+        <p:spPr>
+          <a:noFill/>
+          <a:ln/>
+        </p:spPr>
+        <p:txBody>
+          <a:bodyPr/>
+          <a:lstStyle/>
+          <a:p>
+            <a:pPr eaLnBrk="1" hangingPunct="1"/>
+            <a:endParaRPr lang="en-US">
+              <a:latin typeface="Arial" pitchFamily="-111" charset="0"/>
+              <a:ea typeface="ＭＳ Ｐゴシック" pitchFamily="-111" charset="-128"/>
+            </a:endParaRPr>
+          </a:p>
+        </p:txBody>
+      </p:sp>
+    </p:spTree>
+  </p:cSld>
+  <p:clrMapOvr>
+    <a:masterClrMapping/>
+  </p:clrMapOvr>
+</p:notes>
+</file>
+
+<file path=ppt/notesSlides/notesSlide21.xml><?xml version="1.0" encoding="utf-8"?>
+<p:notes xmlns:a="http://schemas.openxmlformats.org/drawingml/2006/main" xmlns:r="http://schemas.openxmlformats.org/officeDocument/2006/relationships" xmlns:p="http://schemas.openxmlformats.org/presentationml/2006/main">
+  <p:cSld>
+    <p:spTree>
+      <p:nvGrpSpPr>
+        <p:cNvPr id="1" name=""/>
+        <p:cNvGrpSpPr/>
+        <p:nvPr/>
+      </p:nvGrpSpPr>
+      <p:grpSpPr>
+        <a:xfrm>
+          <a:off x="0" y="0"/>
+          <a:ext cx="0" cy="0"/>
+          <a:chOff x="0" y="0"/>
+          <a:chExt cx="0" cy="0"/>
+        </a:xfrm>
+      </p:grpSpPr>
+      <p:sp>
+        <p:nvSpPr>
+          <p:cNvPr id="67586" name="Rectangle 7"/>
+          <p:cNvSpPr>
+            <a:spLocks noGrp="1" noChangeArrowheads="1"/>
+          </p:cNvSpPr>
+          <p:nvPr>
+            <p:ph type="sldNum" sz="quarter" idx="5"/>
+          </p:nvPr>
+        </p:nvSpPr>
+        <p:spPr>
+          <a:noFill/>
+        </p:spPr>
+        <p:txBody>
+          <a:bodyPr/>
+          <a:lstStyle/>
+          <a:p>
+            <a:fld id="{B2911C17-3684-0648-9EAC-674872334ADB}" type="slidenum">
+              <a:rPr lang="en-US"/>
+              <a:pPr/>
+              <a:t>21</a:t>
+            </a:fld>
+            <a:endParaRPr lang="en-US"/>
+          </a:p>
+        </p:txBody>
+      </p:sp>
+      <p:sp>
+        <p:nvSpPr>
+          <p:cNvPr id="67587" name="Rectangle 2"/>
+          <p:cNvSpPr>
+            <a:spLocks noGrp="1" noRot="1" noChangeAspect="1" noChangeArrowheads="1" noTextEdit="1"/>
+          </p:cNvSpPr>
+          <p:nvPr>
+            <p:ph type="sldImg"/>
+          </p:nvPr>
+        </p:nvSpPr>
+        <p:spPr>
+          <a:ln/>
+        </p:spPr>
+      </p:sp>
+      <p:sp>
+        <p:nvSpPr>
+          <p:cNvPr id="67588" name="Rectangle 3"/>
+          <p:cNvSpPr>
+            <a:spLocks noGrp="1" noChangeArrowheads="1"/>
+          </p:cNvSpPr>
+          <p:nvPr>
+            <p:ph type="body" idx="1"/>
+          </p:nvPr>
+        </p:nvSpPr>
+        <p:spPr>
+          <a:noFill/>
+          <a:ln/>
+        </p:spPr>
+        <p:txBody>
+          <a:bodyPr/>
+          <a:lstStyle/>
+          <a:p>
+            <a:pPr eaLnBrk="1" hangingPunct="1"/>
+            <a:endParaRPr lang="en-US">
+              <a:latin typeface="Arial" pitchFamily="-111" charset="0"/>
+              <a:ea typeface="ＭＳ Ｐゴシック" pitchFamily="-111" charset="-128"/>
+            </a:endParaRPr>
+          </a:p>
+        </p:txBody>
+      </p:sp>
+    </p:spTree>
+  </p:cSld>
+  <p:clrMapOvr>
+    <a:masterClrMapping/>
+  </p:clrMapOvr>
+</p:notes>
+</file>
+
+<file path=ppt/notesSlides/notesSlide22.xml><?xml version="1.0" encoding="utf-8"?>
+<p:notes xmlns:a="http://schemas.openxmlformats.org/drawingml/2006/main" xmlns:r="http://schemas.openxmlformats.org/officeDocument/2006/relationships" xmlns:p="http://schemas.openxmlformats.org/presentationml/2006/main">
+  <p:cSld>
+    <p:spTree>
+      <p:nvGrpSpPr>
+        <p:cNvPr id="1" name=""/>
+        <p:cNvGrpSpPr/>
+        <p:nvPr/>
+      </p:nvGrpSpPr>
+      <p:grpSpPr>
+        <a:xfrm>
+          <a:off x="0" y="0"/>
+          <a:ext cx="0" cy="0"/>
+          <a:chOff x="0" y="0"/>
+          <a:chExt cx="0" cy="0"/>
+        </a:xfrm>
+      </p:grpSpPr>
+      <p:sp>
+        <p:nvSpPr>
+          <p:cNvPr id="71682" name="Rectangle 7"/>
+          <p:cNvSpPr>
+            <a:spLocks noGrp="1" noChangeArrowheads="1"/>
+          </p:cNvSpPr>
+          <p:nvPr>
+            <p:ph type="sldNum" sz="quarter" idx="5"/>
+          </p:nvPr>
+        </p:nvSpPr>
+        <p:spPr>
+          <a:noFill/>
+        </p:spPr>
+        <p:txBody>
+          <a:bodyPr/>
+          <a:lstStyle/>
+          <a:p>
+            <a:fld id="{2BECA077-3936-0945-AB10-5C377A4D0291}" type="slidenum">
+              <a:rPr lang="en-US"/>
+              <a:pPr/>
+              <a:t>22</a:t>
+            </a:fld>
+            <a:endParaRPr lang="en-US"/>
+          </a:p>
+        </p:txBody>
+      </p:sp>
+      <p:sp>
+        <p:nvSpPr>
+          <p:cNvPr id="71683" name="Rectangle 2"/>
+          <p:cNvSpPr>
+            <a:spLocks noGrp="1" noRot="1" noChangeAspect="1" noChangeArrowheads="1" noTextEdit="1"/>
+          </p:cNvSpPr>
+          <p:nvPr>
+            <p:ph type="sldImg"/>
+          </p:nvPr>
+        </p:nvSpPr>
+        <p:spPr>
+          <a:ln/>
+        </p:spPr>
+      </p:sp>
+      <p:sp>
+        <p:nvSpPr>
+          <p:cNvPr id="71684" name="Rectangle 3"/>
           <p:cNvSpPr>
             <a:spLocks noGrp="1" noChangeArrowheads="1"/>
           </p:cNvSpPr>
@@ -2790,11 +3060,7 @@
             </a:pPr>
             <a:r>
               <a:rPr lang="en-US" dirty="0" smtClean="0"/>
-              <a:t>Albert R Meyer,                        </a:t>
-            </a:r>
-            <a:r>
-              <a:rPr lang="en-US" dirty="0" smtClean="0"/>
-              <a:t>May 15, 2013</a:t>
+              <a:t>Albert R Meyer,                        May 15, 2013</a:t>
             </a:r>
             <a:endParaRPr lang="en-US" dirty="0"/>
           </a:p>
@@ -2994,11 +3260,7 @@
             </a:pPr>
             <a:r>
               <a:rPr lang="en-US" dirty="0" smtClean="0"/>
-              <a:t>Albert R Meyer,                        </a:t>
-            </a:r>
-            <a:r>
-              <a:rPr lang="en-US" dirty="0" smtClean="0"/>
-              <a:t>May 15, 2013</a:t>
+              <a:t>Albert R Meyer,                        May 15, 2013</a:t>
             </a:r>
             <a:endParaRPr lang="en-US" dirty="0"/>
           </a:p>
@@ -3146,11 +3408,7 @@
             </a:pPr>
             <a:r>
               <a:rPr lang="en-US" dirty="0" smtClean="0"/>
-              <a:t>Albert R Meyer,                        </a:t>
-            </a:r>
-            <a:r>
-              <a:rPr lang="en-US" dirty="0" smtClean="0"/>
-              <a:t>May 15, 2013</a:t>
+              <a:t>Albert R Meyer,                        May 15, 2013</a:t>
             </a:r>
             <a:endParaRPr lang="en-US" dirty="0"/>
           </a:p>
@@ -3275,11 +3533,7 @@
             </a:pPr>
             <a:r>
               <a:rPr lang="en-US" dirty="0" smtClean="0"/>
-              <a:t>Albert R Meyer,                       </a:t>
-            </a:r>
-            <a:r>
-              <a:rPr lang="en-US" dirty="0" smtClean="0"/>
-              <a:t>May 15, 2013</a:t>
+              <a:t>Albert R Meyer,                       May 15, 2013</a:t>
             </a:r>
             <a:endParaRPr lang="en-US" dirty="0"/>
           </a:p>
@@ -3563,11 +3817,7 @@
             </a:pPr>
             <a:r>
               <a:rPr lang="en-US" dirty="0" smtClean="0"/>
-              <a:t>Albert R Meyer,                       </a:t>
-            </a:r>
-            <a:r>
-              <a:rPr lang="en-US" dirty="0" smtClean="0"/>
-              <a:t>May 15, 2013</a:t>
+              <a:t>Albert R Meyer,                       May 15, 2013</a:t>
             </a:r>
             <a:endParaRPr lang="en-US" dirty="0"/>
           </a:p>
@@ -4544,11 +4794,7 @@
             </a:pPr>
             <a:r>
               <a:rPr lang="en-US" dirty="0" smtClean="0"/>
-              <a:t>Albert R Meyer,               </a:t>
-            </a:r>
-            <a:r>
-              <a:rPr lang="en-US" dirty="0" smtClean="0"/>
-              <a:t>May 15, 2013</a:t>
+              <a:t>Albert R Meyer,               May 15, 2013</a:t>
             </a:r>
             <a:endParaRPr lang="en-US" dirty="0"/>
           </a:p>
@@ -6422,11 +6668,7 @@
             </a:pPr>
             <a:r>
               <a:rPr lang="en-US" dirty="0" smtClean="0"/>
-              <a:t>Albert R Meyer,               </a:t>
-            </a:r>
-            <a:r>
-              <a:rPr lang="en-US" dirty="0" smtClean="0"/>
-              <a:t>May 15, 2013</a:t>
+              <a:t>Albert R Meyer,               May 15, 2013</a:t>
             </a:r>
             <a:endParaRPr lang="en-US" dirty="0"/>
           </a:p>
@@ -8012,11 +8254,7 @@
             </a:pPr>
             <a:r>
               <a:rPr lang="en-US" dirty="0" smtClean="0"/>
-              <a:t>Albert R Meyer,               </a:t>
-            </a:r>
-            <a:r>
-              <a:rPr lang="en-US" dirty="0" smtClean="0"/>
-              <a:t>May 15, 2013</a:t>
+              <a:t>Albert R Meyer,               May 15, 2013</a:t>
             </a:r>
             <a:endParaRPr lang="en-US" dirty="0"/>
           </a:p>
@@ -9317,11 +9555,7 @@
             </a:pPr>
             <a:r>
               <a:rPr lang="en-US" dirty="0" smtClean="0"/>
-              <a:t>Albert R Meyer,               </a:t>
-            </a:r>
-            <a:r>
-              <a:rPr lang="en-US" dirty="0" smtClean="0"/>
-              <a:t>May 15, 2013</a:t>
+              <a:t>Albert R Meyer,               May 15, 2013</a:t>
             </a:r>
             <a:endParaRPr lang="en-US" dirty="0"/>
           </a:p>
@@ -9663,8 +9897,8 @@
         </p:nvSpPr>
         <p:spPr>
           <a:xfrm>
-            <a:off x="1671638" y="228600"/>
-            <a:ext cx="6024562" cy="1069975"/>
+            <a:off x="1219200" y="76200"/>
+            <a:ext cx="7472362" cy="1143000"/>
           </a:xfrm>
         </p:spPr>
         <p:txBody>
@@ -9673,15 +9907,7 @@
           <a:p>
             <a:r>
               <a:rPr lang="en-US" dirty="0" smtClean="0"/>
-              <a:t>Condition on 1</a:t>
-            </a:r>
-            <a:r>
-              <a:rPr lang="en-US" baseline="30000" dirty="0" smtClean="0"/>
-              <a:t>st</a:t>
-            </a:r>
-            <a:r>
-              <a:rPr lang="en-US" dirty="0" smtClean="0"/>
-              <a:t> bet</a:t>
+              <a:t>…otherwise Gambler is ruined</a:t>
             </a:r>
             <a:endParaRPr lang="en-US" dirty="0"/>
           </a:p>
@@ -9699,8 +9925,8 @@
         </p:nvSpPr>
         <p:spPr>
           <a:xfrm>
-            <a:off x="762000" y="1447800"/>
-            <a:ext cx="7848600" cy="4495800"/>
+            <a:off x="152400" y="1295400"/>
+            <a:ext cx="8915400" cy="4953000"/>
           </a:xfrm>
         </p:spPr>
         <p:txBody>
@@ -9711,56 +9937,67 @@
               <a:buNone/>
             </a:pPr>
             <a:r>
-              <a:rPr lang="en-US" sz="4800" dirty="0" err="1" smtClean="0">
+              <a:rPr lang="en-US" sz="4400" dirty="0" smtClean="0">
+                <a:solidFill>
+                  <a:srgbClr val="660066"/>
+                </a:solidFill>
+              </a:rPr>
+              <a:t>Claim: </a:t>
+            </a:r>
+          </a:p>
+          <a:p>
+            <a:pPr marL="0" indent="0" algn="ctr">
+              <a:buNone/>
+            </a:pPr>
+            <a:r>
+              <a:rPr lang="en-US" sz="6000" dirty="0" err="1" smtClean="0">
                 <a:solidFill>
                   <a:srgbClr val="0000FF"/>
                 </a:solidFill>
               </a:rPr>
-              <a:t>w</a:t>
-            </a:r>
-            <a:r>
-              <a:rPr lang="en-US" sz="4800" baseline="-25000" dirty="0" err="1" smtClean="0">
+              <a:t>Pr</a:t>
+            </a:r>
+            <a:r>
+              <a:rPr lang="en-US" sz="6000" dirty="0" smtClean="0">
                 <a:solidFill>
                   <a:srgbClr val="0000FF"/>
                 </a:solidFill>
               </a:rPr>
-              <a:t>n</a:t>
-            </a:r>
-            <a:r>
-              <a:rPr lang="en-US" sz="4800" dirty="0" smtClean="0"/>
-              <a:t>::= </a:t>
-            </a:r>
-            <a:r>
-              <a:rPr lang="en-US" sz="4800" dirty="0" err="1" smtClean="0"/>
+              <a:t>[ruin] </a:t>
+            </a:r>
+            <a:r>
+              <a:rPr lang="en-US" sz="6000" b="1" dirty="0" smtClean="0">
+                <a:solidFill>
+                  <a:srgbClr val="0000FF"/>
+                </a:solidFill>
+                <a:latin typeface="Euclid Symbol" charset="2"/>
+                <a:cs typeface="Euclid Symbol" charset="2"/>
+              </a:rPr>
+              <a:t>=</a:t>
+            </a:r>
+            <a:r>
+              <a:rPr lang="en-US" sz="6000" dirty="0" smtClean="0">
+                <a:solidFill>
+                  <a:srgbClr val="0000FF"/>
+                </a:solidFill>
+              </a:rPr>
+              <a:t> 1 – </a:t>
+            </a:r>
+            <a:r>
+              <a:rPr lang="en-US" sz="6000" dirty="0" err="1" smtClean="0">
+                <a:solidFill>
+                  <a:srgbClr val="0000FF"/>
+                </a:solidFill>
+              </a:rPr>
               <a:t>Pr</a:t>
             </a:r>
             <a:r>
-              <a:rPr lang="en-US" sz="4800" dirty="0" smtClean="0"/>
-              <a:t>[hit </a:t>
-            </a:r>
-            <a:r>
-              <a:rPr lang="en-US" sz="4800" dirty="0" smtClean="0">
+              <a:rPr lang="en-US" sz="6000" dirty="0" smtClean="0">
                 <a:solidFill>
                   <a:srgbClr val="0000FF"/>
                 </a:solidFill>
               </a:rPr>
-              <a:t>$T</a:t>
-            </a:r>
-            <a:r>
-              <a:rPr lang="en-US" sz="4800" dirty="0" smtClean="0"/>
-              <a:t> from </a:t>
-            </a:r>
-            <a:r>
-              <a:rPr lang="en-US" sz="4800" dirty="0" smtClean="0">
-                <a:solidFill>
-                  <a:srgbClr val="0000FF"/>
-                </a:solidFill>
-              </a:rPr>
-              <a:t>$n</a:t>
-            </a:r>
-            <a:r>
-              <a:rPr lang="en-US" sz="4800" dirty="0" smtClean="0"/>
-              <a:t>]</a:t>
+              <a:t>[win]</a:t>
             </a:r>
           </a:p>
           <a:p>
@@ -9768,75 +10005,8 @@
               <a:buNone/>
             </a:pPr>
             <a:r>
-              <a:rPr lang="en-US" sz="4800" dirty="0" err="1" smtClean="0"/>
-              <a:t>Pr</a:t>
-            </a:r>
-            <a:r>
-              <a:rPr lang="en-US" sz="4800" dirty="0" smtClean="0"/>
-              <a:t>[</a:t>
-            </a:r>
-            <a:r>
-              <a:rPr lang="en-US" sz="4800" dirty="0" err="1" smtClean="0">
-                <a:solidFill>
-                  <a:srgbClr val="0000FF"/>
-                </a:solidFill>
-              </a:rPr>
-              <a:t>w</a:t>
-            </a:r>
-            <a:r>
-              <a:rPr lang="en-US" sz="4800" baseline="-25000" dirty="0" err="1" smtClean="0">
-                <a:solidFill>
-                  <a:srgbClr val="0000FF"/>
-                </a:solidFill>
-              </a:rPr>
-              <a:t>n</a:t>
-            </a:r>
-            <a:r>
-              <a:rPr lang="en-US" sz="4800" dirty="0" smtClean="0">
-                <a:solidFill>
-                  <a:srgbClr val="0000FF"/>
-                </a:solidFill>
-              </a:rPr>
-              <a:t>| </a:t>
-            </a:r>
-            <a:r>
-              <a:rPr lang="en-US" sz="4800" dirty="0" smtClean="0"/>
-              <a:t>win 1</a:t>
-            </a:r>
-            <a:r>
-              <a:rPr lang="en-US" sz="4800" baseline="30000" dirty="0" smtClean="0"/>
-              <a:t>st</a:t>
-            </a:r>
-            <a:r>
-              <a:rPr lang="en-US" sz="4800" dirty="0" smtClean="0"/>
-              <a:t> bet] </a:t>
-            </a:r>
-            <a:r>
-              <a:rPr lang="en-US" sz="4800" b="1" dirty="0" smtClean="0">
-                <a:latin typeface="Euclid Symbol" charset="2"/>
-                <a:cs typeface="Euclid Symbol" charset="2"/>
-              </a:rPr>
-              <a:t>=</a:t>
-            </a:r>
-            <a:r>
-              <a:rPr lang="en-US" sz="4800" dirty="0" smtClean="0"/>
-              <a:t> </a:t>
-            </a:r>
-            <a:r>
-              <a:rPr lang="en-US" sz="4800" dirty="0" smtClean="0">
-                <a:solidFill>
-                  <a:srgbClr val="0000FF"/>
-                </a:solidFill>
-              </a:rPr>
-              <a:t>w</a:t>
-            </a:r>
-            <a:r>
-              <a:rPr lang="en-US" sz="4800" baseline="-25000" dirty="0" smtClean="0">
-                <a:solidFill>
-                  <a:srgbClr val="0000FF"/>
-                </a:solidFill>
-              </a:rPr>
-              <a:t>n+1</a:t>
+              <a:rPr lang="en-US" sz="5400" dirty="0" smtClean="0"/>
+              <a:t>so if we know one, we know</a:t>
             </a:r>
           </a:p>
           <a:p>
@@ -9844,167 +10014,10 @@
               <a:buNone/>
             </a:pPr>
             <a:r>
-              <a:rPr lang="en-US" sz="4800" dirty="0" err="1"/>
-              <a:t>Pr</a:t>
-            </a:r>
-            <a:r>
-              <a:rPr lang="en-US" sz="4800" dirty="0"/>
-              <a:t>[</a:t>
-            </a:r>
-            <a:r>
-              <a:rPr lang="en-US" sz="4800" dirty="0" err="1">
-                <a:solidFill>
-                  <a:srgbClr val="0000FF"/>
-                </a:solidFill>
-              </a:rPr>
-              <a:t>w</a:t>
-            </a:r>
-            <a:r>
-              <a:rPr lang="en-US" sz="4800" baseline="-25000" dirty="0" err="1">
-                <a:solidFill>
-                  <a:srgbClr val="0000FF"/>
-                </a:solidFill>
-              </a:rPr>
-              <a:t>n</a:t>
-            </a:r>
-            <a:r>
-              <a:rPr lang="en-US" sz="4800" dirty="0">
-                <a:solidFill>
-                  <a:srgbClr val="0000FF"/>
-                </a:solidFill>
-              </a:rPr>
-              <a:t>| </a:t>
-            </a:r>
-            <a:r>
-              <a:rPr lang="en-US" sz="4800" dirty="0" smtClean="0"/>
-              <a:t>lose </a:t>
-            </a:r>
-            <a:r>
-              <a:rPr lang="en-US" sz="4800" dirty="0"/>
-              <a:t>1</a:t>
-            </a:r>
-            <a:r>
-              <a:rPr lang="en-US" sz="4800" baseline="30000" dirty="0"/>
-              <a:t>st</a:t>
-            </a:r>
-            <a:r>
-              <a:rPr lang="en-US" sz="4800" dirty="0"/>
-              <a:t> bet] </a:t>
-            </a:r>
-            <a:r>
-              <a:rPr lang="en-US" sz="4800" b="1" dirty="0">
-                <a:latin typeface="Euclid Symbol" charset="2"/>
-                <a:cs typeface="Euclid Symbol" charset="2"/>
-              </a:rPr>
-              <a:t>=</a:t>
-            </a:r>
-            <a:r>
-              <a:rPr lang="en-US" sz="4800" dirty="0" smtClean="0"/>
-              <a:t> </a:t>
-            </a:r>
-            <a:r>
-              <a:rPr lang="en-US" sz="4800" dirty="0" smtClean="0">
-                <a:solidFill>
-                  <a:srgbClr val="0000FF"/>
-                </a:solidFill>
-              </a:rPr>
-              <a:t>w</a:t>
-            </a:r>
-            <a:r>
-              <a:rPr lang="en-US" sz="4800" baseline="-25000" dirty="0" smtClean="0">
-                <a:solidFill>
-                  <a:srgbClr val="0000FF"/>
-                </a:solidFill>
-              </a:rPr>
-              <a:t>n-1</a:t>
-            </a:r>
-          </a:p>
-          <a:p>
-            <a:pPr marL="0" indent="0" algn="ctr">
-              <a:buNone/>
-            </a:pPr>
-            <a:r>
-              <a:rPr lang="en-US" sz="6000" dirty="0" err="1" smtClean="0">
-                <a:solidFill>
-                  <a:srgbClr val="0000FF"/>
-                </a:solidFill>
-              </a:rPr>
-              <a:t>w</a:t>
-            </a:r>
-            <a:r>
-              <a:rPr lang="en-US" sz="6000" baseline="-25000" dirty="0" err="1" smtClean="0">
-                <a:solidFill>
-                  <a:srgbClr val="0000FF"/>
-                </a:solidFill>
-              </a:rPr>
-              <a:t>n</a:t>
-            </a:r>
-            <a:r>
-              <a:rPr lang="en-US" sz="6000" b="1" dirty="0">
-                <a:solidFill>
-                  <a:srgbClr val="0000FF"/>
-                </a:solidFill>
-                <a:latin typeface="Euclid Symbol" charset="2"/>
-                <a:cs typeface="Euclid Symbol" charset="2"/>
-              </a:rPr>
-              <a:t>=</a:t>
-            </a:r>
-            <a:r>
-              <a:rPr lang="en-US" sz="6000" dirty="0" smtClean="0">
-                <a:solidFill>
-                  <a:srgbClr val="0000FF"/>
-                </a:solidFill>
-              </a:rPr>
-              <a:t> </a:t>
-            </a:r>
-            <a:r>
-              <a:rPr lang="en-US" sz="6000" dirty="0">
-                <a:solidFill>
-                  <a:srgbClr val="0000FF"/>
-                </a:solidFill>
-              </a:rPr>
-              <a:t>w</a:t>
-            </a:r>
-            <a:r>
-              <a:rPr lang="en-US" sz="6000" baseline="-25000" dirty="0">
-                <a:solidFill>
-                  <a:srgbClr val="0000FF"/>
-                </a:solidFill>
-              </a:rPr>
-              <a:t>n+</a:t>
-            </a:r>
-            <a:r>
-              <a:rPr lang="en-US" sz="6000" baseline="-25000" dirty="0" smtClean="0">
-                <a:solidFill>
-                  <a:srgbClr val="0000FF"/>
-                </a:solidFill>
-              </a:rPr>
-              <a:t>1</a:t>
-            </a:r>
-            <a:r>
-              <a:rPr lang="en-US" sz="6000" dirty="0" smtClean="0">
-                <a:solidFill>
-                  <a:srgbClr val="0000FF"/>
-                </a:solidFill>
-              </a:rPr>
-              <a:t>∙p + w</a:t>
-            </a:r>
-            <a:r>
-              <a:rPr lang="en-US" sz="6000" baseline="-25000" dirty="0" smtClean="0">
-                <a:solidFill>
-                  <a:srgbClr val="0000FF"/>
-                </a:solidFill>
-              </a:rPr>
-              <a:t>n-1</a:t>
-            </a:r>
-            <a:r>
-              <a:rPr lang="en-US" sz="6000" dirty="0" smtClean="0">
-                <a:solidFill>
-                  <a:srgbClr val="0000FF"/>
-                </a:solidFill>
-              </a:rPr>
-              <a:t>∙q</a:t>
-            </a:r>
+              <a:rPr lang="en-US" sz="5400" dirty="0" smtClean="0"/>
+              <a:t>the other.</a:t>
+            </a:r>
+            <a:endParaRPr lang="en-US" sz="5400" dirty="0"/>
           </a:p>
         </p:txBody>
       </p:sp>
@@ -10071,11 +10084,1406 @@
             </a:pPr>
             <a:r>
               <a:rPr lang="en-US" dirty="0" smtClean="0"/>
-              <a:t>Albert R Meyer,                       </a:t>
+              <a:t>Albert R Meyer,                        May 15, 2013</a:t>
+            </a:r>
+            <a:endParaRPr lang="en-US" dirty="0"/>
+          </a:p>
+        </p:txBody>
+      </p:sp>
+    </p:spTree>
+    <p:extLst>
+      <p:ext uri="{BB962C8B-B14F-4D97-AF65-F5344CB8AC3E}">
+        <p14:creationId xmlns:p14="http://schemas.microsoft.com/office/powerpoint/2010/main" val="2818031863"/>
+      </p:ext>
+    </p:extLst>
+  </p:cSld>
+  <p:clrMapOvr>
+    <a:masterClrMapping/>
+  </p:clrMapOvr>
+  <mc:AlternateContent xmlns:mc="http://schemas.openxmlformats.org/markup-compatibility/2006" xmlns:p14="http://schemas.microsoft.com/office/powerpoint/2010/main">
+    <mc:Choice Requires="p14">
+      <p:transition spd="med" p14:dur="700" advClick="0">
+        <p:fade/>
+      </p:transition>
+    </mc:Choice>
+    <mc:Fallback xmlns="">
+      <p:transition xmlns:p14="http://schemas.microsoft.com/office/powerpoint/2010/main" spd="med" advClick="0">
+        <p:fade/>
+      </p:transition>
+    </mc:Fallback>
+  </mc:AlternateContent>
+  <p:timing>
+    <p:tnLst>
+      <p:par>
+        <p:cTn xmlns:p14="http://schemas.microsoft.com/office/powerpoint/2010/main" id="1" dur="indefinite" restart="never" nodeType="tmRoot">
+          <p:childTnLst>
+            <p:seq concurrent="1" nextAc="seek">
+              <p:cTn id="2" dur="indefinite" nodeType="mainSeq">
+                <p:childTnLst>
+                  <p:par>
+                    <p:cTn id="3" fill="hold">
+                      <p:stCondLst>
+                        <p:cond delay="indefinite"/>
+                      </p:stCondLst>
+                      <p:childTnLst>
+                        <p:par>
+                          <p:cTn id="4" fill="hold">
+                            <p:stCondLst>
+                              <p:cond delay="0"/>
+                            </p:stCondLst>
+                            <p:childTnLst>
+                              <p:par>
+                                <p:cTn id="5" presetID="10" presetClass="entr" presetSubtype="0" fill="hold" nodeType="clickEffect">
+                                  <p:stCondLst>
+                                    <p:cond delay="0"/>
+                                  </p:stCondLst>
+                                  <p:childTnLst>
+                                    <p:set>
+                                      <p:cBhvr>
+                                        <p:cTn id="6" dur="1" fill="hold">
+                                          <p:stCondLst>
+                                            <p:cond delay="0"/>
+                                          </p:stCondLst>
+                                        </p:cTn>
+                                        <p:tgtEl>
+                                          <p:spTgt spid="3">
+                                            <p:txEl>
+                                              <p:pRg st="0" end="0"/>
+                                            </p:txEl>
+                                          </p:spTgt>
+                                        </p:tgtEl>
+                                        <p:attrNameLst>
+                                          <p:attrName>style.visibility</p:attrName>
+                                        </p:attrNameLst>
+                                      </p:cBhvr>
+                                      <p:to>
+                                        <p:strVal val="visible"/>
+                                      </p:to>
+                                    </p:set>
+                                    <p:animEffect transition="in" filter="fade">
+                                      <p:cBhvr>
+                                        <p:cTn id="7" dur="500"/>
+                                        <p:tgtEl>
+                                          <p:spTgt spid="3">
+                                            <p:txEl>
+                                              <p:pRg st="0" end="0"/>
+                                            </p:txEl>
+                                          </p:spTgt>
+                                        </p:tgtEl>
+                                      </p:cBhvr>
+                                    </p:animEffect>
+                                  </p:childTnLst>
+                                </p:cTn>
+                              </p:par>
+                            </p:childTnLst>
+                          </p:cTn>
+                        </p:par>
+                        <p:par>
+                          <p:cTn id="8" fill="hold">
+                            <p:stCondLst>
+                              <p:cond delay="500"/>
+                            </p:stCondLst>
+                            <p:childTnLst>
+                              <p:par>
+                                <p:cTn id="9" presetID="22" presetClass="entr" presetSubtype="8" fill="hold" nodeType="afterEffect">
+                                  <p:stCondLst>
+                                    <p:cond delay="0"/>
+                                  </p:stCondLst>
+                                  <p:childTnLst>
+                                    <p:set>
+                                      <p:cBhvr>
+                                        <p:cTn id="10" dur="1" fill="hold">
+                                          <p:stCondLst>
+                                            <p:cond delay="0"/>
+                                          </p:stCondLst>
+                                        </p:cTn>
+                                        <p:tgtEl>
+                                          <p:spTgt spid="3">
+                                            <p:txEl>
+                                              <p:pRg st="1" end="1"/>
+                                            </p:txEl>
+                                          </p:spTgt>
+                                        </p:tgtEl>
+                                        <p:attrNameLst>
+                                          <p:attrName>style.visibility</p:attrName>
+                                        </p:attrNameLst>
+                                      </p:cBhvr>
+                                      <p:to>
+                                        <p:strVal val="visible"/>
+                                      </p:to>
+                                    </p:set>
+                                    <p:animEffect transition="in" filter="wipe(left)">
+                                      <p:cBhvr>
+                                        <p:cTn id="11" dur="1000"/>
+                                        <p:tgtEl>
+                                          <p:spTgt spid="3">
+                                            <p:txEl>
+                                              <p:pRg st="1" end="1"/>
+                                            </p:txEl>
+                                          </p:spTgt>
+                                        </p:tgtEl>
+                                      </p:cBhvr>
+                                    </p:animEffect>
+                                  </p:childTnLst>
+                                </p:cTn>
+                              </p:par>
+                            </p:childTnLst>
+                          </p:cTn>
+                        </p:par>
+                      </p:childTnLst>
+                    </p:cTn>
+                  </p:par>
+                  <p:par>
+                    <p:cTn id="12" fill="hold">
+                      <p:stCondLst>
+                        <p:cond delay="indefinite"/>
+                      </p:stCondLst>
+                      <p:childTnLst>
+                        <p:par>
+                          <p:cTn id="13" fill="hold">
+                            <p:stCondLst>
+                              <p:cond delay="0"/>
+                            </p:stCondLst>
+                            <p:childTnLst>
+                              <p:par>
+                                <p:cTn id="14" presetID="10" presetClass="entr" presetSubtype="0" fill="hold" nodeType="clickEffect">
+                                  <p:stCondLst>
+                                    <p:cond delay="0"/>
+                                  </p:stCondLst>
+                                  <p:childTnLst>
+                                    <p:set>
+                                      <p:cBhvr>
+                                        <p:cTn id="15" dur="1" fill="hold">
+                                          <p:stCondLst>
+                                            <p:cond delay="0"/>
+                                          </p:stCondLst>
+                                        </p:cTn>
+                                        <p:tgtEl>
+                                          <p:spTgt spid="3">
+                                            <p:txEl>
+                                              <p:pRg st="2" end="2"/>
+                                            </p:txEl>
+                                          </p:spTgt>
+                                        </p:tgtEl>
+                                        <p:attrNameLst>
+                                          <p:attrName>style.visibility</p:attrName>
+                                        </p:attrNameLst>
+                                      </p:cBhvr>
+                                      <p:to>
+                                        <p:strVal val="visible"/>
+                                      </p:to>
+                                    </p:set>
+                                    <p:animEffect transition="in" filter="fade">
+                                      <p:cBhvr>
+                                        <p:cTn id="16" dur="500"/>
+                                        <p:tgtEl>
+                                          <p:spTgt spid="3">
+                                            <p:txEl>
+                                              <p:pRg st="2" end="2"/>
+                                            </p:txEl>
+                                          </p:spTgt>
+                                        </p:tgtEl>
+                                      </p:cBhvr>
+                                    </p:animEffect>
+                                  </p:childTnLst>
+                                </p:cTn>
+                              </p:par>
+                              <p:par>
+                                <p:cTn id="17" presetID="10" presetClass="entr" presetSubtype="0" fill="hold" nodeType="withEffect">
+                                  <p:stCondLst>
+                                    <p:cond delay="0"/>
+                                  </p:stCondLst>
+                                  <p:childTnLst>
+                                    <p:set>
+                                      <p:cBhvr>
+                                        <p:cTn id="18" dur="1" fill="hold">
+                                          <p:stCondLst>
+                                            <p:cond delay="0"/>
+                                          </p:stCondLst>
+                                        </p:cTn>
+                                        <p:tgtEl>
+                                          <p:spTgt spid="3">
+                                            <p:txEl>
+                                              <p:pRg st="3" end="3"/>
+                                            </p:txEl>
+                                          </p:spTgt>
+                                        </p:tgtEl>
+                                        <p:attrNameLst>
+                                          <p:attrName>style.visibility</p:attrName>
+                                        </p:attrNameLst>
+                                      </p:cBhvr>
+                                      <p:to>
+                                        <p:strVal val="visible"/>
+                                      </p:to>
+                                    </p:set>
+                                    <p:animEffect transition="in" filter="fade">
+                                      <p:cBhvr>
+                                        <p:cTn id="19" dur="500"/>
+                                        <p:tgtEl>
+                                          <p:spTgt spid="3">
+                                            <p:txEl>
+                                              <p:pRg st="3" end="3"/>
+                                            </p:txEl>
+                                          </p:spTgt>
+                                        </p:tgtEl>
+                                      </p:cBhvr>
+                                    </p:animEffect>
+                                  </p:childTnLst>
+                                </p:cTn>
+                              </p:par>
+                            </p:childTnLst>
+                          </p:cTn>
+                        </p:par>
+                      </p:childTnLst>
+                    </p:cTn>
+                  </p:par>
+                </p:childTnLst>
+              </p:cTn>
+              <p:prevCondLst>
+                <p:cond evt="onPrev" delay="0">
+                  <p:tgtEl>
+                    <p:sldTgt/>
+                  </p:tgtEl>
+                </p:cond>
+              </p:prevCondLst>
+              <p:nextCondLst>
+                <p:cond evt="onNext" delay="0">
+                  <p:tgtEl>
+                    <p:sldTgt/>
+                  </p:tgtEl>
+                </p:cond>
+              </p:nextCondLst>
+            </p:seq>
+          </p:childTnLst>
+        </p:cTn>
+      </p:par>
+    </p:tnLst>
+  </p:timing>
+</p:sld>
+</file>
+
+<file path=ppt/slides/slide14.xml><?xml version="1.0" encoding="utf-8"?>
+<p:sld xmlns:a="http://schemas.openxmlformats.org/drawingml/2006/main" xmlns:r="http://schemas.openxmlformats.org/officeDocument/2006/relationships" xmlns:p="http://schemas.openxmlformats.org/presentationml/2006/main">
+  <p:cSld>
+    <p:spTree>
+      <p:nvGrpSpPr>
+        <p:cNvPr id="1" name=""/>
+        <p:cNvGrpSpPr/>
+        <p:nvPr/>
+      </p:nvGrpSpPr>
+      <p:grpSpPr>
+        <a:xfrm>
+          <a:off x="0" y="0"/>
+          <a:ext cx="0" cy="0"/>
+          <a:chOff x="0" y="0"/>
+          <a:chExt cx="0" cy="0"/>
+        </a:xfrm>
+      </p:grpSpPr>
+      <p:sp>
+        <p:nvSpPr>
+          <p:cNvPr id="3" name="Content Placeholder 2"/>
+          <p:cNvSpPr>
+            <a:spLocks noGrp="1"/>
+          </p:cNvSpPr>
+          <p:nvPr>
+            <p:ph idx="1"/>
+          </p:nvPr>
+        </p:nvSpPr>
+        <p:spPr>
+          <a:xfrm>
+            <a:off x="152400" y="1295400"/>
+            <a:ext cx="8915400" cy="4953000"/>
+          </a:xfrm>
+        </p:spPr>
+        <p:txBody>
+          <a:bodyPr/>
+          <a:lstStyle/>
+          <a:p>
+            <a:pPr marL="0" indent="0">
+              <a:buNone/>
+            </a:pPr>
+            <a:r>
+              <a:rPr lang="en-US" sz="4800" dirty="0" smtClean="0">
+                <a:solidFill>
+                  <a:schemeClr val="tx2"/>
+                </a:solidFill>
+              </a:rPr>
+              <a:t>because </a:t>
+            </a:r>
+            <a:r>
+              <a:rPr lang="en-US" sz="4800" dirty="0" err="1" smtClean="0"/>
+              <a:t>Pr</a:t>
+            </a:r>
+            <a:r>
+              <a:rPr lang="en-US" sz="4800" dirty="0" smtClean="0"/>
+              <a:t>[</a:t>
+            </a:r>
+            <a:r>
+              <a:rPr lang="en-US" sz="4800" dirty="0" smtClean="0">
+                <a:solidFill>
+                  <a:srgbClr val="660066"/>
+                </a:solidFill>
+              </a:rPr>
+              <a:t>play </a:t>
+            </a:r>
+            <a:r>
+              <a:rPr lang="en-US" sz="4800" dirty="0">
+                <a:solidFill>
+                  <a:srgbClr val="660066"/>
+                </a:solidFill>
+              </a:rPr>
+              <a:t>forever</a:t>
+            </a:r>
+            <a:r>
+              <a:rPr lang="en-US" sz="4800" dirty="0"/>
+              <a:t>] </a:t>
+            </a:r>
+            <a:r>
+              <a:rPr lang="en-US" sz="4800" b="1" dirty="0">
+                <a:solidFill>
+                  <a:srgbClr val="0000FF"/>
+                </a:solidFill>
+                <a:latin typeface="Euclid Symbol" charset="2"/>
+                <a:cs typeface="Euclid Symbol" charset="2"/>
+              </a:rPr>
+              <a:t>=</a:t>
+            </a:r>
+            <a:r>
+              <a:rPr lang="en-US" sz="4800" dirty="0"/>
+              <a:t> </a:t>
+            </a:r>
+            <a:r>
+              <a:rPr lang="en-US" sz="4800" dirty="0" smtClean="0">
+                <a:solidFill>
+                  <a:srgbClr val="0000FF"/>
+                </a:solidFill>
+              </a:rPr>
+              <a:t>0 </a:t>
+            </a:r>
+            <a:r>
+              <a:rPr lang="en-US" sz="4800" dirty="0" smtClean="0">
+                <a:solidFill>
+                  <a:srgbClr val="000000"/>
+                </a:solidFill>
+              </a:rPr>
+              <a:t>:</a:t>
+            </a:r>
+          </a:p>
+          <a:p>
+            <a:pPr marL="0" indent="0">
+              <a:buNone/>
+            </a:pPr>
+            <a:r>
+              <a:rPr lang="en-US" sz="5400" dirty="0" smtClean="0"/>
+              <a:t>with any stake</a:t>
+            </a:r>
+          </a:p>
+          <a:p>
+            <a:pPr marL="0" indent="0" algn="ctr">
+              <a:buNone/>
+            </a:pPr>
+            <a:r>
+              <a:rPr lang="en-US" sz="5400" dirty="0" err="1" smtClean="0"/>
+              <a:t>Pr</a:t>
+            </a:r>
+            <a:r>
+              <a:rPr lang="en-US" sz="5400" dirty="0" smtClean="0"/>
+              <a:t>[ends in </a:t>
+            </a:r>
+            <a:r>
+              <a:rPr lang="en-US" sz="5400" b="1" dirty="0" smtClean="0">
+                <a:solidFill>
+                  <a:srgbClr val="0000FF"/>
+                </a:solidFill>
+                <a:latin typeface="Euclid Symbol" charset="2"/>
+                <a:cs typeface="Euclid Symbol" charset="2"/>
+              </a:rPr>
+              <a:t>&lt;</a:t>
+            </a:r>
+            <a:r>
+              <a:rPr lang="en-US" sz="5400" dirty="0" smtClean="0"/>
+              <a:t> </a:t>
+            </a:r>
+            <a:r>
+              <a:rPr lang="en-US" sz="5400" dirty="0">
+                <a:solidFill>
+                  <a:srgbClr val="0000FF"/>
+                </a:solidFill>
+              </a:rPr>
+              <a:t>T</a:t>
+            </a:r>
+            <a:r>
+              <a:rPr lang="en-US" sz="5400" dirty="0"/>
+              <a:t> bets]</a:t>
+            </a:r>
+            <a:r>
+              <a:rPr lang="en-US" sz="5400" dirty="0">
+                <a:solidFill>
+                  <a:srgbClr val="0000FF"/>
+                </a:solidFill>
+              </a:rPr>
+              <a:t> </a:t>
+            </a:r>
+            <a:r>
+              <a:rPr lang="en-US" sz="5400" b="1" dirty="0" smtClean="0">
+                <a:solidFill>
+                  <a:srgbClr val="0000FF"/>
+                </a:solidFill>
+                <a:latin typeface="Euclid Symbol" charset="2"/>
+                <a:cs typeface="Euclid Symbol" charset="2"/>
+              </a:rPr>
+              <a:t>&gt;</a:t>
+            </a:r>
+            <a:r>
+              <a:rPr lang="en-US" sz="5400" dirty="0" smtClean="0">
+                <a:solidFill>
+                  <a:srgbClr val="0000FF"/>
+                </a:solidFill>
+              </a:rPr>
+              <a:t> </a:t>
+            </a:r>
+            <a:r>
+              <a:rPr lang="en-US" sz="5400" dirty="0" err="1" smtClean="0">
+                <a:solidFill>
+                  <a:srgbClr val="0000FF"/>
+                </a:solidFill>
+              </a:rPr>
+              <a:t>ɛ</a:t>
+            </a:r>
+            <a:endParaRPr lang="en-US" sz="5400" dirty="0" smtClean="0">
+              <a:solidFill>
+                <a:srgbClr val="0000FF"/>
+              </a:solidFill>
+            </a:endParaRPr>
+          </a:p>
+          <a:p>
+            <a:pPr marL="0" indent="0">
+              <a:buNone/>
+            </a:pPr>
+            <a:r>
+              <a:rPr lang="en-US" sz="5400" dirty="0" smtClean="0"/>
+              <a:t>so</a:t>
+            </a:r>
+          </a:p>
+          <a:p>
+            <a:pPr marL="0" indent="0" algn="ctr">
+              <a:buNone/>
+            </a:pPr>
+            <a:r>
+              <a:rPr lang="en-US" sz="5400" dirty="0" err="1"/>
+              <a:t>Pr</a:t>
+            </a:r>
+            <a:r>
+              <a:rPr lang="en-US" sz="5400" dirty="0" smtClean="0"/>
+              <a:t>[</a:t>
+            </a:r>
+            <a:r>
+              <a:rPr lang="en-US" sz="5400" b="1" dirty="0" smtClean="0">
+                <a:solidFill>
+                  <a:srgbClr val="0000FF"/>
+                </a:solidFill>
+                <a:latin typeface="Euclid Symbol" charset="2"/>
+                <a:cs typeface="Euclid Symbol" charset="2"/>
+              </a:rPr>
+              <a:t>≥</a:t>
+            </a:r>
+            <a:r>
+              <a:rPr lang="en-US" sz="5400" dirty="0" smtClean="0"/>
+              <a:t> </a:t>
+            </a:r>
+            <a:r>
+              <a:rPr lang="en-US" sz="5400" dirty="0" err="1" smtClean="0">
+                <a:solidFill>
+                  <a:srgbClr val="0000FF"/>
+                </a:solidFill>
+              </a:rPr>
+              <a:t>kT</a:t>
+            </a:r>
+            <a:r>
+              <a:rPr lang="en-US" sz="5400" dirty="0" smtClean="0"/>
+              <a:t> </a:t>
+            </a:r>
+            <a:r>
+              <a:rPr lang="en-US" sz="5400" dirty="0"/>
+              <a:t>bets]</a:t>
+            </a:r>
+            <a:r>
+              <a:rPr lang="en-US" sz="5400" dirty="0">
+                <a:solidFill>
+                  <a:srgbClr val="0000FF"/>
+                </a:solidFill>
+              </a:rPr>
+              <a:t> </a:t>
+            </a:r>
+            <a:r>
+              <a:rPr lang="en-US" sz="5400" b="1" dirty="0" smtClean="0">
+                <a:solidFill>
+                  <a:srgbClr val="0000FF"/>
+                </a:solidFill>
+                <a:latin typeface="Euclid Symbol" charset="2"/>
+                <a:cs typeface="Euclid Symbol" charset="2"/>
+              </a:rPr>
+              <a:t>&lt; </a:t>
+            </a:r>
+            <a:r>
+              <a:rPr lang="en-US" sz="5400" dirty="0" smtClean="0">
+                <a:solidFill>
+                  <a:srgbClr val="0000FF"/>
+                </a:solidFill>
+                <a:latin typeface="Comic Sans MS"/>
+                <a:cs typeface="Comic Sans MS"/>
+              </a:rPr>
+              <a:t>(1-ɛ)</a:t>
+            </a:r>
+            <a:r>
+              <a:rPr lang="en-US" sz="5400" baseline="30000" dirty="0" smtClean="0">
+                <a:solidFill>
+                  <a:srgbClr val="0000FF"/>
+                </a:solidFill>
+                <a:latin typeface="Comic Sans MS"/>
+                <a:cs typeface="Comic Sans MS"/>
+              </a:rPr>
+              <a:t>k</a:t>
+            </a:r>
+            <a:endParaRPr lang="en-US" sz="5400" baseline="30000" dirty="0">
+              <a:solidFill>
+                <a:srgbClr val="0000FF"/>
+              </a:solidFill>
+              <a:latin typeface="Comic Sans MS"/>
+              <a:cs typeface="Comic Sans MS"/>
+            </a:endParaRPr>
+          </a:p>
+          <a:p>
+            <a:pPr marL="0" indent="0" algn="ctr">
+              <a:buNone/>
+            </a:pPr>
+            <a:endParaRPr lang="en-US" sz="4800" dirty="0">
+              <a:solidFill>
+                <a:srgbClr val="0000FF"/>
+              </a:solidFill>
+            </a:endParaRPr>
+          </a:p>
+        </p:txBody>
+      </p:sp>
+      <p:sp>
+        <p:nvSpPr>
+          <p:cNvPr id="4" name="Slide Number Placeholder 3"/>
+          <p:cNvSpPr>
+            <a:spLocks noGrp="1"/>
+          </p:cNvSpPr>
+          <p:nvPr>
+            <p:ph type="sldNum" sz="quarter" idx="12"/>
+          </p:nvPr>
+        </p:nvSpPr>
+        <p:spPr/>
+        <p:txBody>
+          <a:bodyPr/>
+          <a:lstStyle/>
+          <a:p>
+            <a:pPr>
+              <a:defRPr/>
+            </a:pPr>
+            <a:r>
+              <a:rPr lang="en-US" dirty="0" err="1" smtClean="0"/>
+              <a:t>ruinwin</a:t>
             </a:r>
             <a:r>
               <a:rPr lang="en-US" dirty="0" smtClean="0"/>
-              <a:t>May 15, 2013</a:t>
+              <a:t>.</a:t>
+            </a:r>
+            <a:fld id="{E877D3CB-F960-BD47-98A7-06971C504846}" type="slidenum">
+              <a:rPr lang="en-US" smtClean="0"/>
+              <a:pPr>
+                <a:defRPr/>
+              </a:pPr>
+              <a:t>14</a:t>
+            </a:fld>
+            <a:endParaRPr lang="en-US" dirty="0" smtClean="0"/>
+          </a:p>
+          <a:p>
+            <a:pPr>
+              <a:defRPr/>
+            </a:pPr>
+            <a:endParaRPr lang="en-US" dirty="0"/>
+          </a:p>
+        </p:txBody>
+      </p:sp>
+      <p:sp>
+        <p:nvSpPr>
+          <p:cNvPr id="5" name="Date Placeholder 4"/>
+          <p:cNvSpPr>
+            <a:spLocks noGrp="1"/>
+          </p:cNvSpPr>
+          <p:nvPr>
+            <p:ph type="dt" sz="half" idx="2"/>
+          </p:nvPr>
+        </p:nvSpPr>
+        <p:spPr/>
+        <p:txBody>
+          <a:bodyPr/>
+          <a:lstStyle/>
+          <a:p>
+            <a:pPr>
+              <a:defRPr/>
+            </a:pPr>
+            <a:r>
+              <a:rPr lang="en-US" dirty="0" smtClean="0"/>
+              <a:t>Albert R Meyer,                        May 15, 2013</a:t>
+            </a:r>
+            <a:endParaRPr lang="en-US" dirty="0"/>
+          </a:p>
+        </p:txBody>
+      </p:sp>
+      <p:sp>
+        <p:nvSpPr>
+          <p:cNvPr id="7" name="Title 1"/>
+          <p:cNvSpPr>
+            <a:spLocks noGrp="1"/>
+          </p:cNvSpPr>
+          <p:nvPr>
+            <p:ph type="title"/>
+          </p:nvPr>
+        </p:nvSpPr>
+        <p:spPr>
+          <a:xfrm>
+            <a:off x="1219200" y="76200"/>
+            <a:ext cx="7472362" cy="1143000"/>
+          </a:xfrm>
+        </p:spPr>
+        <p:txBody>
+          <a:bodyPr/>
+          <a:lstStyle/>
+          <a:p>
+            <a:r>
+              <a:rPr lang="en-US" dirty="0" smtClean="0"/>
+              <a:t>…otherwise Gambler is ruined</a:t>
+            </a:r>
+            <a:endParaRPr lang="en-US" dirty="0"/>
+          </a:p>
+        </p:txBody>
+      </p:sp>
+    </p:spTree>
+    <p:extLst>
+      <p:ext uri="{BB962C8B-B14F-4D97-AF65-F5344CB8AC3E}">
+        <p14:creationId xmlns:p14="http://schemas.microsoft.com/office/powerpoint/2010/main" val="4067731354"/>
+      </p:ext>
+    </p:extLst>
+  </p:cSld>
+  <p:clrMapOvr>
+    <a:masterClrMapping/>
+  </p:clrMapOvr>
+  <p:transition xmlns:p14="http://schemas.microsoft.com/office/powerpoint/2010/main" spd="slow" advClick="0">
+    <p:fade/>
+  </p:transition>
+  <p:timing>
+    <p:tnLst>
+      <p:par>
+        <p:cTn xmlns:p14="http://schemas.microsoft.com/office/powerpoint/2010/main" id="1" dur="indefinite" restart="never" nodeType="tmRoot">
+          <p:childTnLst>
+            <p:seq concurrent="1" nextAc="seek">
+              <p:cTn id="2" dur="indefinite" nodeType="mainSeq">
+                <p:childTnLst>
+                  <p:par>
+                    <p:cTn id="3" fill="hold">
+                      <p:stCondLst>
+                        <p:cond delay="indefinite"/>
+                      </p:stCondLst>
+                      <p:childTnLst>
+                        <p:par>
+                          <p:cTn id="4" fill="hold">
+                            <p:stCondLst>
+                              <p:cond delay="0"/>
+                            </p:stCondLst>
+                            <p:childTnLst>
+                              <p:par>
+                                <p:cTn id="5" presetID="10" presetClass="entr" presetSubtype="0" fill="hold" nodeType="clickEffect">
+                                  <p:stCondLst>
+                                    <p:cond delay="0"/>
+                                  </p:stCondLst>
+                                  <p:childTnLst>
+                                    <p:set>
+                                      <p:cBhvr>
+                                        <p:cTn id="6" dur="1" fill="hold">
+                                          <p:stCondLst>
+                                            <p:cond delay="0"/>
+                                          </p:stCondLst>
+                                        </p:cTn>
+                                        <p:tgtEl>
+                                          <p:spTgt spid="3">
+                                            <p:txEl>
+                                              <p:pRg st="1" end="1"/>
+                                            </p:txEl>
+                                          </p:spTgt>
+                                        </p:tgtEl>
+                                        <p:attrNameLst>
+                                          <p:attrName>style.visibility</p:attrName>
+                                        </p:attrNameLst>
+                                      </p:cBhvr>
+                                      <p:to>
+                                        <p:strVal val="visible"/>
+                                      </p:to>
+                                    </p:set>
+                                    <p:animEffect transition="in" filter="fade">
+                                      <p:cBhvr>
+                                        <p:cTn id="7" dur="500"/>
+                                        <p:tgtEl>
+                                          <p:spTgt spid="3">
+                                            <p:txEl>
+                                              <p:pRg st="1" end="1"/>
+                                            </p:txEl>
+                                          </p:spTgt>
+                                        </p:tgtEl>
+                                      </p:cBhvr>
+                                    </p:animEffect>
+                                  </p:childTnLst>
+                                </p:cTn>
+                              </p:par>
+                            </p:childTnLst>
+                          </p:cTn>
+                        </p:par>
+                      </p:childTnLst>
+                    </p:cTn>
+                  </p:par>
+                  <p:par>
+                    <p:cTn id="8" fill="hold">
+                      <p:stCondLst>
+                        <p:cond delay="indefinite"/>
+                      </p:stCondLst>
+                      <p:childTnLst>
+                        <p:par>
+                          <p:cTn id="9" fill="hold">
+                            <p:stCondLst>
+                              <p:cond delay="0"/>
+                            </p:stCondLst>
+                            <p:childTnLst>
+                              <p:par>
+                                <p:cTn id="10" presetID="22" presetClass="entr" presetSubtype="8" fill="hold" grpId="0" nodeType="clickEffect">
+                                  <p:stCondLst>
+                                    <p:cond delay="0"/>
+                                  </p:stCondLst>
+                                  <p:childTnLst>
+                                    <p:set>
+                                      <p:cBhvr>
+                                        <p:cTn id="11" dur="1" fill="hold">
+                                          <p:stCondLst>
+                                            <p:cond delay="0"/>
+                                          </p:stCondLst>
+                                        </p:cTn>
+                                        <p:tgtEl>
+                                          <p:spTgt spid="3">
+                                            <p:txEl>
+                                              <p:pRg st="2" end="2"/>
+                                            </p:txEl>
+                                          </p:spTgt>
+                                        </p:tgtEl>
+                                        <p:attrNameLst>
+                                          <p:attrName>style.visibility</p:attrName>
+                                        </p:attrNameLst>
+                                      </p:cBhvr>
+                                      <p:to>
+                                        <p:strVal val="visible"/>
+                                      </p:to>
+                                    </p:set>
+                                    <p:animEffect transition="in" filter="wipe(left)">
+                                      <p:cBhvr>
+                                        <p:cTn id="12" dur="1000"/>
+                                        <p:tgtEl>
+                                          <p:spTgt spid="3">
+                                            <p:txEl>
+                                              <p:pRg st="2" end="2"/>
+                                            </p:txEl>
+                                          </p:spTgt>
+                                        </p:tgtEl>
+                                      </p:cBhvr>
+                                    </p:animEffect>
+                                  </p:childTnLst>
+                                </p:cTn>
+                              </p:par>
+                            </p:childTnLst>
+                          </p:cTn>
+                        </p:par>
+                      </p:childTnLst>
+                    </p:cTn>
+                  </p:par>
+                  <p:par>
+                    <p:cTn id="13" fill="hold">
+                      <p:stCondLst>
+                        <p:cond delay="indefinite"/>
+                      </p:stCondLst>
+                      <p:childTnLst>
+                        <p:par>
+                          <p:cTn id="14" fill="hold">
+                            <p:stCondLst>
+                              <p:cond delay="0"/>
+                            </p:stCondLst>
+                            <p:childTnLst>
+                              <p:par>
+                                <p:cTn id="15" presetID="10" presetClass="entr" presetSubtype="0" fill="hold" grpId="0" nodeType="clickEffect">
+                                  <p:stCondLst>
+                                    <p:cond delay="0"/>
+                                  </p:stCondLst>
+                                  <p:childTnLst>
+                                    <p:set>
+                                      <p:cBhvr>
+                                        <p:cTn id="16" dur="1" fill="hold">
+                                          <p:stCondLst>
+                                            <p:cond delay="0"/>
+                                          </p:stCondLst>
+                                        </p:cTn>
+                                        <p:tgtEl>
+                                          <p:spTgt spid="3">
+                                            <p:txEl>
+                                              <p:pRg st="3" end="3"/>
+                                            </p:txEl>
+                                          </p:spTgt>
+                                        </p:tgtEl>
+                                        <p:attrNameLst>
+                                          <p:attrName>style.visibility</p:attrName>
+                                        </p:attrNameLst>
+                                      </p:cBhvr>
+                                      <p:to>
+                                        <p:strVal val="visible"/>
+                                      </p:to>
+                                    </p:set>
+                                    <p:animEffect transition="in" filter="fade">
+                                      <p:cBhvr>
+                                        <p:cTn id="17" dur="500"/>
+                                        <p:tgtEl>
+                                          <p:spTgt spid="3">
+                                            <p:txEl>
+                                              <p:pRg st="3" end="3"/>
+                                            </p:txEl>
+                                          </p:spTgt>
+                                        </p:tgtEl>
+                                      </p:cBhvr>
+                                    </p:animEffect>
+                                  </p:childTnLst>
+                                </p:cTn>
+                              </p:par>
+                            </p:childTnLst>
+                          </p:cTn>
+                        </p:par>
+                        <p:par>
+                          <p:cTn id="18" fill="hold">
+                            <p:stCondLst>
+                              <p:cond delay="500"/>
+                            </p:stCondLst>
+                            <p:childTnLst>
+                              <p:par>
+                                <p:cTn id="19" presetID="22" presetClass="entr" presetSubtype="8" fill="hold" grpId="0" nodeType="afterEffect">
+                                  <p:stCondLst>
+                                    <p:cond delay="0"/>
+                                  </p:stCondLst>
+                                  <p:childTnLst>
+                                    <p:set>
+                                      <p:cBhvr>
+                                        <p:cTn id="20" dur="1" fill="hold">
+                                          <p:stCondLst>
+                                            <p:cond delay="0"/>
+                                          </p:stCondLst>
+                                        </p:cTn>
+                                        <p:tgtEl>
+                                          <p:spTgt spid="3">
+                                            <p:txEl>
+                                              <p:pRg st="4" end="4"/>
+                                            </p:txEl>
+                                          </p:spTgt>
+                                        </p:tgtEl>
+                                        <p:attrNameLst>
+                                          <p:attrName>style.visibility</p:attrName>
+                                        </p:attrNameLst>
+                                      </p:cBhvr>
+                                      <p:to>
+                                        <p:strVal val="visible"/>
+                                      </p:to>
+                                    </p:set>
+                                    <p:animEffect transition="in" filter="wipe(left)">
+                                      <p:cBhvr>
+                                        <p:cTn id="21" dur="1000"/>
+                                        <p:tgtEl>
+                                          <p:spTgt spid="3">
+                                            <p:txEl>
+                                              <p:pRg st="4" end="4"/>
+                                            </p:txEl>
+                                          </p:spTgt>
+                                        </p:tgtEl>
+                                      </p:cBhvr>
+                                    </p:animEffect>
+                                  </p:childTnLst>
+                                </p:cTn>
+                              </p:par>
+                            </p:childTnLst>
+                          </p:cTn>
+                        </p:par>
+                      </p:childTnLst>
+                    </p:cTn>
+                  </p:par>
+                </p:childTnLst>
+              </p:cTn>
+              <p:prevCondLst>
+                <p:cond evt="onPrev" delay="0">
+                  <p:tgtEl>
+                    <p:sldTgt/>
+                  </p:tgtEl>
+                </p:cond>
+              </p:prevCondLst>
+              <p:nextCondLst>
+                <p:cond evt="onNext" delay="0">
+                  <p:tgtEl>
+                    <p:sldTgt/>
+                  </p:tgtEl>
+                </p:cond>
+              </p:nextCondLst>
+            </p:seq>
+          </p:childTnLst>
+        </p:cTn>
+      </p:par>
+    </p:tnLst>
+    <p:bldLst>
+      <p:bldP spid="3" grpId="0" build="p"/>
+    </p:bldLst>
+  </p:timing>
+</p:sld>
+</file>
+
+<file path=ppt/slides/slide15.xml><?xml version="1.0" encoding="utf-8"?>
+<p:sld xmlns:a="http://schemas.openxmlformats.org/drawingml/2006/main" xmlns:r="http://schemas.openxmlformats.org/officeDocument/2006/relationships" xmlns:p="http://schemas.openxmlformats.org/presentationml/2006/main">
+  <p:cSld>
+    <p:spTree>
+      <p:nvGrpSpPr>
+        <p:cNvPr id="1" name=""/>
+        <p:cNvGrpSpPr/>
+        <p:nvPr/>
+      </p:nvGrpSpPr>
+      <p:grpSpPr>
+        <a:xfrm>
+          <a:off x="0" y="0"/>
+          <a:ext cx="0" cy="0"/>
+          <a:chOff x="0" y="0"/>
+          <a:chExt cx="0" cy="0"/>
+        </a:xfrm>
+      </p:grpSpPr>
+      <p:sp>
+        <p:nvSpPr>
+          <p:cNvPr id="2" name="Title 1"/>
+          <p:cNvSpPr>
+            <a:spLocks noGrp="1"/>
+          </p:cNvSpPr>
+          <p:nvPr>
+            <p:ph type="title"/>
+          </p:nvPr>
+        </p:nvSpPr>
+        <p:spPr>
+          <a:xfrm>
+            <a:off x="1671638" y="228600"/>
+            <a:ext cx="6024562" cy="1069975"/>
+          </a:xfrm>
+        </p:spPr>
+        <p:txBody>
+          <a:bodyPr/>
+          <a:lstStyle/>
+          <a:p>
+            <a:r>
+              <a:rPr lang="en-US" dirty="0" smtClean="0"/>
+              <a:t>Condition on 1</a:t>
+            </a:r>
+            <a:r>
+              <a:rPr lang="en-US" baseline="30000" dirty="0" smtClean="0"/>
+              <a:t>st</a:t>
+            </a:r>
+            <a:r>
+              <a:rPr lang="en-US" dirty="0" smtClean="0"/>
+              <a:t> bet</a:t>
+            </a:r>
+            <a:endParaRPr lang="en-US" dirty="0"/>
+          </a:p>
+        </p:txBody>
+      </p:sp>
+      <p:sp>
+        <p:nvSpPr>
+          <p:cNvPr id="3" name="Content Placeholder 2"/>
+          <p:cNvSpPr>
+            <a:spLocks noGrp="1"/>
+          </p:cNvSpPr>
+          <p:nvPr>
+            <p:ph idx="1"/>
+          </p:nvPr>
+        </p:nvSpPr>
+        <p:spPr>
+          <a:xfrm>
+            <a:off x="762000" y="1447800"/>
+            <a:ext cx="7848600" cy="4495800"/>
+          </a:xfrm>
+        </p:spPr>
+        <p:txBody>
+          <a:bodyPr/>
+          <a:lstStyle/>
+          <a:p>
+            <a:pPr marL="0" indent="0">
+              <a:buNone/>
+            </a:pPr>
+            <a:r>
+              <a:rPr lang="en-US" sz="4800" dirty="0" err="1" smtClean="0">
+                <a:solidFill>
+                  <a:srgbClr val="0000FF"/>
+                </a:solidFill>
+              </a:rPr>
+              <a:t>w</a:t>
+            </a:r>
+            <a:r>
+              <a:rPr lang="en-US" sz="4800" baseline="-25000" dirty="0" err="1" smtClean="0">
+                <a:solidFill>
+                  <a:srgbClr val="0000FF"/>
+                </a:solidFill>
+              </a:rPr>
+              <a:t>n</a:t>
+            </a:r>
+            <a:r>
+              <a:rPr lang="en-US" sz="4800" dirty="0" smtClean="0"/>
+              <a:t>::= </a:t>
+            </a:r>
+            <a:r>
+              <a:rPr lang="en-US" sz="4800" dirty="0" err="1" smtClean="0"/>
+              <a:t>Pr</a:t>
+            </a:r>
+            <a:r>
+              <a:rPr lang="en-US" sz="4800" dirty="0" smtClean="0"/>
+              <a:t>[hit </a:t>
+            </a:r>
+            <a:r>
+              <a:rPr lang="en-US" sz="4800" dirty="0" smtClean="0">
+                <a:solidFill>
+                  <a:srgbClr val="0000FF"/>
+                </a:solidFill>
+              </a:rPr>
+              <a:t>$T</a:t>
+            </a:r>
+            <a:r>
+              <a:rPr lang="en-US" sz="4800" dirty="0" smtClean="0"/>
+              <a:t> from </a:t>
+            </a:r>
+            <a:r>
+              <a:rPr lang="en-US" sz="4800" dirty="0" smtClean="0">
+                <a:solidFill>
+                  <a:srgbClr val="0000FF"/>
+                </a:solidFill>
+              </a:rPr>
+              <a:t>$n</a:t>
+            </a:r>
+            <a:r>
+              <a:rPr lang="en-US" sz="4800" dirty="0" smtClean="0"/>
+              <a:t>]</a:t>
+            </a:r>
+          </a:p>
+          <a:p>
+            <a:pPr marL="0" indent="0">
+              <a:buNone/>
+            </a:pPr>
+            <a:r>
+              <a:rPr lang="en-US" sz="4800" dirty="0" err="1" smtClean="0"/>
+              <a:t>Pr</a:t>
+            </a:r>
+            <a:r>
+              <a:rPr lang="en-US" sz="4800" dirty="0" smtClean="0"/>
+              <a:t>[</a:t>
+            </a:r>
+            <a:r>
+              <a:rPr lang="en-US" sz="4800" dirty="0" err="1" smtClean="0">
+                <a:solidFill>
+                  <a:srgbClr val="0000FF"/>
+                </a:solidFill>
+              </a:rPr>
+              <a:t>w</a:t>
+            </a:r>
+            <a:r>
+              <a:rPr lang="en-US" sz="4800" baseline="-25000" dirty="0" err="1" smtClean="0">
+                <a:solidFill>
+                  <a:srgbClr val="0000FF"/>
+                </a:solidFill>
+              </a:rPr>
+              <a:t>n</a:t>
+            </a:r>
+            <a:r>
+              <a:rPr lang="en-US" sz="4800" dirty="0" smtClean="0">
+                <a:solidFill>
+                  <a:srgbClr val="0000FF"/>
+                </a:solidFill>
+              </a:rPr>
+              <a:t>| </a:t>
+            </a:r>
+            <a:r>
+              <a:rPr lang="en-US" sz="4800" dirty="0" smtClean="0"/>
+              <a:t>win 1</a:t>
+            </a:r>
+            <a:r>
+              <a:rPr lang="en-US" sz="4800" baseline="30000" dirty="0" smtClean="0"/>
+              <a:t>st</a:t>
+            </a:r>
+            <a:r>
+              <a:rPr lang="en-US" sz="4800" dirty="0" smtClean="0"/>
+              <a:t> bet] </a:t>
+            </a:r>
+            <a:r>
+              <a:rPr lang="en-US" sz="4800" b="1" dirty="0" smtClean="0">
+                <a:latin typeface="Euclid Symbol" charset="2"/>
+                <a:cs typeface="Euclid Symbol" charset="2"/>
+              </a:rPr>
+              <a:t>=</a:t>
+            </a:r>
+            <a:r>
+              <a:rPr lang="en-US" sz="4800" dirty="0" smtClean="0"/>
+              <a:t> </a:t>
+            </a:r>
+            <a:r>
+              <a:rPr lang="en-US" sz="4800" dirty="0" smtClean="0">
+                <a:solidFill>
+                  <a:srgbClr val="0000FF"/>
+                </a:solidFill>
+              </a:rPr>
+              <a:t>w</a:t>
+            </a:r>
+            <a:r>
+              <a:rPr lang="en-US" sz="4800" baseline="-25000" dirty="0" smtClean="0">
+                <a:solidFill>
+                  <a:srgbClr val="0000FF"/>
+                </a:solidFill>
+              </a:rPr>
+              <a:t>n+1</a:t>
+            </a:r>
+          </a:p>
+          <a:p>
+            <a:pPr marL="0" indent="0">
+              <a:buNone/>
+            </a:pPr>
+            <a:r>
+              <a:rPr lang="en-US" sz="4800" dirty="0" err="1"/>
+              <a:t>Pr</a:t>
+            </a:r>
+            <a:r>
+              <a:rPr lang="en-US" sz="4800" dirty="0"/>
+              <a:t>[</a:t>
+            </a:r>
+            <a:r>
+              <a:rPr lang="en-US" sz="4800" dirty="0" err="1">
+                <a:solidFill>
+                  <a:srgbClr val="0000FF"/>
+                </a:solidFill>
+              </a:rPr>
+              <a:t>w</a:t>
+            </a:r>
+            <a:r>
+              <a:rPr lang="en-US" sz="4800" baseline="-25000" dirty="0" err="1">
+                <a:solidFill>
+                  <a:srgbClr val="0000FF"/>
+                </a:solidFill>
+              </a:rPr>
+              <a:t>n</a:t>
+            </a:r>
+            <a:r>
+              <a:rPr lang="en-US" sz="4800" dirty="0">
+                <a:solidFill>
+                  <a:srgbClr val="0000FF"/>
+                </a:solidFill>
+              </a:rPr>
+              <a:t>| </a:t>
+            </a:r>
+            <a:r>
+              <a:rPr lang="en-US" sz="4800" dirty="0" smtClean="0"/>
+              <a:t>lose </a:t>
+            </a:r>
+            <a:r>
+              <a:rPr lang="en-US" sz="4800" dirty="0"/>
+              <a:t>1</a:t>
+            </a:r>
+            <a:r>
+              <a:rPr lang="en-US" sz="4800" baseline="30000" dirty="0"/>
+              <a:t>st</a:t>
+            </a:r>
+            <a:r>
+              <a:rPr lang="en-US" sz="4800" dirty="0"/>
+              <a:t> bet] </a:t>
+            </a:r>
+            <a:r>
+              <a:rPr lang="en-US" sz="4800" b="1" dirty="0">
+                <a:latin typeface="Euclid Symbol" charset="2"/>
+                <a:cs typeface="Euclid Symbol" charset="2"/>
+              </a:rPr>
+              <a:t>=</a:t>
+            </a:r>
+            <a:r>
+              <a:rPr lang="en-US" sz="4800" dirty="0" smtClean="0"/>
+              <a:t> </a:t>
+            </a:r>
+            <a:r>
+              <a:rPr lang="en-US" sz="4800" dirty="0" smtClean="0">
+                <a:solidFill>
+                  <a:srgbClr val="0000FF"/>
+                </a:solidFill>
+              </a:rPr>
+              <a:t>w</a:t>
+            </a:r>
+            <a:r>
+              <a:rPr lang="en-US" sz="4800" baseline="-25000" dirty="0" smtClean="0">
+                <a:solidFill>
+                  <a:srgbClr val="0000FF"/>
+                </a:solidFill>
+              </a:rPr>
+              <a:t>n-1</a:t>
+            </a:r>
+          </a:p>
+          <a:p>
+            <a:pPr marL="0" indent="0" algn="ctr">
+              <a:buNone/>
+            </a:pPr>
+            <a:r>
+              <a:rPr lang="en-US" sz="6000" dirty="0" err="1" smtClean="0">
+                <a:solidFill>
+                  <a:srgbClr val="0000FF"/>
+                </a:solidFill>
+              </a:rPr>
+              <a:t>w</a:t>
+            </a:r>
+            <a:r>
+              <a:rPr lang="en-US" sz="6000" baseline="-25000" dirty="0" err="1" smtClean="0">
+                <a:solidFill>
+                  <a:srgbClr val="0000FF"/>
+                </a:solidFill>
+              </a:rPr>
+              <a:t>n</a:t>
+            </a:r>
+            <a:r>
+              <a:rPr lang="en-US" sz="6000" b="1" dirty="0">
+                <a:solidFill>
+                  <a:srgbClr val="0000FF"/>
+                </a:solidFill>
+                <a:latin typeface="Euclid Symbol" charset="2"/>
+                <a:cs typeface="Euclid Symbol" charset="2"/>
+              </a:rPr>
+              <a:t>=</a:t>
+            </a:r>
+            <a:r>
+              <a:rPr lang="en-US" sz="6000" dirty="0" smtClean="0">
+                <a:solidFill>
+                  <a:srgbClr val="0000FF"/>
+                </a:solidFill>
+              </a:rPr>
+              <a:t> </a:t>
+            </a:r>
+            <a:r>
+              <a:rPr lang="en-US" sz="6000" dirty="0">
+                <a:solidFill>
+                  <a:srgbClr val="0000FF"/>
+                </a:solidFill>
+              </a:rPr>
+              <a:t>w</a:t>
+            </a:r>
+            <a:r>
+              <a:rPr lang="en-US" sz="6000" baseline="-25000" dirty="0">
+                <a:solidFill>
+                  <a:srgbClr val="0000FF"/>
+                </a:solidFill>
+              </a:rPr>
+              <a:t>n+</a:t>
+            </a:r>
+            <a:r>
+              <a:rPr lang="en-US" sz="6000" baseline="-25000" dirty="0" smtClean="0">
+                <a:solidFill>
+                  <a:srgbClr val="0000FF"/>
+                </a:solidFill>
+              </a:rPr>
+              <a:t>1</a:t>
+            </a:r>
+            <a:r>
+              <a:rPr lang="en-US" sz="6000" dirty="0" smtClean="0">
+                <a:solidFill>
+                  <a:srgbClr val="0000FF"/>
+                </a:solidFill>
+              </a:rPr>
+              <a:t>∙p + w</a:t>
+            </a:r>
+            <a:r>
+              <a:rPr lang="en-US" sz="6000" baseline="-25000" dirty="0" smtClean="0">
+                <a:solidFill>
+                  <a:srgbClr val="0000FF"/>
+                </a:solidFill>
+              </a:rPr>
+              <a:t>n-1</a:t>
+            </a:r>
+            <a:r>
+              <a:rPr lang="en-US" sz="6000" dirty="0" smtClean="0">
+                <a:solidFill>
+                  <a:srgbClr val="0000FF"/>
+                </a:solidFill>
+              </a:rPr>
+              <a:t>∙q</a:t>
+            </a:r>
+          </a:p>
+        </p:txBody>
+      </p:sp>
+      <p:sp>
+        <p:nvSpPr>
+          <p:cNvPr id="4" name="Slide Number Placeholder 3"/>
+          <p:cNvSpPr>
+            <a:spLocks noGrp="1"/>
+          </p:cNvSpPr>
+          <p:nvPr>
+            <p:ph type="sldNum" sz="quarter" idx="12"/>
+          </p:nvPr>
+        </p:nvSpPr>
+        <p:spPr/>
+        <p:txBody>
+          <a:bodyPr/>
+          <a:lstStyle/>
+          <a:p>
+            <a:pPr>
+              <a:defRPr/>
+            </a:pPr>
+            <a:r>
+              <a:rPr lang="en-US" dirty="0" err="1" smtClean="0"/>
+              <a:t>ruinwin</a:t>
+            </a:r>
+            <a:r>
+              <a:rPr lang="en-US" dirty="0" smtClean="0"/>
+              <a:t>.</a:t>
+            </a:r>
+            <a:fld id="{E877D3CB-F960-BD47-98A7-06971C504846}" type="slidenum">
+              <a:rPr lang="en-US" smtClean="0"/>
+              <a:pPr>
+                <a:defRPr/>
+              </a:pPr>
+              <a:t>15</a:t>
+            </a:fld>
+            <a:endParaRPr lang="en-US" dirty="0" smtClean="0"/>
+          </a:p>
+          <a:p>
+            <a:pPr>
+              <a:defRPr/>
+            </a:pPr>
+            <a:endParaRPr lang="en-US" dirty="0"/>
+          </a:p>
+        </p:txBody>
+      </p:sp>
+      <p:sp>
+        <p:nvSpPr>
+          <p:cNvPr id="5" name="Date Placeholder 4"/>
+          <p:cNvSpPr>
+            <a:spLocks noGrp="1"/>
+          </p:cNvSpPr>
+          <p:nvPr>
+            <p:ph type="dt" sz="half" idx="2"/>
+          </p:nvPr>
+        </p:nvSpPr>
+        <p:spPr/>
+        <p:txBody>
+          <a:bodyPr/>
+          <a:lstStyle/>
+          <a:p>
+            <a:pPr>
+              <a:defRPr/>
+            </a:pPr>
+            <a:r>
+              <a:rPr lang="en-US" dirty="0" smtClean="0"/>
+              <a:t>Albert R Meyer,                       May 15, 2013</a:t>
             </a:r>
             <a:endParaRPr lang="en-US" dirty="0"/>
           </a:p>
@@ -10091,14 +11499,14 @@
   <p:clrMapOvr>
     <a:masterClrMapping/>
   </p:clrMapOvr>
-  <mc:AlternateContent xmlns:mc="http://schemas.openxmlformats.org/markup-compatibility/2006" xmlns:p14="http://schemas.microsoft.com/office/powerpoint/2010/main">
-    <mc:Choice Requires="p14">
-      <p:transition spd="slow" p14:dur="1200">
+  <mc:AlternateContent xmlns:mc="http://schemas.openxmlformats.org/markup-compatibility/2006">
+    <mc:Choice xmlns:p14="http://schemas.microsoft.com/office/powerpoint/2010/main" Requires="p14">
+      <p:transition spd="slow" p14:dur="1200" advClick="0">
         <p:fade thruBlk="1"/>
       </p:transition>
     </mc:Choice>
-    <mc:Fallback xmlns="">
-      <p:transition xmlns:p14="http://schemas.microsoft.com/office/powerpoint/2010/main" spd="slow">
+    <mc:Fallback>
+      <p:transition xmlns:p14="http://schemas.microsoft.com/office/powerpoint/2010/main" spd="slow" advClick="0">
         <p:fade thruBlk="1"/>
       </p:transition>
     </mc:Fallback>
@@ -10414,7 +11822,7 @@
 </p:sld>
 </file>
 
-<file path=ppt/slides/slide14.xml><?xml version="1.0" encoding="utf-8"?>
+<file path=ppt/slides/slide16.xml><?xml version="1.0" encoding="utf-8"?>
 <p:sld xmlns:a="http://schemas.openxmlformats.org/drawingml/2006/main" xmlns:r="http://schemas.openxmlformats.org/officeDocument/2006/relationships" xmlns:p="http://schemas.openxmlformats.org/presentationml/2006/main">
   <p:cSld>
     <p:spTree>
@@ -10459,7 +11867,7 @@
             <a:fld id="{1CB8D558-C5D6-7E41-8E71-BB0C744D2D8B}" type="slidenum">
               <a:rPr lang="en-US" smtClean="0"/>
               <a:pPr/>
-              <a:t>14</a:t>
+              <a:t>16</a:t>
             </a:fld>
             <a:endParaRPr lang="en-US" dirty="0"/>
           </a:p>
@@ -10866,11 +12274,7 @@
             </a:pPr>
             <a:r>
               <a:rPr lang="en-US" dirty="0" smtClean="0"/>
-              <a:t>Albert R Meyer,               </a:t>
-            </a:r>
-            <a:r>
-              <a:rPr lang="en-US" dirty="0" smtClean="0"/>
-              <a:t>May 15, 2013</a:t>
+              <a:t>Albert R Meyer,               May 15, 2013</a:t>
             </a:r>
             <a:endParaRPr lang="en-US" dirty="0"/>
           </a:p>
@@ -10881,14 +12285,14 @@
   <p:clrMapOvr>
     <a:masterClrMapping/>
   </p:clrMapOvr>
-  <mc:AlternateContent xmlns:mc="http://schemas.openxmlformats.org/markup-compatibility/2006" xmlns:p14="http://schemas.microsoft.com/office/powerpoint/2010/main">
-    <mc:Choice Requires="p14">
-      <p:transition spd="slow" p14:dur="800">
+  <mc:AlternateContent xmlns:mc="http://schemas.openxmlformats.org/markup-compatibility/2006">
+    <mc:Choice xmlns:p14="http://schemas.microsoft.com/office/powerpoint/2010/main" Requires="p14">
+      <p:transition spd="slow" p14:dur="800" advClick="0">
         <p:fade/>
       </p:transition>
     </mc:Choice>
-    <mc:Fallback xmlns="">
-      <p:transition xmlns:p14="http://schemas.microsoft.com/office/powerpoint/2010/main" spd="slow">
+    <mc:Fallback>
+      <p:transition xmlns:p14="http://schemas.microsoft.com/office/powerpoint/2010/main" spd="slow" advClick="0">
         <p:fade/>
       </p:transition>
     </mc:Fallback>
@@ -11169,7 +12573,7 @@
 </p:sld>
 </file>
 
-<file path=ppt/slides/slide15.xml><?xml version="1.0" encoding="utf-8"?>
+<file path=ppt/slides/slide17.xml><?xml version="1.0" encoding="utf-8"?>
 <p:sld xmlns:a="http://schemas.openxmlformats.org/drawingml/2006/main" xmlns:r="http://schemas.openxmlformats.org/officeDocument/2006/relationships" xmlns:p="http://schemas.openxmlformats.org/presentationml/2006/main">
   <p:cSld>
     <p:spTree>
@@ -11214,7 +12618,7 @@
             <a:fld id="{F71DCE68-83CD-E84B-A3DE-B86BB2400F98}" type="slidenum">
               <a:rPr lang="en-US" smtClean="0"/>
               <a:pPr/>
-              <a:t>15</a:t>
+              <a:t>17</a:t>
             </a:fld>
             <a:endParaRPr lang="en-US" dirty="0"/>
           </a:p>
@@ -11530,11 +12934,7 @@
             </a:pPr>
             <a:r>
               <a:rPr lang="en-US" dirty="0" smtClean="0"/>
-              <a:t>Albert R Meyer,               </a:t>
-            </a:r>
-            <a:r>
-              <a:rPr lang="en-US" dirty="0" smtClean="0"/>
-              <a:t>May 15, 2013</a:t>
+              <a:t>Albert R Meyer,               May 15, 2013</a:t>
             </a:r>
             <a:endParaRPr lang="en-US" dirty="0"/>
           </a:p>
@@ -11584,7 +12984,7 @@
           <a:graphicData uri="http://schemas.openxmlformats.org/presentationml/2006/ole">
             <mc:AlternateContent xmlns:mc="http://schemas.openxmlformats.org/markup-compatibility/2006">
               <mc:Choice xmlns:v="urn:schemas-microsoft-com:vml" Requires="v">
-                <p:oleObj spid="_x0000_s58474" name="Equation" r:id="rId4" imgW="1028700" imgH="469900" progId="Equation.DSMT4">
+                <p:oleObj spid="_x0000_s58483" name="Equation" r:id="rId4" imgW="1028700" imgH="469900" progId="Equation.DSMT4">
                   <p:embed/>
                 </p:oleObj>
               </mc:Choice>
@@ -11654,7 +13054,7 @@
           <a:graphicData uri="http://schemas.openxmlformats.org/presentationml/2006/ole">
             <mc:AlternateContent xmlns:mc="http://schemas.openxmlformats.org/markup-compatibility/2006">
               <mc:Choice xmlns:v="urn:schemas-microsoft-com:vml" Requires="v">
-                <p:oleObj spid="_x0000_s58475" name="Equation" r:id="rId6" imgW="812800" imgH="469900" progId="Equation.DSMT4">
+                <p:oleObj spid="_x0000_s58484" name="Equation" r:id="rId6" imgW="812800" imgH="469900" progId="Equation.DSMT4">
                   <p:embed/>
                 </p:oleObj>
               </mc:Choice>
@@ -11722,14 +13122,14 @@
   <p:clrMapOvr>
     <a:masterClrMapping/>
   </p:clrMapOvr>
-  <mc:AlternateContent xmlns:mc="http://schemas.openxmlformats.org/markup-compatibility/2006" xmlns:p14="http://schemas.microsoft.com/office/powerpoint/2010/main">
-    <mc:Choice Requires="p14">
-      <p:transition spd="slow" p14:dur="800">
+  <mc:AlternateContent xmlns:mc="http://schemas.openxmlformats.org/markup-compatibility/2006">
+    <mc:Choice xmlns:p14="http://schemas.microsoft.com/office/powerpoint/2010/main" Requires="p14">
+      <p:transition spd="slow" p14:dur="800" advClick="0">
         <p:fade/>
       </p:transition>
     </mc:Choice>
-    <mc:Fallback xmlns="">
-      <p:transition xmlns:p14="http://schemas.microsoft.com/office/powerpoint/2010/main" spd="slow">
+    <mc:Fallback>
+      <p:transition xmlns:p14="http://schemas.microsoft.com/office/powerpoint/2010/main" spd="slow" advClick="0">
         <p:fade/>
       </p:transition>
     </mc:Fallback>
@@ -11995,7 +13395,7 @@
 </p:sld>
 </file>
 
-<file path=ppt/slides/slide16.xml><?xml version="1.0" encoding="utf-8"?>
+<file path=ppt/slides/slide18.xml><?xml version="1.0" encoding="utf-8"?>
 <p:sld xmlns:a="http://schemas.openxmlformats.org/drawingml/2006/main" xmlns:r="http://schemas.openxmlformats.org/officeDocument/2006/relationships" xmlns:p="http://schemas.openxmlformats.org/presentationml/2006/main">
   <p:cSld>
     <p:spTree>
@@ -12040,7 +13440,7 @@
             <a:fld id="{DAF848F9-8936-D246-AA1C-2FD33CAFBEED}" type="slidenum">
               <a:rPr lang="en-US" smtClean="0"/>
               <a:pPr/>
-              <a:t>16</a:t>
+              <a:t>18</a:t>
             </a:fld>
             <a:endParaRPr lang="en-US" dirty="0"/>
           </a:p>
@@ -12272,11 +13672,7 @@
             </a:pPr>
             <a:r>
               <a:rPr lang="en-US" dirty="0" smtClean="0"/>
-              <a:t>Albert R Meyer,               </a:t>
-            </a:r>
-            <a:r>
-              <a:rPr lang="en-US" dirty="0" smtClean="0"/>
-              <a:t>May 15, 2013</a:t>
+              <a:t>Albert R Meyer,               May 15, 2013</a:t>
             </a:r>
             <a:endParaRPr lang="en-US" dirty="0"/>
           </a:p>
@@ -12298,7 +13694,7 @@
           <a:graphicData uri="http://schemas.openxmlformats.org/presentationml/2006/ole">
             <mc:AlternateContent xmlns:mc="http://schemas.openxmlformats.org/markup-compatibility/2006">
               <mc:Choice xmlns:v="urn:schemas-microsoft-com:vml" Requires="v">
-                <p:oleObj spid="_x0000_s60576" name="Equation" r:id="rId4" imgW="812800" imgH="469900" progId="Equation.DSMT4">
+                <p:oleObj spid="_x0000_s60589" name="Equation" r:id="rId4" imgW="812800" imgH="469900" progId="Equation.DSMT4">
                   <p:embed/>
                 </p:oleObj>
               </mc:Choice>
@@ -12382,7 +13778,7 @@
           <a:graphicData uri="http://schemas.openxmlformats.org/presentationml/2006/ole">
             <mc:AlternateContent xmlns:mc="http://schemas.openxmlformats.org/markup-compatibility/2006">
               <mc:Choice xmlns:v="urn:schemas-microsoft-com:vml" Requires="v">
-                <p:oleObj spid="_x0000_s60577" name="Equation" r:id="rId6" imgW="368300" imgH="469900" progId="Equation.DSMT4">
+                <p:oleObj spid="_x0000_s60590" name="Equation" r:id="rId6" imgW="368300" imgH="469900" progId="Equation.DSMT4">
                   <p:embed/>
                 </p:oleObj>
               </mc:Choice>
@@ -12466,7 +13862,7 @@
           <a:graphicData uri="http://schemas.openxmlformats.org/presentationml/2006/ole">
             <mc:AlternateContent xmlns:mc="http://schemas.openxmlformats.org/markup-compatibility/2006">
               <mc:Choice xmlns:v="urn:schemas-microsoft-com:vml" Requires="v">
-                <p:oleObj spid="_x0000_s60578" name="Equation" r:id="rId8" imgW="571500" imgH="596900" progId="Equation.DSMT4">
+                <p:oleObj spid="_x0000_s60591" name="Equation" r:id="rId8" imgW="571500" imgH="596900" progId="Equation.DSMT4">
                   <p:embed/>
                 </p:oleObj>
               </mc:Choice>
@@ -12641,9 +14037,18 @@
   <p:clrMapOvr>
     <a:masterClrMapping/>
   </p:clrMapOvr>
-  <p:transition xmlns:p14="http://schemas.microsoft.com/office/powerpoint/2010/main" spd="med">
-    <p:fade/>
-  </p:transition>
+  <mc:AlternateContent xmlns:mc="http://schemas.openxmlformats.org/markup-compatibility/2006">
+    <mc:Choice xmlns:p14="http://schemas.microsoft.com/office/powerpoint/2010/main" Requires="p14">
+      <p:transition spd="slow" p14:dur="950" advClick="0">
+        <p:fade/>
+      </p:transition>
+    </mc:Choice>
+    <mc:Fallback>
+      <p:transition xmlns:p14="http://schemas.microsoft.com/office/powerpoint/2010/main" spd="slow" advClick="0">
+        <p:fade/>
+      </p:transition>
+    </mc:Fallback>
+  </mc:AlternateContent>
   <p:timing>
     <p:tnLst>
       <p:par>
@@ -13078,7 +14483,7 @@
 </p:sld>
 </file>
 
-<file path=ppt/slides/slide17.xml><?xml version="1.0" encoding="utf-8"?>
+<file path=ppt/slides/slide19.xml><?xml version="1.0" encoding="utf-8"?>
 <p:sld xmlns:a="http://schemas.openxmlformats.org/drawingml/2006/main" xmlns:r="http://schemas.openxmlformats.org/officeDocument/2006/relationships" xmlns:p="http://schemas.openxmlformats.org/presentationml/2006/main">
   <p:cSld>
     <p:spTree>
@@ -13123,7 +14528,7 @@
             <a:fld id="{E64F7034-A11A-0644-94AE-9DEDC6AA55D3}" type="slidenum">
               <a:rPr lang="en-US" smtClean="0"/>
               <a:pPr/>
-              <a:t>17</a:t>
+              <a:t>19</a:t>
             </a:fld>
             <a:endParaRPr lang="en-US" dirty="0"/>
           </a:p>
@@ -13553,11 +14958,7 @@
             </a:pPr>
             <a:r>
               <a:rPr lang="en-US" dirty="0" smtClean="0"/>
-              <a:t>Albert R Meyer,               </a:t>
-            </a:r>
-            <a:r>
-              <a:rPr lang="en-US" dirty="0" smtClean="0"/>
-              <a:t>May 15, 2013</a:t>
+              <a:t>Albert R Meyer,               May 15, 2013</a:t>
             </a:r>
             <a:endParaRPr lang="en-US" dirty="0"/>
           </a:p>
@@ -13568,14 +14969,14 @@
   <p:clrMapOvr>
     <a:masterClrMapping/>
   </p:clrMapOvr>
-  <mc:AlternateContent xmlns:mc="http://schemas.openxmlformats.org/markup-compatibility/2006" xmlns:p14="http://schemas.microsoft.com/office/powerpoint/2010/main">
-    <mc:Choice Requires="p14">
-      <p:transition spd="med" p14:dur="700">
+  <mc:AlternateContent xmlns:mc="http://schemas.openxmlformats.org/markup-compatibility/2006">
+    <mc:Choice xmlns:p14="http://schemas.microsoft.com/office/powerpoint/2010/main" Requires="p14">
+      <p:transition spd="slow" p14:dur="900" advClick="0">
         <p:fade/>
       </p:transition>
     </mc:Choice>
-    <mc:Fallback xmlns="">
-      <p:transition xmlns:p14="http://schemas.microsoft.com/office/powerpoint/2010/main" spd="med">
+    <mc:Fallback>
+      <p:transition xmlns:p14="http://schemas.microsoft.com/office/powerpoint/2010/main" spd="slow" advClick="0">
         <p:fade/>
       </p:transition>
     </mc:Fallback>
@@ -13723,7 +15124,7 @@
 </p:sld>
 </file>
 
-<file path=ppt/slides/slide18.xml><?xml version="1.0" encoding="utf-8"?>
+<file path=ppt/slides/slide2.xml><?xml version="1.0" encoding="utf-8"?>
 <p:sld xmlns:a="http://schemas.openxmlformats.org/drawingml/2006/main" xmlns:r="http://schemas.openxmlformats.org/officeDocument/2006/relationships" xmlns:p="http://schemas.openxmlformats.org/presentationml/2006/main">
   <p:cSld>
     <p:spTree>
@@ -13742,7 +15143,7 @@
       </p:grpSpPr>
       <p:sp>
         <p:nvSpPr>
-          <p:cNvPr id="66564" name="Slide Number Placeholder 5"/>
+          <p:cNvPr id="39940" name="Slide Number Placeholder 5"/>
           <p:cNvSpPr>
             <a:spLocks noGrp="1"/>
           </p:cNvSpPr>
@@ -13765,10 +15166,389 @@
               <a:rPr lang="en-US" dirty="0" smtClean="0"/>
               <a:t>.</a:t>
             </a:r>
+            <a:fld id="{FBA9CD94-4669-0B46-B053-A48B6134F8AC}" type="slidenum">
+              <a:rPr lang="en-US" smtClean="0"/>
+              <a:pPr/>
+              <a:t>2</a:t>
+            </a:fld>
+            <a:endParaRPr lang="en-US" dirty="0"/>
+          </a:p>
+          <a:p>
+            <a:endParaRPr lang="en-US" dirty="0"/>
+          </a:p>
+        </p:txBody>
+      </p:sp>
+      <p:sp>
+        <p:nvSpPr>
+          <p:cNvPr id="24582" name="Rectangle 3"/>
+          <p:cNvSpPr>
+            <a:spLocks noGrp="1" noChangeArrowheads="1"/>
+          </p:cNvSpPr>
+          <p:nvPr>
+            <p:ph type="body" idx="1"/>
+          </p:nvPr>
+        </p:nvSpPr>
+        <p:spPr>
+          <a:xfrm>
+            <a:off x="381000" y="1981200"/>
+            <a:ext cx="8534400" cy="2895600"/>
+          </a:xfrm>
+        </p:spPr>
+        <p:txBody>
+          <a:bodyPr/>
+          <a:lstStyle/>
+          <a:p>
+            <a:pPr eaLnBrk="1" hangingPunct="1"/>
+            <a:r>
+              <a:rPr lang="en-US" sz="5400" dirty="0" smtClean="0"/>
+              <a:t>Place </a:t>
+            </a:r>
+            <a:r>
+              <a:rPr lang="en-US" sz="5400" dirty="0">
+                <a:solidFill>
+                  <a:srgbClr val="0000FF"/>
+                </a:solidFill>
+              </a:rPr>
+              <a:t>$1</a:t>
+            </a:r>
+            <a:r>
+              <a:rPr lang="en-US" sz="5400" dirty="0"/>
+              <a:t> bets </a:t>
+            </a:r>
+            <a:r>
+              <a:rPr lang="en-US" sz="5400" dirty="0" smtClean="0"/>
+              <a:t>until </a:t>
+            </a:r>
+            <a:r>
+              <a:rPr lang="en-US" sz="5400" dirty="0"/>
+              <a:t>going broke or </a:t>
+            </a:r>
+            <a:r>
+              <a:rPr lang="en-US" sz="5400" dirty="0" smtClean="0"/>
+              <a:t>hitting target</a:t>
+            </a:r>
+          </a:p>
+          <a:p>
+            <a:pPr eaLnBrk="1" hangingPunct="1"/>
+            <a:r>
+              <a:rPr lang="en-US" sz="5400" dirty="0"/>
+              <a:t>What is </a:t>
+            </a:r>
+            <a:r>
+              <a:rPr lang="en-US" sz="5400" dirty="0" err="1" smtClean="0">
+                <a:solidFill>
+                  <a:srgbClr val="660066"/>
+                </a:solidFill>
+              </a:rPr>
+              <a:t>Pr</a:t>
+            </a:r>
+            <a:r>
+              <a:rPr lang="en-US" sz="5400" dirty="0" smtClean="0">
+                <a:solidFill>
+                  <a:srgbClr val="660066"/>
+                </a:solidFill>
+              </a:rPr>
+              <a:t>[hit target]</a:t>
+            </a:r>
+            <a:r>
+              <a:rPr lang="en-US" sz="5400" dirty="0" smtClean="0"/>
+              <a:t>?</a:t>
+            </a:r>
+            <a:r>
+              <a:rPr lang="en-US" sz="4400" dirty="0" smtClean="0"/>
+              <a:t> </a:t>
+            </a:r>
+            <a:endParaRPr lang="en-US" sz="4400" dirty="0"/>
+          </a:p>
+        </p:txBody>
+      </p:sp>
+      <p:sp>
+        <p:nvSpPr>
+          <p:cNvPr id="7" name="Rectangle 4"/>
+          <p:cNvSpPr>
+            <a:spLocks noGrp="1" noChangeArrowheads="1"/>
+          </p:cNvSpPr>
+          <p:nvPr>
+            <p:ph type="dt" sz="half" idx="2"/>
+          </p:nvPr>
+        </p:nvSpPr>
+        <p:spPr bwMode="auto">
+          <a:xfrm>
+            <a:off x="3124200" y="6629400"/>
+            <a:ext cx="2863850" cy="228600"/>
+          </a:xfrm>
+          <a:prstGeom prst="rect">
+            <a:avLst/>
+          </a:prstGeom>
+          <a:noFill/>
+          <a:ln w="9525">
+            <a:noFill/>
+            <a:miter lim="800000"/>
+            <a:headEnd/>
+            <a:tailEnd/>
+          </a:ln>
+        </p:spPr>
+        <p:txBody>
+          <a:bodyPr vert="horz" wrap="square" lIns="91440" tIns="45720" rIns="91440" bIns="45720" numCol="1" anchor="t" anchorCtr="0" compatLnSpc="1">
+            <a:prstTxWarp prst="textNoShape">
+              <a:avLst/>
+            </a:prstTxWarp>
+          </a:bodyPr>
+          <a:lstStyle>
+            <a:lvl1pPr algn="ctr" eaLnBrk="1" hangingPunct="1">
+              <a:defRPr sz="1000">
+                <a:latin typeface="Comic Sans MS" pitchFamily="-64" charset="0"/>
+                <a:ea typeface="ＭＳ Ｐゴシック" pitchFamily="-64" charset="-128"/>
+                <a:cs typeface="+mn-cs"/>
+              </a:defRPr>
+            </a:lvl1pPr>
+          </a:lstStyle>
+          <a:p>
+            <a:pPr>
+              <a:defRPr/>
+            </a:pPr>
+            <a:r>
+              <a:rPr lang="en-US" dirty="0" smtClean="0"/>
+              <a:t>Albert R Meyer,               May 15, 2013</a:t>
+            </a:r>
+            <a:endParaRPr lang="en-US" dirty="0"/>
+          </a:p>
+        </p:txBody>
+      </p:sp>
+      <p:sp>
+        <p:nvSpPr>
+          <p:cNvPr id="10" name="Rectangle 2"/>
+          <p:cNvSpPr txBox="1">
+            <a:spLocks noChangeArrowheads="1"/>
+          </p:cNvSpPr>
+          <p:nvPr/>
+        </p:nvSpPr>
+        <p:spPr bwMode="auto">
+          <a:xfrm>
+            <a:off x="990600" y="381000"/>
+            <a:ext cx="7472362" cy="1143000"/>
+          </a:xfrm>
+          <a:prstGeom prst="rect">
+            <a:avLst/>
+          </a:prstGeom>
+          <a:noFill/>
+          <a:ln w="9525">
+            <a:noFill/>
+            <a:miter lim="800000"/>
+            <a:headEnd/>
+            <a:tailEnd/>
+          </a:ln>
+        </p:spPr>
+        <p:txBody>
+          <a:bodyPr vert="horz" wrap="square" lIns="91440" tIns="45720" rIns="91440" bIns="45720" numCol="1" anchor="ctr" anchorCtr="0" compatLnSpc="1">
+            <a:prstTxWarp prst="textNoShape">
+              <a:avLst/>
+            </a:prstTxWarp>
+          </a:bodyPr>
+          <a:lstStyle/>
+          <a:p>
+            <a:pPr marL="0" marR="0" lvl="0" indent="0" algn="ctr" defTabSz="914400" rtl="0" eaLnBrk="1" fontAlgn="base" latinLnBrk="0" hangingPunct="1">
+              <a:lnSpc>
+                <a:spcPct val="100000"/>
+              </a:lnSpc>
+              <a:spcBef>
+                <a:spcPct val="0"/>
+              </a:spcBef>
+              <a:spcAft>
+                <a:spcPct val="0"/>
+              </a:spcAft>
+              <a:buClrTx/>
+              <a:buSzTx/>
+              <a:buFontTx/>
+              <a:buNone/>
+              <a:tabLst/>
+              <a:defRPr/>
+            </a:pPr>
+            <a:r>
+              <a:rPr kumimoji="0" lang="en-US" sz="4800" b="1" i="0" u="none" strike="noStrike" kern="0" cap="none" spc="0" normalizeH="0" baseline="0" noProof="0" dirty="0" smtClean="0">
+                <a:ln>
+                  <a:noFill/>
+                </a:ln>
+                <a:solidFill>
+                  <a:schemeClr val="tx2"/>
+                </a:solidFill>
+                <a:effectLst/>
+                <a:uLnTx/>
+                <a:uFillTx/>
+                <a:latin typeface="+mj-lt"/>
+                <a:ea typeface="+mj-ea"/>
+                <a:cs typeface="ＭＳ Ｐゴシック" pitchFamily="-111" charset="-128"/>
+              </a:rPr>
+              <a:t>Gambler’s Ruin</a:t>
+            </a:r>
+            <a:endParaRPr kumimoji="0" lang="en-US" sz="4800" b="1" i="0" u="none" strike="noStrike" kern="0" cap="none" spc="0" normalizeH="0" baseline="0" noProof="0" dirty="0">
+              <a:ln>
+                <a:noFill/>
+              </a:ln>
+              <a:solidFill>
+                <a:schemeClr val="tx2"/>
+              </a:solidFill>
+              <a:effectLst/>
+              <a:uLnTx/>
+              <a:uFillTx/>
+              <a:latin typeface="+mj-lt"/>
+              <a:ea typeface="+mj-ea"/>
+              <a:cs typeface="ＭＳ Ｐゴシック" pitchFamily="-111" charset="-128"/>
+            </a:endParaRPr>
+          </a:p>
+        </p:txBody>
+      </p:sp>
+    </p:spTree>
+  </p:cSld>
+  <p:clrMapOvr>
+    <a:masterClrMapping/>
+  </p:clrMapOvr>
+  <p:transition xmlns:p14="http://schemas.microsoft.com/office/powerpoint/2010/main" spd="slow" advClick="0">
+    <p:fade thruBlk="1"/>
+  </p:transition>
+  <p:timing>
+    <p:tnLst>
+      <p:par>
+        <p:cTn xmlns:p14="http://schemas.microsoft.com/office/powerpoint/2010/main" id="1" dur="indefinite" restart="never" nodeType="tmRoot">
+          <p:childTnLst>
+            <p:seq concurrent="1" nextAc="seek">
+              <p:cTn id="2" dur="indefinite" nodeType="mainSeq">
+                <p:childTnLst>
+                  <p:par>
+                    <p:cTn id="3" fill="hold">
+                      <p:stCondLst>
+                        <p:cond delay="indefinite"/>
+                      </p:stCondLst>
+                      <p:childTnLst>
+                        <p:par>
+                          <p:cTn id="4" fill="hold">
+                            <p:stCondLst>
+                              <p:cond delay="0"/>
+                            </p:stCondLst>
+                            <p:childTnLst>
+                              <p:par>
+                                <p:cTn id="5" presetID="9" presetClass="entr" presetSubtype="0" fill="hold" grpId="0" nodeType="clickEffect">
+                                  <p:stCondLst>
+                                    <p:cond delay="0"/>
+                                  </p:stCondLst>
+                                  <p:childTnLst>
+                                    <p:set>
+                                      <p:cBhvr>
+                                        <p:cTn id="6" dur="1" fill="hold">
+                                          <p:stCondLst>
+                                            <p:cond delay="0"/>
+                                          </p:stCondLst>
+                                        </p:cTn>
+                                        <p:tgtEl>
+                                          <p:spTgt spid="24582">
+                                            <p:txEl>
+                                              <p:pRg st="1" end="1"/>
+                                            </p:txEl>
+                                          </p:spTgt>
+                                        </p:tgtEl>
+                                        <p:attrNameLst>
+                                          <p:attrName>style.visibility</p:attrName>
+                                        </p:attrNameLst>
+                                      </p:cBhvr>
+                                      <p:to>
+                                        <p:strVal val="visible"/>
+                                      </p:to>
+                                    </p:set>
+                                    <p:animEffect transition="in" filter="dissolve">
+                                      <p:cBhvr>
+                                        <p:cTn id="7" dur="500"/>
+                                        <p:tgtEl>
+                                          <p:spTgt spid="24582">
+                                            <p:txEl>
+                                              <p:pRg st="1" end="1"/>
+                                            </p:txEl>
+                                          </p:spTgt>
+                                        </p:tgtEl>
+                                      </p:cBhvr>
+                                    </p:animEffect>
+                                  </p:childTnLst>
+                                </p:cTn>
+                              </p:par>
+                            </p:childTnLst>
+                          </p:cTn>
+                        </p:par>
+                      </p:childTnLst>
+                    </p:cTn>
+                  </p:par>
+                </p:childTnLst>
+              </p:cTn>
+              <p:prevCondLst>
+                <p:cond evt="onPrev" delay="0">
+                  <p:tgtEl>
+                    <p:sldTgt/>
+                  </p:tgtEl>
+                </p:cond>
+              </p:prevCondLst>
+              <p:nextCondLst>
+                <p:cond evt="onNext" delay="0">
+                  <p:tgtEl>
+                    <p:sldTgt/>
+                  </p:tgtEl>
+                </p:cond>
+              </p:nextCondLst>
+            </p:seq>
+          </p:childTnLst>
+        </p:cTn>
+      </p:par>
+    </p:tnLst>
+    <p:bldLst>
+      <p:bldP spid="24582" grpId="0" uiExpand="1" build="p"/>
+    </p:bldLst>
+  </p:timing>
+</p:sld>
+</file>
+
+<file path=ppt/slides/slide20.xml><?xml version="1.0" encoding="utf-8"?>
+<p:sld xmlns:a="http://schemas.openxmlformats.org/drawingml/2006/main" xmlns:r="http://schemas.openxmlformats.org/officeDocument/2006/relationships" xmlns:p="http://schemas.openxmlformats.org/presentationml/2006/main">
+  <p:cSld>
+    <p:spTree>
+      <p:nvGrpSpPr>
+        <p:cNvPr id="1" name=""/>
+        <p:cNvGrpSpPr/>
+        <p:nvPr/>
+      </p:nvGrpSpPr>
+      <p:grpSpPr>
+        <a:xfrm>
+          <a:off x="0" y="0"/>
+          <a:ext cx="0" cy="0"/>
+          <a:chOff x="0" y="0"/>
+          <a:chExt cx="0" cy="0"/>
+        </a:xfrm>
+      </p:grpSpPr>
+      <p:sp>
+        <p:nvSpPr>
+          <p:cNvPr id="66564" name="Slide Number Placeholder 5"/>
+          <p:cNvSpPr>
+            <a:spLocks noGrp="1"/>
+          </p:cNvSpPr>
+          <p:nvPr>
+            <p:ph type="sldNum" sz="quarter" idx="12"/>
+          </p:nvPr>
+        </p:nvSpPr>
+        <p:spPr>
+          <a:noFill/>
+        </p:spPr>
+        <p:txBody>
+          <a:bodyPr/>
+          <a:lstStyle/>
+          <a:p>
+            <a:r>
+              <a:rPr lang="en-US" dirty="0" err="1" smtClean="0"/>
+              <a:t>ruinwin</a:t>
+            </a:r>
+            <a:r>
+              <a:rPr lang="en-US" dirty="0" smtClean="0"/>
+              <a:t>.</a:t>
+            </a:r>
             <a:fld id="{4A69EEA4-35FB-7045-A76F-2B5F28C09DC4}" type="slidenum">
               <a:rPr lang="en-US" smtClean="0"/>
               <a:pPr/>
-              <a:t>18</a:t>
+              <a:t>20</a:t>
             </a:fld>
             <a:endParaRPr lang="en-US" dirty="0"/>
           </a:p>
@@ -14157,11 +15937,7 @@
             </a:pPr>
             <a:r>
               <a:rPr lang="en-US" dirty="0" smtClean="0"/>
-              <a:t>Albert R Meyer,               </a:t>
-            </a:r>
-            <a:r>
-              <a:rPr lang="en-US" dirty="0" smtClean="0"/>
-              <a:t>May 15, 2013</a:t>
+              <a:t>Albert R Meyer,               May 15, 2013</a:t>
             </a:r>
             <a:endParaRPr lang="en-US" dirty="0"/>
           </a:p>
@@ -14172,7 +15948,7 @@
   <p:clrMapOvr>
     <a:masterClrMapping/>
   </p:clrMapOvr>
-  <p:transition xmlns:p14="http://schemas.microsoft.com/office/powerpoint/2010/main" spd="slow">
+  <p:transition xmlns:p14="http://schemas.microsoft.com/office/powerpoint/2010/main" spd="slow" advClick="0">
     <p:fade/>
   </p:transition>
   <p:timing>
@@ -14318,7 +16094,7 @@
 </p:sld>
 </file>
 
-<file path=ppt/slides/slide19.xml><?xml version="1.0" encoding="utf-8"?>
+<file path=ppt/slides/slide21.xml><?xml version="1.0" encoding="utf-8"?>
 <p:sld xmlns:a="http://schemas.openxmlformats.org/drawingml/2006/main" xmlns:r="http://schemas.openxmlformats.org/officeDocument/2006/relationships" xmlns:p="http://schemas.openxmlformats.org/presentationml/2006/main">
   <p:cSld>
     <p:spTree>
@@ -14363,7 +16139,7 @@
             <a:fld id="{4A69EEA4-35FB-7045-A76F-2B5F28C09DC4}" type="slidenum">
               <a:rPr lang="en-US" smtClean="0"/>
               <a:pPr/>
-              <a:t>19</a:t>
+              <a:t>21</a:t>
             </a:fld>
             <a:endParaRPr lang="en-US" dirty="0"/>
           </a:p>
@@ -14813,11 +16589,7 @@
             </a:pPr>
             <a:r>
               <a:rPr lang="en-US" dirty="0" smtClean="0"/>
-              <a:t>Albert R Meyer,               </a:t>
-            </a:r>
-            <a:r>
-              <a:rPr lang="en-US" dirty="0" smtClean="0"/>
-              <a:t>May 15, 2013</a:t>
+              <a:t>Albert R Meyer,               May 15, 2013</a:t>
             </a:r>
             <a:endParaRPr lang="en-US" dirty="0"/>
           </a:p>
@@ -14897,7 +16669,7 @@
   <p:clrMapOvr>
     <a:masterClrMapping/>
   </p:clrMapOvr>
-  <p:transition xmlns:p14="http://schemas.microsoft.com/office/powerpoint/2010/main">
+  <p:transition xmlns:p14="http://schemas.microsoft.com/office/powerpoint/2010/main" spd="slow" advClick="0">
     <p:fade/>
   </p:transition>
   <p:timing>
@@ -15043,7 +16815,7 @@
 </p:sld>
 </file>
 
-<file path=ppt/slides/slide2.xml><?xml version="1.0" encoding="utf-8"?>
+<file path=ppt/slides/slide22.xml><?xml version="1.0" encoding="utf-8"?>
 <p:sld xmlns:a="http://schemas.openxmlformats.org/drawingml/2006/main" xmlns:r="http://schemas.openxmlformats.org/officeDocument/2006/relationships" xmlns:p="http://schemas.openxmlformats.org/presentationml/2006/main">
   <p:cSld>
     <p:spTree>
@@ -15062,7 +16834,7 @@
       </p:grpSpPr>
       <p:sp>
         <p:nvSpPr>
-          <p:cNvPr id="39940" name="Slide Number Placeholder 5"/>
+          <p:cNvPr id="70660" name="Slide Number Placeholder 5"/>
           <p:cNvSpPr>
             <a:spLocks noGrp="1"/>
           </p:cNvSpPr>
@@ -15085,393 +16857,10 @@
               <a:rPr lang="en-US" dirty="0" smtClean="0"/>
               <a:t>.</a:t>
             </a:r>
-            <a:fld id="{FBA9CD94-4669-0B46-B053-A48B6134F8AC}" type="slidenum">
-              <a:rPr lang="en-US" smtClean="0"/>
-              <a:pPr/>
-              <a:t>2</a:t>
-            </a:fld>
-            <a:endParaRPr lang="en-US" dirty="0"/>
-          </a:p>
-          <a:p>
-            <a:endParaRPr lang="en-US" dirty="0"/>
-          </a:p>
-        </p:txBody>
-      </p:sp>
-      <p:sp>
-        <p:nvSpPr>
-          <p:cNvPr id="24582" name="Rectangle 3"/>
-          <p:cNvSpPr>
-            <a:spLocks noGrp="1" noChangeArrowheads="1"/>
-          </p:cNvSpPr>
-          <p:nvPr>
-            <p:ph type="body" idx="1"/>
-          </p:nvPr>
-        </p:nvSpPr>
-        <p:spPr>
-          <a:xfrm>
-            <a:off x="381000" y="1981200"/>
-            <a:ext cx="8534400" cy="2895600"/>
-          </a:xfrm>
-        </p:spPr>
-        <p:txBody>
-          <a:bodyPr/>
-          <a:lstStyle/>
-          <a:p>
-            <a:pPr eaLnBrk="1" hangingPunct="1"/>
-            <a:r>
-              <a:rPr lang="en-US" sz="5400" dirty="0" smtClean="0"/>
-              <a:t>Place </a:t>
-            </a:r>
-            <a:r>
-              <a:rPr lang="en-US" sz="5400" dirty="0">
-                <a:solidFill>
-                  <a:srgbClr val="0000FF"/>
-                </a:solidFill>
-              </a:rPr>
-              <a:t>$1</a:t>
-            </a:r>
-            <a:r>
-              <a:rPr lang="en-US" sz="5400" dirty="0"/>
-              <a:t> bets </a:t>
-            </a:r>
-            <a:r>
-              <a:rPr lang="en-US" sz="5400" dirty="0" smtClean="0"/>
-              <a:t>until </a:t>
-            </a:r>
-            <a:r>
-              <a:rPr lang="en-US" sz="5400" dirty="0"/>
-              <a:t>going broke or </a:t>
-            </a:r>
-            <a:r>
-              <a:rPr lang="en-US" sz="5400" dirty="0" smtClean="0"/>
-              <a:t>hitting target</a:t>
-            </a:r>
-          </a:p>
-          <a:p>
-            <a:pPr eaLnBrk="1" hangingPunct="1"/>
-            <a:r>
-              <a:rPr lang="en-US" sz="5400" dirty="0"/>
-              <a:t>What is </a:t>
-            </a:r>
-            <a:r>
-              <a:rPr lang="en-US" sz="5400" dirty="0" err="1" smtClean="0">
-                <a:solidFill>
-                  <a:srgbClr val="660066"/>
-                </a:solidFill>
-              </a:rPr>
-              <a:t>Pr</a:t>
-            </a:r>
-            <a:r>
-              <a:rPr lang="en-US" sz="5400" dirty="0" smtClean="0">
-                <a:solidFill>
-                  <a:srgbClr val="660066"/>
-                </a:solidFill>
-              </a:rPr>
-              <a:t>[hit target]</a:t>
-            </a:r>
-            <a:r>
-              <a:rPr lang="en-US" sz="5400" dirty="0" smtClean="0"/>
-              <a:t>?</a:t>
-            </a:r>
-            <a:r>
-              <a:rPr lang="en-US" sz="4400" dirty="0" smtClean="0"/>
-              <a:t> </a:t>
-            </a:r>
-            <a:endParaRPr lang="en-US" sz="4400" dirty="0"/>
-          </a:p>
-        </p:txBody>
-      </p:sp>
-      <p:sp>
-        <p:nvSpPr>
-          <p:cNvPr id="7" name="Rectangle 4"/>
-          <p:cNvSpPr>
-            <a:spLocks noGrp="1" noChangeArrowheads="1"/>
-          </p:cNvSpPr>
-          <p:nvPr>
-            <p:ph type="dt" sz="half" idx="2"/>
-          </p:nvPr>
-        </p:nvSpPr>
-        <p:spPr bwMode="auto">
-          <a:xfrm>
-            <a:off x="3124200" y="6629400"/>
-            <a:ext cx="2863850" cy="228600"/>
-          </a:xfrm>
-          <a:prstGeom prst="rect">
-            <a:avLst/>
-          </a:prstGeom>
-          <a:noFill/>
-          <a:ln w="9525">
-            <a:noFill/>
-            <a:miter lim="800000"/>
-            <a:headEnd/>
-            <a:tailEnd/>
-          </a:ln>
-        </p:spPr>
-        <p:txBody>
-          <a:bodyPr vert="horz" wrap="square" lIns="91440" tIns="45720" rIns="91440" bIns="45720" numCol="1" anchor="t" anchorCtr="0" compatLnSpc="1">
-            <a:prstTxWarp prst="textNoShape">
-              <a:avLst/>
-            </a:prstTxWarp>
-          </a:bodyPr>
-          <a:lstStyle>
-            <a:lvl1pPr algn="ctr" eaLnBrk="1" hangingPunct="1">
-              <a:defRPr sz="1000">
-                <a:latin typeface="Comic Sans MS" pitchFamily="-64" charset="0"/>
-                <a:ea typeface="ＭＳ Ｐゴシック" pitchFamily="-64" charset="-128"/>
-                <a:cs typeface="+mn-cs"/>
-              </a:defRPr>
-            </a:lvl1pPr>
-          </a:lstStyle>
-          <a:p>
-            <a:pPr>
-              <a:defRPr/>
-            </a:pPr>
-            <a:r>
-              <a:rPr lang="en-US" dirty="0" smtClean="0"/>
-              <a:t>Albert R Meyer,               </a:t>
-            </a:r>
-            <a:r>
-              <a:rPr lang="en-US" dirty="0" smtClean="0"/>
-              <a:t>May 15, 2013</a:t>
-            </a:r>
-            <a:endParaRPr lang="en-US" dirty="0"/>
-          </a:p>
-        </p:txBody>
-      </p:sp>
-      <p:sp>
-        <p:nvSpPr>
-          <p:cNvPr id="10" name="Rectangle 2"/>
-          <p:cNvSpPr txBox="1">
-            <a:spLocks noChangeArrowheads="1"/>
-          </p:cNvSpPr>
-          <p:nvPr/>
-        </p:nvSpPr>
-        <p:spPr bwMode="auto">
-          <a:xfrm>
-            <a:off x="990600" y="381000"/>
-            <a:ext cx="7472362" cy="1143000"/>
-          </a:xfrm>
-          <a:prstGeom prst="rect">
-            <a:avLst/>
-          </a:prstGeom>
-          <a:noFill/>
-          <a:ln w="9525">
-            <a:noFill/>
-            <a:miter lim="800000"/>
-            <a:headEnd/>
-            <a:tailEnd/>
-          </a:ln>
-        </p:spPr>
-        <p:txBody>
-          <a:bodyPr vert="horz" wrap="square" lIns="91440" tIns="45720" rIns="91440" bIns="45720" numCol="1" anchor="ctr" anchorCtr="0" compatLnSpc="1">
-            <a:prstTxWarp prst="textNoShape">
-              <a:avLst/>
-            </a:prstTxWarp>
-          </a:bodyPr>
-          <a:lstStyle/>
-          <a:p>
-            <a:pPr marL="0" marR="0" lvl="0" indent="0" algn="ctr" defTabSz="914400" rtl="0" eaLnBrk="1" fontAlgn="base" latinLnBrk="0" hangingPunct="1">
-              <a:lnSpc>
-                <a:spcPct val="100000"/>
-              </a:lnSpc>
-              <a:spcBef>
-                <a:spcPct val="0"/>
-              </a:spcBef>
-              <a:spcAft>
-                <a:spcPct val="0"/>
-              </a:spcAft>
-              <a:buClrTx/>
-              <a:buSzTx/>
-              <a:buFontTx/>
-              <a:buNone/>
-              <a:tabLst/>
-              <a:defRPr/>
-            </a:pPr>
-            <a:r>
-              <a:rPr kumimoji="0" lang="en-US" sz="4800" b="1" i="0" u="none" strike="noStrike" kern="0" cap="none" spc="0" normalizeH="0" baseline="0" noProof="0" dirty="0" smtClean="0">
-                <a:ln>
-                  <a:noFill/>
-                </a:ln>
-                <a:solidFill>
-                  <a:schemeClr val="tx2"/>
-                </a:solidFill>
-                <a:effectLst/>
-                <a:uLnTx/>
-                <a:uFillTx/>
-                <a:latin typeface="+mj-lt"/>
-                <a:ea typeface="+mj-ea"/>
-                <a:cs typeface="ＭＳ Ｐゴシック" pitchFamily="-111" charset="-128"/>
-              </a:rPr>
-              <a:t>Gambler’s Ruin</a:t>
-            </a:r>
-            <a:endParaRPr kumimoji="0" lang="en-US" sz="4800" b="1" i="0" u="none" strike="noStrike" kern="0" cap="none" spc="0" normalizeH="0" baseline="0" noProof="0" dirty="0">
-              <a:ln>
-                <a:noFill/>
-              </a:ln>
-              <a:solidFill>
-                <a:schemeClr val="tx2"/>
-              </a:solidFill>
-              <a:effectLst/>
-              <a:uLnTx/>
-              <a:uFillTx/>
-              <a:latin typeface="+mj-lt"/>
-              <a:ea typeface="+mj-ea"/>
-              <a:cs typeface="ＭＳ Ｐゴシック" pitchFamily="-111" charset="-128"/>
-            </a:endParaRPr>
-          </a:p>
-        </p:txBody>
-      </p:sp>
-    </p:spTree>
-  </p:cSld>
-  <p:clrMapOvr>
-    <a:masterClrMapping/>
-  </p:clrMapOvr>
-  <p:transition xmlns:p14="http://schemas.microsoft.com/office/powerpoint/2010/main" spd="slow" advClick="0">
-    <p:fade thruBlk="1"/>
-  </p:transition>
-  <p:timing>
-    <p:tnLst>
-      <p:par>
-        <p:cTn xmlns:p14="http://schemas.microsoft.com/office/powerpoint/2010/main" id="1" dur="indefinite" restart="never" nodeType="tmRoot">
-          <p:childTnLst>
-            <p:seq concurrent="1" nextAc="seek">
-              <p:cTn id="2" dur="indefinite" nodeType="mainSeq">
-                <p:childTnLst>
-                  <p:par>
-                    <p:cTn id="3" fill="hold">
-                      <p:stCondLst>
-                        <p:cond delay="indefinite"/>
-                      </p:stCondLst>
-                      <p:childTnLst>
-                        <p:par>
-                          <p:cTn id="4" fill="hold">
-                            <p:stCondLst>
-                              <p:cond delay="0"/>
-                            </p:stCondLst>
-                            <p:childTnLst>
-                              <p:par>
-                                <p:cTn id="5" presetID="9" presetClass="entr" presetSubtype="0" fill="hold" grpId="0" nodeType="clickEffect">
-                                  <p:stCondLst>
-                                    <p:cond delay="0"/>
-                                  </p:stCondLst>
-                                  <p:childTnLst>
-                                    <p:set>
-                                      <p:cBhvr>
-                                        <p:cTn id="6" dur="1" fill="hold">
-                                          <p:stCondLst>
-                                            <p:cond delay="0"/>
-                                          </p:stCondLst>
-                                        </p:cTn>
-                                        <p:tgtEl>
-                                          <p:spTgt spid="24582">
-                                            <p:txEl>
-                                              <p:pRg st="1" end="1"/>
-                                            </p:txEl>
-                                          </p:spTgt>
-                                        </p:tgtEl>
-                                        <p:attrNameLst>
-                                          <p:attrName>style.visibility</p:attrName>
-                                        </p:attrNameLst>
-                                      </p:cBhvr>
-                                      <p:to>
-                                        <p:strVal val="visible"/>
-                                      </p:to>
-                                    </p:set>
-                                    <p:animEffect transition="in" filter="dissolve">
-                                      <p:cBhvr>
-                                        <p:cTn id="7" dur="500"/>
-                                        <p:tgtEl>
-                                          <p:spTgt spid="24582">
-                                            <p:txEl>
-                                              <p:pRg st="1" end="1"/>
-                                            </p:txEl>
-                                          </p:spTgt>
-                                        </p:tgtEl>
-                                      </p:cBhvr>
-                                    </p:animEffect>
-                                  </p:childTnLst>
-                                </p:cTn>
-                              </p:par>
-                            </p:childTnLst>
-                          </p:cTn>
-                        </p:par>
-                      </p:childTnLst>
-                    </p:cTn>
-                  </p:par>
-                </p:childTnLst>
-              </p:cTn>
-              <p:prevCondLst>
-                <p:cond evt="onPrev" delay="0">
-                  <p:tgtEl>
-                    <p:sldTgt/>
-                  </p:tgtEl>
-                </p:cond>
-              </p:prevCondLst>
-              <p:nextCondLst>
-                <p:cond evt="onNext" delay="0">
-                  <p:tgtEl>
-                    <p:sldTgt/>
-                  </p:tgtEl>
-                </p:cond>
-              </p:nextCondLst>
-            </p:seq>
-          </p:childTnLst>
-        </p:cTn>
-      </p:par>
-    </p:tnLst>
-    <p:bldLst>
-      <p:bldP spid="24582" grpId="0" uiExpand="1" build="p"/>
-    </p:bldLst>
-  </p:timing>
-</p:sld>
-</file>
-
-<file path=ppt/slides/slide20.xml><?xml version="1.0" encoding="utf-8"?>
-<p:sld xmlns:a="http://schemas.openxmlformats.org/drawingml/2006/main" xmlns:r="http://schemas.openxmlformats.org/officeDocument/2006/relationships" xmlns:p="http://schemas.openxmlformats.org/presentationml/2006/main">
-  <p:cSld>
-    <p:spTree>
-      <p:nvGrpSpPr>
-        <p:cNvPr id="1" name=""/>
-        <p:cNvGrpSpPr/>
-        <p:nvPr/>
-      </p:nvGrpSpPr>
-      <p:grpSpPr>
-        <a:xfrm>
-          <a:off x="0" y="0"/>
-          <a:ext cx="0" cy="0"/>
-          <a:chOff x="0" y="0"/>
-          <a:chExt cx="0" cy="0"/>
-        </a:xfrm>
-      </p:grpSpPr>
-      <p:sp>
-        <p:nvSpPr>
-          <p:cNvPr id="70660" name="Slide Number Placeholder 5"/>
-          <p:cNvSpPr>
-            <a:spLocks noGrp="1"/>
-          </p:cNvSpPr>
-          <p:nvPr>
-            <p:ph type="sldNum" sz="quarter" idx="12"/>
-          </p:nvPr>
-        </p:nvSpPr>
-        <p:spPr>
-          <a:noFill/>
-        </p:spPr>
-        <p:txBody>
-          <a:bodyPr/>
-          <a:lstStyle/>
-          <a:p>
-            <a:r>
-              <a:rPr lang="en-US" dirty="0" err="1" smtClean="0"/>
-              <a:t>ruinwin</a:t>
-            </a:r>
-            <a:r>
-              <a:rPr lang="en-US" dirty="0" smtClean="0"/>
-              <a:t>.</a:t>
-            </a:r>
             <a:fld id="{577593A4-8B7D-AB44-BAA0-E529A5D995E7}" type="slidenum">
               <a:rPr lang="en-US" smtClean="0"/>
               <a:pPr/>
-              <a:t>20</a:t>
+              <a:t>22</a:t>
             </a:fld>
             <a:endParaRPr lang="en-US" dirty="0"/>
           </a:p>
@@ -16156,11 +17545,7 @@
             </a:pPr>
             <a:r>
               <a:rPr lang="en-US" dirty="0" smtClean="0"/>
-              <a:t>Albert R Meyer,               </a:t>
-            </a:r>
-            <a:r>
-              <a:rPr lang="en-US" dirty="0" smtClean="0"/>
-              <a:t>May 15, 2013</a:t>
+              <a:t>Albert R Meyer,               May 15, 2013</a:t>
             </a:r>
             <a:endParaRPr lang="en-US" dirty="0"/>
           </a:p>
@@ -16188,7 +17573,7 @@
           <a:graphicData uri="http://schemas.openxmlformats.org/presentationml/2006/ole">
             <mc:AlternateContent xmlns:mc="http://schemas.openxmlformats.org/markup-compatibility/2006">
               <mc:Choice xmlns:v="urn:schemas-microsoft-com:vml" Requires="v">
-                <p:oleObj spid="_x0000_s68724" name="Equation" r:id="rId4" imgW="812800" imgH="469900" progId="Equation.DSMT4">
+                <p:oleObj spid="_x0000_s68733" name="Equation" r:id="rId4" imgW="812800" imgH="469900" progId="Equation.DSMT4">
                   <p:embed/>
                 </p:oleObj>
               </mc:Choice>
@@ -16253,7 +17638,7 @@
           <a:graphicData uri="http://schemas.openxmlformats.org/presentationml/2006/ole">
             <mc:AlternateContent xmlns:mc="http://schemas.openxmlformats.org/markup-compatibility/2006">
               <mc:Choice xmlns:v="urn:schemas-microsoft-com:vml" Requires="v">
-                <p:oleObj spid="_x0000_s68725" name="Equation" r:id="rId6" imgW="177800" imgH="469900" progId="Equation.DSMT4">
+                <p:oleObj spid="_x0000_s68734" name="Equation" r:id="rId6" imgW="177800" imgH="469900" progId="Equation.DSMT4">
                   <p:embed/>
                 </p:oleObj>
               </mc:Choice>
@@ -16376,18 +17761,9 @@
   <p:clrMapOvr>
     <a:masterClrMapping/>
   </p:clrMapOvr>
-  <mc:AlternateContent xmlns:mc="http://schemas.openxmlformats.org/markup-compatibility/2006" xmlns:p14="http://schemas.microsoft.com/office/powerpoint/2010/main">
-    <mc:Choice Requires="p14">
-      <p:transition spd="slow" p14:dur="800">
-        <p:fade thruBlk="1"/>
-      </p:transition>
-    </mc:Choice>
-    <mc:Fallback xmlns="">
-      <p:transition xmlns:p14="http://schemas.microsoft.com/office/powerpoint/2010/main" spd="slow">
-        <p:fade thruBlk="1"/>
-      </p:transition>
-    </mc:Fallback>
-  </mc:AlternateContent>
+  <p:transition xmlns:p14="http://schemas.microsoft.com/office/powerpoint/2010/main" spd="slow" advClick="0">
+    <p:fade thruBlk="1"/>
+  </p:transition>
   <p:timing>
     <p:tnLst>
       <p:par>
@@ -16863,1201 +18239,6 @@
 </p:sld>
 </file>
 
-<file path=ppt/slides/slide21.xml><?xml version="1.0" encoding="utf-8"?>
-<p:sld xmlns:a="http://schemas.openxmlformats.org/drawingml/2006/main" xmlns:r="http://schemas.openxmlformats.org/officeDocument/2006/relationships" xmlns:p="http://schemas.openxmlformats.org/presentationml/2006/main">
-  <p:cSld>
-    <p:spTree>
-      <p:nvGrpSpPr>
-        <p:cNvPr id="1" name=""/>
-        <p:cNvGrpSpPr/>
-        <p:nvPr/>
-      </p:nvGrpSpPr>
-      <p:grpSpPr>
-        <a:xfrm>
-          <a:off x="0" y="0"/>
-          <a:ext cx="0" cy="0"/>
-          <a:chOff x="0" y="0"/>
-          <a:chExt cx="0" cy="0"/>
-        </a:xfrm>
-      </p:grpSpPr>
-      <p:sp>
-        <p:nvSpPr>
-          <p:cNvPr id="2" name="Title 1"/>
-          <p:cNvSpPr>
-            <a:spLocks noGrp="1"/>
-          </p:cNvSpPr>
-          <p:nvPr>
-            <p:ph type="title"/>
-          </p:nvPr>
-        </p:nvSpPr>
-        <p:spPr>
-          <a:xfrm>
-            <a:off x="1219200" y="76200"/>
-            <a:ext cx="7472362" cy="1143000"/>
-          </a:xfrm>
-        </p:spPr>
-        <p:txBody>
-          <a:bodyPr/>
-          <a:lstStyle/>
-          <a:p>
-            <a:r>
-              <a:rPr lang="en-US" dirty="0" smtClean="0"/>
-              <a:t>…otherwise Gambler is ruined</a:t>
-            </a:r>
-            <a:endParaRPr lang="en-US" dirty="0"/>
-          </a:p>
-        </p:txBody>
-      </p:sp>
-      <p:sp>
-        <p:nvSpPr>
-          <p:cNvPr id="3" name="Content Placeholder 2"/>
-          <p:cNvSpPr>
-            <a:spLocks noGrp="1"/>
-          </p:cNvSpPr>
-          <p:nvPr>
-            <p:ph idx="1"/>
-          </p:nvPr>
-        </p:nvSpPr>
-        <p:spPr>
-          <a:xfrm>
-            <a:off x="152400" y="1295400"/>
-            <a:ext cx="8915400" cy="4953000"/>
-          </a:xfrm>
-        </p:spPr>
-        <p:txBody>
-          <a:bodyPr/>
-          <a:lstStyle/>
-          <a:p>
-            <a:pPr marL="0" indent="0">
-              <a:buNone/>
-            </a:pPr>
-            <a:r>
-              <a:rPr lang="en-US" sz="4400" dirty="0" smtClean="0">
-                <a:solidFill>
-                  <a:srgbClr val="660066"/>
-                </a:solidFill>
-              </a:rPr>
-              <a:t>Claim: </a:t>
-            </a:r>
-          </a:p>
-          <a:p>
-            <a:pPr marL="0" indent="0" algn="ctr">
-              <a:buNone/>
-            </a:pPr>
-            <a:r>
-              <a:rPr lang="en-US" sz="6000" dirty="0" err="1" smtClean="0">
-                <a:solidFill>
-                  <a:srgbClr val="0000FF"/>
-                </a:solidFill>
-              </a:rPr>
-              <a:t>Pr</a:t>
-            </a:r>
-            <a:r>
-              <a:rPr lang="en-US" sz="6000" dirty="0" smtClean="0">
-                <a:solidFill>
-                  <a:srgbClr val="0000FF"/>
-                </a:solidFill>
-              </a:rPr>
-              <a:t>[ruin] </a:t>
-            </a:r>
-            <a:r>
-              <a:rPr lang="en-US" sz="6000" b="1" dirty="0" smtClean="0">
-                <a:solidFill>
-                  <a:srgbClr val="0000FF"/>
-                </a:solidFill>
-                <a:latin typeface="Euclid Symbol" charset="2"/>
-                <a:cs typeface="Euclid Symbol" charset="2"/>
-              </a:rPr>
-              <a:t>=</a:t>
-            </a:r>
-            <a:r>
-              <a:rPr lang="en-US" sz="6000" dirty="0" smtClean="0">
-                <a:solidFill>
-                  <a:srgbClr val="0000FF"/>
-                </a:solidFill>
-              </a:rPr>
-              <a:t> 1 – </a:t>
-            </a:r>
-            <a:r>
-              <a:rPr lang="en-US" sz="6000" dirty="0" err="1" smtClean="0">
-                <a:solidFill>
-                  <a:srgbClr val="0000FF"/>
-                </a:solidFill>
-              </a:rPr>
-              <a:t>Pr</a:t>
-            </a:r>
-            <a:r>
-              <a:rPr lang="en-US" sz="6000" dirty="0" smtClean="0">
-                <a:solidFill>
-                  <a:srgbClr val="0000FF"/>
-                </a:solidFill>
-              </a:rPr>
-              <a:t>[win]</a:t>
-            </a:r>
-          </a:p>
-          <a:p>
-            <a:pPr marL="0" indent="0">
-              <a:buNone/>
-            </a:pPr>
-            <a:r>
-              <a:rPr lang="en-US" sz="5400" dirty="0" smtClean="0"/>
-              <a:t>so if we know one, we know</a:t>
-            </a:r>
-          </a:p>
-          <a:p>
-            <a:pPr marL="0" indent="0">
-              <a:buNone/>
-            </a:pPr>
-            <a:r>
-              <a:rPr lang="en-US" sz="5400" dirty="0" smtClean="0"/>
-              <a:t>the other.</a:t>
-            </a:r>
-            <a:endParaRPr lang="en-US" sz="5400" dirty="0"/>
-          </a:p>
-        </p:txBody>
-      </p:sp>
-      <p:sp>
-        <p:nvSpPr>
-          <p:cNvPr id="4" name="Slide Number Placeholder 3"/>
-          <p:cNvSpPr>
-            <a:spLocks noGrp="1"/>
-          </p:cNvSpPr>
-          <p:nvPr>
-            <p:ph type="sldNum" sz="quarter" idx="12"/>
-          </p:nvPr>
-        </p:nvSpPr>
-        <p:spPr/>
-        <p:txBody>
-          <a:bodyPr/>
-          <a:lstStyle/>
-          <a:p>
-            <a:pPr>
-              <a:defRPr/>
-            </a:pPr>
-            <a:r>
-              <a:rPr lang="en-US" dirty="0" err="1" smtClean="0"/>
-              <a:t>ruinwin</a:t>
-            </a:r>
-            <a:r>
-              <a:rPr lang="en-US" dirty="0" smtClean="0"/>
-              <a:t>.</a:t>
-            </a:r>
-            <a:fld id="{E877D3CB-F960-BD47-98A7-06971C504846}" type="slidenum">
-              <a:rPr lang="en-US" smtClean="0"/>
-              <a:pPr>
-                <a:defRPr/>
-              </a:pPr>
-              <a:t>21</a:t>
-            </a:fld>
-            <a:endParaRPr lang="en-US" dirty="0" smtClean="0"/>
-          </a:p>
-          <a:p>
-            <a:pPr>
-              <a:defRPr/>
-            </a:pPr>
-            <a:endParaRPr lang="en-US" dirty="0"/>
-          </a:p>
-        </p:txBody>
-      </p:sp>
-      <p:sp>
-        <p:nvSpPr>
-          <p:cNvPr id="5" name="Date Placeholder 4"/>
-          <p:cNvSpPr>
-            <a:spLocks noGrp="1"/>
-          </p:cNvSpPr>
-          <p:nvPr>
-            <p:ph type="dt" sz="half" idx="2"/>
-          </p:nvPr>
-        </p:nvSpPr>
-        <p:spPr/>
-        <p:txBody>
-          <a:bodyPr/>
-          <a:lstStyle/>
-          <a:p>
-            <a:pPr>
-              <a:defRPr/>
-            </a:pPr>
-            <a:r>
-              <a:rPr lang="en-US" dirty="0" smtClean="0"/>
-              <a:t>Albert R Meyer,                        </a:t>
-            </a:r>
-            <a:r>
-              <a:rPr lang="en-US" dirty="0" smtClean="0"/>
-              <a:t>May 15, 2013</a:t>
-            </a:r>
-            <a:endParaRPr lang="en-US" dirty="0"/>
-          </a:p>
-        </p:txBody>
-      </p:sp>
-    </p:spTree>
-    <p:extLst>
-      <p:ext uri="{BB962C8B-B14F-4D97-AF65-F5344CB8AC3E}">
-        <p14:creationId xmlns:p14="http://schemas.microsoft.com/office/powerpoint/2010/main" val="2818031863"/>
-      </p:ext>
-    </p:extLst>
-  </p:cSld>
-  <p:clrMapOvr>
-    <a:masterClrMapping/>
-  </p:clrMapOvr>
-  <mc:AlternateContent xmlns:mc="http://schemas.openxmlformats.org/markup-compatibility/2006" xmlns:p14="http://schemas.microsoft.com/office/powerpoint/2010/main">
-    <mc:Choice Requires="p14">
-      <p:transition spd="med" p14:dur="700" advClick="0">
-        <p:fade/>
-      </p:transition>
-    </mc:Choice>
-    <mc:Fallback xmlns="">
-      <p:transition xmlns:p14="http://schemas.microsoft.com/office/powerpoint/2010/main" spd="med" advClick="0">
-        <p:fade/>
-      </p:transition>
-    </mc:Fallback>
-  </mc:AlternateContent>
-  <p:timing>
-    <p:tnLst>
-      <p:par>
-        <p:cTn xmlns:p14="http://schemas.microsoft.com/office/powerpoint/2010/main" id="1" dur="indefinite" restart="never" nodeType="tmRoot">
-          <p:childTnLst>
-            <p:seq concurrent="1" nextAc="seek">
-              <p:cTn id="2" dur="indefinite" nodeType="mainSeq">
-                <p:childTnLst>
-                  <p:par>
-                    <p:cTn id="3" fill="hold">
-                      <p:stCondLst>
-                        <p:cond delay="indefinite"/>
-                      </p:stCondLst>
-                      <p:childTnLst>
-                        <p:par>
-                          <p:cTn id="4" fill="hold">
-                            <p:stCondLst>
-                              <p:cond delay="0"/>
-                            </p:stCondLst>
-                            <p:childTnLst>
-                              <p:par>
-                                <p:cTn id="5" presetID="10" presetClass="entr" presetSubtype="0" fill="hold" nodeType="clickEffect">
-                                  <p:stCondLst>
-                                    <p:cond delay="0"/>
-                                  </p:stCondLst>
-                                  <p:childTnLst>
-                                    <p:set>
-                                      <p:cBhvr>
-                                        <p:cTn id="6" dur="1" fill="hold">
-                                          <p:stCondLst>
-                                            <p:cond delay="0"/>
-                                          </p:stCondLst>
-                                        </p:cTn>
-                                        <p:tgtEl>
-                                          <p:spTgt spid="3">
-                                            <p:txEl>
-                                              <p:pRg st="0" end="0"/>
-                                            </p:txEl>
-                                          </p:spTgt>
-                                        </p:tgtEl>
-                                        <p:attrNameLst>
-                                          <p:attrName>style.visibility</p:attrName>
-                                        </p:attrNameLst>
-                                      </p:cBhvr>
-                                      <p:to>
-                                        <p:strVal val="visible"/>
-                                      </p:to>
-                                    </p:set>
-                                    <p:animEffect transition="in" filter="fade">
-                                      <p:cBhvr>
-                                        <p:cTn id="7" dur="500"/>
-                                        <p:tgtEl>
-                                          <p:spTgt spid="3">
-                                            <p:txEl>
-                                              <p:pRg st="0" end="0"/>
-                                            </p:txEl>
-                                          </p:spTgt>
-                                        </p:tgtEl>
-                                      </p:cBhvr>
-                                    </p:animEffect>
-                                  </p:childTnLst>
-                                </p:cTn>
-                              </p:par>
-                            </p:childTnLst>
-                          </p:cTn>
-                        </p:par>
-                        <p:par>
-                          <p:cTn id="8" fill="hold">
-                            <p:stCondLst>
-                              <p:cond delay="500"/>
-                            </p:stCondLst>
-                            <p:childTnLst>
-                              <p:par>
-                                <p:cTn id="9" presetID="22" presetClass="entr" presetSubtype="8" fill="hold" nodeType="afterEffect">
-                                  <p:stCondLst>
-                                    <p:cond delay="0"/>
-                                  </p:stCondLst>
-                                  <p:childTnLst>
-                                    <p:set>
-                                      <p:cBhvr>
-                                        <p:cTn id="10" dur="1" fill="hold">
-                                          <p:stCondLst>
-                                            <p:cond delay="0"/>
-                                          </p:stCondLst>
-                                        </p:cTn>
-                                        <p:tgtEl>
-                                          <p:spTgt spid="3">
-                                            <p:txEl>
-                                              <p:pRg st="1" end="1"/>
-                                            </p:txEl>
-                                          </p:spTgt>
-                                        </p:tgtEl>
-                                        <p:attrNameLst>
-                                          <p:attrName>style.visibility</p:attrName>
-                                        </p:attrNameLst>
-                                      </p:cBhvr>
-                                      <p:to>
-                                        <p:strVal val="visible"/>
-                                      </p:to>
-                                    </p:set>
-                                    <p:animEffect transition="in" filter="wipe(left)">
-                                      <p:cBhvr>
-                                        <p:cTn id="11" dur="1000"/>
-                                        <p:tgtEl>
-                                          <p:spTgt spid="3">
-                                            <p:txEl>
-                                              <p:pRg st="1" end="1"/>
-                                            </p:txEl>
-                                          </p:spTgt>
-                                        </p:tgtEl>
-                                      </p:cBhvr>
-                                    </p:animEffect>
-                                  </p:childTnLst>
-                                </p:cTn>
-                              </p:par>
-                            </p:childTnLst>
-                          </p:cTn>
-                        </p:par>
-                      </p:childTnLst>
-                    </p:cTn>
-                  </p:par>
-                  <p:par>
-                    <p:cTn id="12" fill="hold">
-                      <p:stCondLst>
-                        <p:cond delay="indefinite"/>
-                      </p:stCondLst>
-                      <p:childTnLst>
-                        <p:par>
-                          <p:cTn id="13" fill="hold">
-                            <p:stCondLst>
-                              <p:cond delay="0"/>
-                            </p:stCondLst>
-                            <p:childTnLst>
-                              <p:par>
-                                <p:cTn id="14" presetID="10" presetClass="entr" presetSubtype="0" fill="hold" nodeType="clickEffect">
-                                  <p:stCondLst>
-                                    <p:cond delay="0"/>
-                                  </p:stCondLst>
-                                  <p:childTnLst>
-                                    <p:set>
-                                      <p:cBhvr>
-                                        <p:cTn id="15" dur="1" fill="hold">
-                                          <p:stCondLst>
-                                            <p:cond delay="0"/>
-                                          </p:stCondLst>
-                                        </p:cTn>
-                                        <p:tgtEl>
-                                          <p:spTgt spid="3">
-                                            <p:txEl>
-                                              <p:pRg st="2" end="2"/>
-                                            </p:txEl>
-                                          </p:spTgt>
-                                        </p:tgtEl>
-                                        <p:attrNameLst>
-                                          <p:attrName>style.visibility</p:attrName>
-                                        </p:attrNameLst>
-                                      </p:cBhvr>
-                                      <p:to>
-                                        <p:strVal val="visible"/>
-                                      </p:to>
-                                    </p:set>
-                                    <p:animEffect transition="in" filter="fade">
-                                      <p:cBhvr>
-                                        <p:cTn id="16" dur="500"/>
-                                        <p:tgtEl>
-                                          <p:spTgt spid="3">
-                                            <p:txEl>
-                                              <p:pRg st="2" end="2"/>
-                                            </p:txEl>
-                                          </p:spTgt>
-                                        </p:tgtEl>
-                                      </p:cBhvr>
-                                    </p:animEffect>
-                                  </p:childTnLst>
-                                </p:cTn>
-                              </p:par>
-                              <p:par>
-                                <p:cTn id="17" presetID="10" presetClass="entr" presetSubtype="0" fill="hold" nodeType="withEffect">
-                                  <p:stCondLst>
-                                    <p:cond delay="0"/>
-                                  </p:stCondLst>
-                                  <p:childTnLst>
-                                    <p:set>
-                                      <p:cBhvr>
-                                        <p:cTn id="18" dur="1" fill="hold">
-                                          <p:stCondLst>
-                                            <p:cond delay="0"/>
-                                          </p:stCondLst>
-                                        </p:cTn>
-                                        <p:tgtEl>
-                                          <p:spTgt spid="3">
-                                            <p:txEl>
-                                              <p:pRg st="3" end="3"/>
-                                            </p:txEl>
-                                          </p:spTgt>
-                                        </p:tgtEl>
-                                        <p:attrNameLst>
-                                          <p:attrName>style.visibility</p:attrName>
-                                        </p:attrNameLst>
-                                      </p:cBhvr>
-                                      <p:to>
-                                        <p:strVal val="visible"/>
-                                      </p:to>
-                                    </p:set>
-                                    <p:animEffect transition="in" filter="fade">
-                                      <p:cBhvr>
-                                        <p:cTn id="19" dur="500"/>
-                                        <p:tgtEl>
-                                          <p:spTgt spid="3">
-                                            <p:txEl>
-                                              <p:pRg st="3" end="3"/>
-                                            </p:txEl>
-                                          </p:spTgt>
-                                        </p:tgtEl>
-                                      </p:cBhvr>
-                                    </p:animEffect>
-                                  </p:childTnLst>
-                                </p:cTn>
-                              </p:par>
-                            </p:childTnLst>
-                          </p:cTn>
-                        </p:par>
-                      </p:childTnLst>
-                    </p:cTn>
-                  </p:par>
-                </p:childTnLst>
-              </p:cTn>
-              <p:prevCondLst>
-                <p:cond evt="onPrev" delay="0">
-                  <p:tgtEl>
-                    <p:sldTgt/>
-                  </p:tgtEl>
-                </p:cond>
-              </p:prevCondLst>
-              <p:nextCondLst>
-                <p:cond evt="onNext" delay="0">
-                  <p:tgtEl>
-                    <p:sldTgt/>
-                  </p:tgtEl>
-                </p:cond>
-              </p:nextCondLst>
-            </p:seq>
-          </p:childTnLst>
-        </p:cTn>
-      </p:par>
-    </p:tnLst>
-  </p:timing>
-</p:sld>
-</file>
-
-<file path=ppt/slides/slide22.xml><?xml version="1.0" encoding="utf-8"?>
-<p:sld xmlns:a="http://schemas.openxmlformats.org/drawingml/2006/main" xmlns:r="http://schemas.openxmlformats.org/officeDocument/2006/relationships" xmlns:p="http://schemas.openxmlformats.org/presentationml/2006/main">
-  <p:cSld>
-    <p:spTree>
-      <p:nvGrpSpPr>
-        <p:cNvPr id="1" name=""/>
-        <p:cNvGrpSpPr/>
-        <p:nvPr/>
-      </p:nvGrpSpPr>
-      <p:grpSpPr>
-        <a:xfrm>
-          <a:off x="0" y="0"/>
-          <a:ext cx="0" cy="0"/>
-          <a:chOff x="0" y="0"/>
-          <a:chExt cx="0" cy="0"/>
-        </a:xfrm>
-      </p:grpSpPr>
-      <p:sp>
-        <p:nvSpPr>
-          <p:cNvPr id="3" name="Content Placeholder 2"/>
-          <p:cNvSpPr>
-            <a:spLocks noGrp="1"/>
-          </p:cNvSpPr>
-          <p:nvPr>
-            <p:ph idx="1"/>
-          </p:nvPr>
-        </p:nvSpPr>
-        <p:spPr>
-          <a:xfrm>
-            <a:off x="152400" y="1295400"/>
-            <a:ext cx="8915400" cy="4953000"/>
-          </a:xfrm>
-        </p:spPr>
-        <p:txBody>
-          <a:bodyPr/>
-          <a:lstStyle/>
-          <a:p>
-            <a:pPr marL="0" indent="0">
-              <a:buNone/>
-            </a:pPr>
-            <a:r>
-              <a:rPr lang="en-US" sz="4800" dirty="0" smtClean="0">
-                <a:solidFill>
-                  <a:schemeClr val="tx2"/>
-                </a:solidFill>
-              </a:rPr>
-              <a:t>because </a:t>
-            </a:r>
-            <a:r>
-              <a:rPr lang="en-US" sz="4800" dirty="0" err="1" smtClean="0"/>
-              <a:t>Pr</a:t>
-            </a:r>
-            <a:r>
-              <a:rPr lang="en-US" sz="4800" dirty="0" smtClean="0"/>
-              <a:t>[</a:t>
-            </a:r>
-            <a:r>
-              <a:rPr lang="en-US" sz="4800" dirty="0" smtClean="0">
-                <a:solidFill>
-                  <a:srgbClr val="660066"/>
-                </a:solidFill>
-              </a:rPr>
-              <a:t>play </a:t>
-            </a:r>
-            <a:r>
-              <a:rPr lang="en-US" sz="4800" dirty="0">
-                <a:solidFill>
-                  <a:srgbClr val="660066"/>
-                </a:solidFill>
-              </a:rPr>
-              <a:t>forever</a:t>
-            </a:r>
-            <a:r>
-              <a:rPr lang="en-US" sz="4800" dirty="0"/>
-              <a:t>] </a:t>
-            </a:r>
-            <a:r>
-              <a:rPr lang="en-US" sz="4800" b="1" dirty="0">
-                <a:solidFill>
-                  <a:srgbClr val="0000FF"/>
-                </a:solidFill>
-                <a:latin typeface="Euclid Symbol" charset="2"/>
-                <a:cs typeface="Euclid Symbol" charset="2"/>
-              </a:rPr>
-              <a:t>=</a:t>
-            </a:r>
-            <a:r>
-              <a:rPr lang="en-US" sz="4800" dirty="0"/>
-              <a:t> </a:t>
-            </a:r>
-            <a:r>
-              <a:rPr lang="en-US" sz="4800" dirty="0" smtClean="0">
-                <a:solidFill>
-                  <a:srgbClr val="0000FF"/>
-                </a:solidFill>
-              </a:rPr>
-              <a:t>0 </a:t>
-            </a:r>
-            <a:r>
-              <a:rPr lang="en-US" sz="4800" dirty="0" smtClean="0">
-                <a:solidFill>
-                  <a:srgbClr val="000000"/>
-                </a:solidFill>
-              </a:rPr>
-              <a:t>:</a:t>
-            </a:r>
-          </a:p>
-          <a:p>
-            <a:pPr marL="0" indent="0">
-              <a:buNone/>
-            </a:pPr>
-            <a:r>
-              <a:rPr lang="en-US" sz="5400" dirty="0" smtClean="0"/>
-              <a:t>with any stake</a:t>
-            </a:r>
-          </a:p>
-          <a:p>
-            <a:pPr marL="0" indent="0" algn="ctr">
-              <a:buNone/>
-            </a:pPr>
-            <a:r>
-              <a:rPr lang="en-US" sz="5400" dirty="0" err="1" smtClean="0"/>
-              <a:t>Pr</a:t>
-            </a:r>
-            <a:r>
-              <a:rPr lang="en-US" sz="5400" dirty="0" smtClean="0"/>
-              <a:t>[ends in </a:t>
-            </a:r>
-            <a:r>
-              <a:rPr lang="en-US" sz="5400" b="1" dirty="0" smtClean="0">
-                <a:solidFill>
-                  <a:srgbClr val="0000FF"/>
-                </a:solidFill>
-                <a:latin typeface="Euclid Symbol" charset="2"/>
-                <a:cs typeface="Euclid Symbol" charset="2"/>
-              </a:rPr>
-              <a:t>&lt;</a:t>
-            </a:r>
-            <a:r>
-              <a:rPr lang="en-US" sz="5400" dirty="0" smtClean="0"/>
-              <a:t> </a:t>
-            </a:r>
-            <a:r>
-              <a:rPr lang="en-US" sz="5400" dirty="0">
-                <a:solidFill>
-                  <a:srgbClr val="0000FF"/>
-                </a:solidFill>
-              </a:rPr>
-              <a:t>T</a:t>
-            </a:r>
-            <a:r>
-              <a:rPr lang="en-US" sz="5400" dirty="0"/>
-              <a:t> bets]</a:t>
-            </a:r>
-            <a:r>
-              <a:rPr lang="en-US" sz="5400" dirty="0">
-                <a:solidFill>
-                  <a:srgbClr val="0000FF"/>
-                </a:solidFill>
-              </a:rPr>
-              <a:t> </a:t>
-            </a:r>
-            <a:r>
-              <a:rPr lang="en-US" sz="5400" b="1" dirty="0" smtClean="0">
-                <a:solidFill>
-                  <a:srgbClr val="0000FF"/>
-                </a:solidFill>
-                <a:latin typeface="Euclid Symbol" charset="2"/>
-                <a:cs typeface="Euclid Symbol" charset="2"/>
-              </a:rPr>
-              <a:t>&gt;</a:t>
-            </a:r>
-            <a:r>
-              <a:rPr lang="en-US" sz="5400" dirty="0" smtClean="0">
-                <a:solidFill>
-                  <a:srgbClr val="0000FF"/>
-                </a:solidFill>
-              </a:rPr>
-              <a:t> </a:t>
-            </a:r>
-            <a:r>
-              <a:rPr lang="en-US" sz="5400" dirty="0" err="1" smtClean="0">
-                <a:solidFill>
-                  <a:srgbClr val="0000FF"/>
-                </a:solidFill>
-              </a:rPr>
-              <a:t>ɛ</a:t>
-            </a:r>
-            <a:endParaRPr lang="en-US" sz="5400" dirty="0" smtClean="0">
-              <a:solidFill>
-                <a:srgbClr val="0000FF"/>
-              </a:solidFill>
-            </a:endParaRPr>
-          </a:p>
-          <a:p>
-            <a:pPr marL="0" indent="0">
-              <a:buNone/>
-            </a:pPr>
-            <a:r>
-              <a:rPr lang="en-US" sz="5400" dirty="0" smtClean="0"/>
-              <a:t>so</a:t>
-            </a:r>
-          </a:p>
-          <a:p>
-            <a:pPr marL="0" indent="0" algn="ctr">
-              <a:buNone/>
-            </a:pPr>
-            <a:r>
-              <a:rPr lang="en-US" sz="5400" dirty="0" err="1"/>
-              <a:t>Pr</a:t>
-            </a:r>
-            <a:r>
-              <a:rPr lang="en-US" sz="5400" dirty="0" smtClean="0"/>
-              <a:t>[</a:t>
-            </a:r>
-            <a:r>
-              <a:rPr lang="en-US" sz="5400" b="1" dirty="0" smtClean="0">
-                <a:solidFill>
-                  <a:srgbClr val="0000FF"/>
-                </a:solidFill>
-                <a:latin typeface="Euclid Symbol" charset="2"/>
-                <a:cs typeface="Euclid Symbol" charset="2"/>
-              </a:rPr>
-              <a:t>≥</a:t>
-            </a:r>
-            <a:r>
-              <a:rPr lang="en-US" sz="5400" dirty="0" smtClean="0"/>
-              <a:t> </a:t>
-            </a:r>
-            <a:r>
-              <a:rPr lang="en-US" sz="5400" dirty="0" err="1" smtClean="0">
-                <a:solidFill>
-                  <a:srgbClr val="0000FF"/>
-                </a:solidFill>
-              </a:rPr>
-              <a:t>kT</a:t>
-            </a:r>
-            <a:r>
-              <a:rPr lang="en-US" sz="5400" dirty="0" smtClean="0"/>
-              <a:t> </a:t>
-            </a:r>
-            <a:r>
-              <a:rPr lang="en-US" sz="5400" dirty="0"/>
-              <a:t>bets]</a:t>
-            </a:r>
-            <a:r>
-              <a:rPr lang="en-US" sz="5400" dirty="0">
-                <a:solidFill>
-                  <a:srgbClr val="0000FF"/>
-                </a:solidFill>
-              </a:rPr>
-              <a:t> </a:t>
-            </a:r>
-            <a:r>
-              <a:rPr lang="en-US" sz="5400" b="1" dirty="0" smtClean="0">
-                <a:solidFill>
-                  <a:srgbClr val="0000FF"/>
-                </a:solidFill>
-                <a:latin typeface="Euclid Symbol" charset="2"/>
-                <a:cs typeface="Euclid Symbol" charset="2"/>
-              </a:rPr>
-              <a:t>&lt; </a:t>
-            </a:r>
-            <a:r>
-              <a:rPr lang="en-US" sz="5400" dirty="0" smtClean="0">
-                <a:solidFill>
-                  <a:srgbClr val="0000FF"/>
-                </a:solidFill>
-                <a:latin typeface="Comic Sans MS"/>
-                <a:cs typeface="Comic Sans MS"/>
-              </a:rPr>
-              <a:t>(1-ɛ)</a:t>
-            </a:r>
-            <a:r>
-              <a:rPr lang="en-US" sz="5400" baseline="30000" dirty="0" smtClean="0">
-                <a:solidFill>
-                  <a:srgbClr val="0000FF"/>
-                </a:solidFill>
-                <a:latin typeface="Comic Sans MS"/>
-                <a:cs typeface="Comic Sans MS"/>
-              </a:rPr>
-              <a:t>k</a:t>
-            </a:r>
-            <a:endParaRPr lang="en-US" sz="5400" baseline="30000" dirty="0">
-              <a:solidFill>
-                <a:srgbClr val="0000FF"/>
-              </a:solidFill>
-              <a:latin typeface="Comic Sans MS"/>
-              <a:cs typeface="Comic Sans MS"/>
-            </a:endParaRPr>
-          </a:p>
-          <a:p>
-            <a:pPr marL="0" indent="0" algn="ctr">
-              <a:buNone/>
-            </a:pPr>
-            <a:endParaRPr lang="en-US" sz="4800" dirty="0">
-              <a:solidFill>
-                <a:srgbClr val="0000FF"/>
-              </a:solidFill>
-            </a:endParaRPr>
-          </a:p>
-        </p:txBody>
-      </p:sp>
-      <p:sp>
-        <p:nvSpPr>
-          <p:cNvPr id="4" name="Slide Number Placeholder 3"/>
-          <p:cNvSpPr>
-            <a:spLocks noGrp="1"/>
-          </p:cNvSpPr>
-          <p:nvPr>
-            <p:ph type="sldNum" sz="quarter" idx="12"/>
-          </p:nvPr>
-        </p:nvSpPr>
-        <p:spPr/>
-        <p:txBody>
-          <a:bodyPr/>
-          <a:lstStyle/>
-          <a:p>
-            <a:pPr>
-              <a:defRPr/>
-            </a:pPr>
-            <a:r>
-              <a:rPr lang="en-US" dirty="0" err="1" smtClean="0"/>
-              <a:t>ruinwin</a:t>
-            </a:r>
-            <a:r>
-              <a:rPr lang="en-US" dirty="0" smtClean="0"/>
-              <a:t>.</a:t>
-            </a:r>
-            <a:fld id="{E877D3CB-F960-BD47-98A7-06971C504846}" type="slidenum">
-              <a:rPr lang="en-US" smtClean="0"/>
-              <a:pPr>
-                <a:defRPr/>
-              </a:pPr>
-              <a:t>22</a:t>
-            </a:fld>
-            <a:endParaRPr lang="en-US" dirty="0" smtClean="0"/>
-          </a:p>
-          <a:p>
-            <a:pPr>
-              <a:defRPr/>
-            </a:pPr>
-            <a:endParaRPr lang="en-US" dirty="0"/>
-          </a:p>
-        </p:txBody>
-      </p:sp>
-      <p:sp>
-        <p:nvSpPr>
-          <p:cNvPr id="5" name="Date Placeholder 4"/>
-          <p:cNvSpPr>
-            <a:spLocks noGrp="1"/>
-          </p:cNvSpPr>
-          <p:nvPr>
-            <p:ph type="dt" sz="half" idx="2"/>
-          </p:nvPr>
-        </p:nvSpPr>
-        <p:spPr/>
-        <p:txBody>
-          <a:bodyPr/>
-          <a:lstStyle/>
-          <a:p>
-            <a:pPr>
-              <a:defRPr/>
-            </a:pPr>
-            <a:r>
-              <a:rPr lang="en-US" dirty="0" smtClean="0"/>
-              <a:t>Albert R Meyer,                        </a:t>
-            </a:r>
-            <a:r>
-              <a:rPr lang="en-US" dirty="0" smtClean="0"/>
-              <a:t>May 15, 2013</a:t>
-            </a:r>
-            <a:endParaRPr lang="en-US" dirty="0"/>
-          </a:p>
-        </p:txBody>
-      </p:sp>
-      <p:sp>
-        <p:nvSpPr>
-          <p:cNvPr id="7" name="Title 1"/>
-          <p:cNvSpPr>
-            <a:spLocks noGrp="1"/>
-          </p:cNvSpPr>
-          <p:nvPr>
-            <p:ph type="title"/>
-          </p:nvPr>
-        </p:nvSpPr>
-        <p:spPr>
-          <a:xfrm>
-            <a:off x="1219200" y="76200"/>
-            <a:ext cx="7472362" cy="1143000"/>
-          </a:xfrm>
-        </p:spPr>
-        <p:txBody>
-          <a:bodyPr/>
-          <a:lstStyle/>
-          <a:p>
-            <a:r>
-              <a:rPr lang="en-US" dirty="0" smtClean="0"/>
-              <a:t>…otherwise Gambler is ruined</a:t>
-            </a:r>
-            <a:endParaRPr lang="en-US" dirty="0"/>
-          </a:p>
-        </p:txBody>
-      </p:sp>
-    </p:spTree>
-    <p:extLst>
-      <p:ext uri="{BB962C8B-B14F-4D97-AF65-F5344CB8AC3E}">
-        <p14:creationId xmlns:p14="http://schemas.microsoft.com/office/powerpoint/2010/main" val="4067731354"/>
-      </p:ext>
-    </p:extLst>
-  </p:cSld>
-  <p:clrMapOvr>
-    <a:masterClrMapping/>
-  </p:clrMapOvr>
-  <mc:AlternateContent xmlns:mc="http://schemas.openxmlformats.org/markup-compatibility/2006" xmlns:p14="http://schemas.microsoft.com/office/powerpoint/2010/main">
-    <mc:Choice Requires="p14">
-      <p:transition spd="med" p14:dur="700" advClick="0">
-        <p:fade/>
-      </p:transition>
-    </mc:Choice>
-    <mc:Fallback xmlns="">
-      <p:transition xmlns:p14="http://schemas.microsoft.com/office/powerpoint/2010/main" spd="med" advClick="0">
-        <p:fade/>
-      </p:transition>
-    </mc:Fallback>
-  </mc:AlternateContent>
-  <p:timing>
-    <p:tnLst>
-      <p:par>
-        <p:cTn xmlns:p14="http://schemas.microsoft.com/office/powerpoint/2010/main" id="1" dur="indefinite" restart="never" nodeType="tmRoot">
-          <p:childTnLst>
-            <p:seq concurrent="1" nextAc="seek">
-              <p:cTn id="2" dur="indefinite" nodeType="mainSeq">
-                <p:childTnLst>
-                  <p:par>
-                    <p:cTn id="3" fill="hold">
-                      <p:stCondLst>
-                        <p:cond delay="indefinite"/>
-                      </p:stCondLst>
-                      <p:childTnLst>
-                        <p:par>
-                          <p:cTn id="4" fill="hold">
-                            <p:stCondLst>
-                              <p:cond delay="0"/>
-                            </p:stCondLst>
-                            <p:childTnLst>
-                              <p:par>
-                                <p:cTn id="5" presetID="10" presetClass="entr" presetSubtype="0" fill="hold" nodeType="clickEffect">
-                                  <p:stCondLst>
-                                    <p:cond delay="0"/>
-                                  </p:stCondLst>
-                                  <p:childTnLst>
-                                    <p:set>
-                                      <p:cBhvr>
-                                        <p:cTn id="6" dur="1" fill="hold">
-                                          <p:stCondLst>
-                                            <p:cond delay="0"/>
-                                          </p:stCondLst>
-                                        </p:cTn>
-                                        <p:tgtEl>
-                                          <p:spTgt spid="3">
-                                            <p:txEl>
-                                              <p:pRg st="1" end="1"/>
-                                            </p:txEl>
-                                          </p:spTgt>
-                                        </p:tgtEl>
-                                        <p:attrNameLst>
-                                          <p:attrName>style.visibility</p:attrName>
-                                        </p:attrNameLst>
-                                      </p:cBhvr>
-                                      <p:to>
-                                        <p:strVal val="visible"/>
-                                      </p:to>
-                                    </p:set>
-                                    <p:animEffect transition="in" filter="fade">
-                                      <p:cBhvr>
-                                        <p:cTn id="7" dur="500"/>
-                                        <p:tgtEl>
-                                          <p:spTgt spid="3">
-                                            <p:txEl>
-                                              <p:pRg st="1" end="1"/>
-                                            </p:txEl>
-                                          </p:spTgt>
-                                        </p:tgtEl>
-                                      </p:cBhvr>
-                                    </p:animEffect>
-                                  </p:childTnLst>
-                                </p:cTn>
-                              </p:par>
-                            </p:childTnLst>
-                          </p:cTn>
-                        </p:par>
-                      </p:childTnLst>
-                    </p:cTn>
-                  </p:par>
-                  <p:par>
-                    <p:cTn id="8" fill="hold">
-                      <p:stCondLst>
-                        <p:cond delay="indefinite"/>
-                      </p:stCondLst>
-                      <p:childTnLst>
-                        <p:par>
-                          <p:cTn id="9" fill="hold">
-                            <p:stCondLst>
-                              <p:cond delay="0"/>
-                            </p:stCondLst>
-                            <p:childTnLst>
-                              <p:par>
-                                <p:cTn id="10" presetID="22" presetClass="entr" presetSubtype="8" fill="hold" grpId="0" nodeType="clickEffect">
-                                  <p:stCondLst>
-                                    <p:cond delay="0"/>
-                                  </p:stCondLst>
-                                  <p:childTnLst>
-                                    <p:set>
-                                      <p:cBhvr>
-                                        <p:cTn id="11" dur="1" fill="hold">
-                                          <p:stCondLst>
-                                            <p:cond delay="0"/>
-                                          </p:stCondLst>
-                                        </p:cTn>
-                                        <p:tgtEl>
-                                          <p:spTgt spid="3">
-                                            <p:txEl>
-                                              <p:pRg st="2" end="2"/>
-                                            </p:txEl>
-                                          </p:spTgt>
-                                        </p:tgtEl>
-                                        <p:attrNameLst>
-                                          <p:attrName>style.visibility</p:attrName>
-                                        </p:attrNameLst>
-                                      </p:cBhvr>
-                                      <p:to>
-                                        <p:strVal val="visible"/>
-                                      </p:to>
-                                    </p:set>
-                                    <p:animEffect transition="in" filter="wipe(left)">
-                                      <p:cBhvr>
-                                        <p:cTn id="12" dur="1000"/>
-                                        <p:tgtEl>
-                                          <p:spTgt spid="3">
-                                            <p:txEl>
-                                              <p:pRg st="2" end="2"/>
-                                            </p:txEl>
-                                          </p:spTgt>
-                                        </p:tgtEl>
-                                      </p:cBhvr>
-                                    </p:animEffect>
-                                  </p:childTnLst>
-                                </p:cTn>
-                              </p:par>
-                            </p:childTnLst>
-                          </p:cTn>
-                        </p:par>
-                      </p:childTnLst>
-                    </p:cTn>
-                  </p:par>
-                  <p:par>
-                    <p:cTn id="13" fill="hold">
-                      <p:stCondLst>
-                        <p:cond delay="indefinite"/>
-                      </p:stCondLst>
-                      <p:childTnLst>
-                        <p:par>
-                          <p:cTn id="14" fill="hold">
-                            <p:stCondLst>
-                              <p:cond delay="0"/>
-                            </p:stCondLst>
-                            <p:childTnLst>
-                              <p:par>
-                                <p:cTn id="15" presetID="10" presetClass="entr" presetSubtype="0" fill="hold" grpId="0" nodeType="clickEffect">
-                                  <p:stCondLst>
-                                    <p:cond delay="0"/>
-                                  </p:stCondLst>
-                                  <p:childTnLst>
-                                    <p:set>
-                                      <p:cBhvr>
-                                        <p:cTn id="16" dur="1" fill="hold">
-                                          <p:stCondLst>
-                                            <p:cond delay="0"/>
-                                          </p:stCondLst>
-                                        </p:cTn>
-                                        <p:tgtEl>
-                                          <p:spTgt spid="3">
-                                            <p:txEl>
-                                              <p:pRg st="3" end="3"/>
-                                            </p:txEl>
-                                          </p:spTgt>
-                                        </p:tgtEl>
-                                        <p:attrNameLst>
-                                          <p:attrName>style.visibility</p:attrName>
-                                        </p:attrNameLst>
-                                      </p:cBhvr>
-                                      <p:to>
-                                        <p:strVal val="visible"/>
-                                      </p:to>
-                                    </p:set>
-                                    <p:animEffect transition="in" filter="fade">
-                                      <p:cBhvr>
-                                        <p:cTn id="17" dur="500"/>
-                                        <p:tgtEl>
-                                          <p:spTgt spid="3">
-                                            <p:txEl>
-                                              <p:pRg st="3" end="3"/>
-                                            </p:txEl>
-                                          </p:spTgt>
-                                        </p:tgtEl>
-                                      </p:cBhvr>
-                                    </p:animEffect>
-                                  </p:childTnLst>
-                                </p:cTn>
-                              </p:par>
-                            </p:childTnLst>
-                          </p:cTn>
-                        </p:par>
-                        <p:par>
-                          <p:cTn id="18" fill="hold">
-                            <p:stCondLst>
-                              <p:cond delay="500"/>
-                            </p:stCondLst>
-                            <p:childTnLst>
-                              <p:par>
-                                <p:cTn id="19" presetID="22" presetClass="entr" presetSubtype="8" fill="hold" grpId="0" nodeType="afterEffect">
-                                  <p:stCondLst>
-                                    <p:cond delay="0"/>
-                                  </p:stCondLst>
-                                  <p:childTnLst>
-                                    <p:set>
-                                      <p:cBhvr>
-                                        <p:cTn id="20" dur="1" fill="hold">
-                                          <p:stCondLst>
-                                            <p:cond delay="0"/>
-                                          </p:stCondLst>
-                                        </p:cTn>
-                                        <p:tgtEl>
-                                          <p:spTgt spid="3">
-                                            <p:txEl>
-                                              <p:pRg st="4" end="4"/>
-                                            </p:txEl>
-                                          </p:spTgt>
-                                        </p:tgtEl>
-                                        <p:attrNameLst>
-                                          <p:attrName>style.visibility</p:attrName>
-                                        </p:attrNameLst>
-                                      </p:cBhvr>
-                                      <p:to>
-                                        <p:strVal val="visible"/>
-                                      </p:to>
-                                    </p:set>
-                                    <p:animEffect transition="in" filter="wipe(left)">
-                                      <p:cBhvr>
-                                        <p:cTn id="21" dur="1000"/>
-                                        <p:tgtEl>
-                                          <p:spTgt spid="3">
-                                            <p:txEl>
-                                              <p:pRg st="4" end="4"/>
-                                            </p:txEl>
-                                          </p:spTgt>
-                                        </p:tgtEl>
-                                      </p:cBhvr>
-                                    </p:animEffect>
-                                  </p:childTnLst>
-                                </p:cTn>
-                              </p:par>
-                            </p:childTnLst>
-                          </p:cTn>
-                        </p:par>
-                      </p:childTnLst>
-                    </p:cTn>
-                  </p:par>
-                </p:childTnLst>
-              </p:cTn>
-              <p:prevCondLst>
-                <p:cond evt="onPrev" delay="0">
-                  <p:tgtEl>
-                    <p:sldTgt/>
-                  </p:tgtEl>
-                </p:cond>
-              </p:prevCondLst>
-              <p:nextCondLst>
-                <p:cond evt="onNext" delay="0">
-                  <p:tgtEl>
-                    <p:sldTgt/>
-                  </p:tgtEl>
-                </p:cond>
-              </p:nextCondLst>
-            </p:seq>
-          </p:childTnLst>
-        </p:cTn>
-      </p:par>
-    </p:tnLst>
-    <p:bldLst>
-      <p:bldP spid="3" grpId="0" build="p"/>
-    </p:bldLst>
-  </p:timing>
-</p:sld>
-</file>
-
 <file path=ppt/slides/slide3.xml><?xml version="1.0" encoding="utf-8"?>
 <p:sld xmlns:a="http://schemas.openxmlformats.org/drawingml/2006/main" xmlns:r="http://schemas.openxmlformats.org/officeDocument/2006/relationships" xmlns:p="http://schemas.openxmlformats.org/presentationml/2006/main">
   <p:cSld>
@@ -18765,11 +18946,7 @@
             </a:pPr>
             <a:r>
               <a:rPr lang="en-US" dirty="0" smtClean="0"/>
-              <a:t>Albert R Meyer,               </a:t>
-            </a:r>
-            <a:r>
-              <a:rPr lang="en-US" dirty="0" smtClean="0"/>
-              <a:t>May 15, 2013</a:t>
+              <a:t>Albert R Meyer,               May 15, 2013</a:t>
             </a:r>
             <a:endParaRPr lang="en-US" dirty="0"/>
           </a:p>
@@ -19188,11 +19365,7 @@
             </a:pPr>
             <a:r>
               <a:rPr lang="en-US" dirty="0" smtClean="0"/>
-              <a:t>Albert R Meyer,               </a:t>
-            </a:r>
-            <a:r>
-              <a:rPr lang="en-US" dirty="0" smtClean="0"/>
-              <a:t>May 15, 2013</a:t>
+              <a:t>Albert R Meyer,               May 15, 2013</a:t>
             </a:r>
             <a:endParaRPr lang="en-US" dirty="0"/>
           </a:p>
@@ -19664,10 +19837,11 @@
             <a:avLst/>
           </a:prstGeom>
           <a:noFill/>
-          <a:ln w="28575">
+          <a:ln w="38100">
             <a:solidFill>
               <a:srgbClr val="0000FF"/>
             </a:solidFill>
+            <a:prstDash val="sysDash"/>
             <a:miter lim="800000"/>
             <a:headEnd/>
             <a:tailEnd/>
@@ -19710,10 +19884,11 @@
             <a:avLst/>
           </a:prstGeom>
           <a:noFill/>
-          <a:ln w="28575">
+          <a:ln w="38100">
             <a:solidFill>
               <a:srgbClr val="0000FF"/>
             </a:solidFill>
+            <a:prstDash val="sysDash"/>
             <a:miter lim="800000"/>
             <a:headEnd/>
             <a:tailEnd/>
@@ -19786,11 +19961,7 @@
             </a:pPr>
             <a:r>
               <a:rPr lang="en-US" dirty="0" smtClean="0"/>
-              <a:t>Albert R Meyer,               </a:t>
-            </a:r>
-            <a:r>
-              <a:rPr lang="en-US" dirty="0" smtClean="0"/>
-              <a:t>May 15, 2013</a:t>
+              <a:t>Albert R Meyer,               May 15, 2013</a:t>
             </a:r>
             <a:endParaRPr lang="en-US" dirty="0"/>
           </a:p>
@@ -20394,11 +20565,7 @@
             </a:pPr>
             <a:r>
               <a:rPr lang="en-US" dirty="0" smtClean="0"/>
-              <a:t>Albert R Meyer,               </a:t>
-            </a:r>
-            <a:r>
-              <a:rPr lang="en-US" dirty="0" smtClean="0"/>
-              <a:t>May 15, 2013</a:t>
+              <a:t>Albert R Meyer,               May 15, 2013</a:t>
             </a:r>
             <a:endParaRPr lang="en-US" dirty="0"/>
           </a:p>
@@ -20426,7 +20593,7 @@
           <a:graphicData uri="http://schemas.openxmlformats.org/presentationml/2006/ole">
             <mc:AlternateContent xmlns:mc="http://schemas.openxmlformats.org/markup-compatibility/2006">
               <mc:Choice xmlns:v="urn:schemas-microsoft-com:vml" Requires="v">
-                <p:oleObj spid="_x0000_s240695" name="Equation" r:id="rId4" imgW="1066800" imgH="469900" progId="Equation.DSMT4">
+                <p:oleObj spid="_x0000_s240699" name="Equation" r:id="rId4" imgW="1066800" imgH="469900" progId="Equation.DSMT4">
                   <p:embed/>
                 </p:oleObj>
               </mc:Choice>
@@ -20896,11 +21063,7 @@
             </a:pPr>
             <a:r>
               <a:rPr lang="en-US" dirty="0" smtClean="0"/>
-              <a:t>Albert R Meyer,               </a:t>
-            </a:r>
-            <a:r>
-              <a:rPr lang="en-US" dirty="0" smtClean="0"/>
-              <a:t>May 15, 2013</a:t>
+              <a:t>Albert R Meyer,               May 15, 2013</a:t>
             </a:r>
             <a:endParaRPr lang="en-US" dirty="0"/>
           </a:p>
@@ -21553,11 +21716,7 @@
             </a:pPr>
             <a:r>
               <a:rPr lang="en-US" dirty="0" smtClean="0"/>
-              <a:t>Albert R Meyer,               </a:t>
-            </a:r>
-            <a:r>
-              <a:rPr lang="en-US" dirty="0" smtClean="0"/>
-              <a:t>May 15, 2013</a:t>
+              <a:t>Albert R Meyer,               May 15, 2013</a:t>
             </a:r>
             <a:endParaRPr lang="en-US" dirty="0"/>
           </a:p>
@@ -22180,11 +22339,7 @@
             </a:pPr>
             <a:r>
               <a:rPr lang="en-US" dirty="0" smtClean="0"/>
-              <a:t>Albert R Meyer,               </a:t>
-            </a:r>
-            <a:r>
-              <a:rPr lang="en-US" dirty="0" smtClean="0"/>
-              <a:t>May 15, 2013</a:t>
+              <a:t>Albert R Meyer,               May 15, 2013</a:t>
             </a:r>
             <a:endParaRPr lang="en-US" dirty="0"/>
           </a:p>
